--- a/presentation/Pattern Extraction Final.pptx
+++ b/presentation/Pattern Extraction Final.pptx
@@ -6,7 +6,7 @@
     <p:sldMasterId id="2147483711" r:id="rId2"/>
   </p:sldMasterIdLst>
   <p:notesMasterIdLst>
-    <p:notesMasterId r:id="rId20"/>
+    <p:notesMasterId r:id="rId24"/>
   </p:notesMasterIdLst>
   <p:sldIdLst>
     <p:sldId id="256" r:id="rId3"/>
@@ -24,8 +24,12 @@
     <p:sldId id="307" r:id="rId15"/>
     <p:sldId id="308" r:id="rId16"/>
     <p:sldId id="296" r:id="rId17"/>
-    <p:sldId id="309" r:id="rId18"/>
-    <p:sldId id="285" r:id="rId19"/>
+    <p:sldId id="310" r:id="rId18"/>
+    <p:sldId id="309" r:id="rId19"/>
+    <p:sldId id="311" r:id="rId20"/>
+    <p:sldId id="312" r:id="rId21"/>
+    <p:sldId id="313" r:id="rId22"/>
+    <p:sldId id="285" r:id="rId23"/>
   </p:sldIdLst>
   <p:sldSz cx="12192000" cy="6858000"/>
   <p:notesSz cx="6858000" cy="9144000"/>
@@ -132,6 +136,3428 @@
 </p:presentation>
 </file>
 
+<file path=ppt/charts/chart1.xml><?xml version="1.0" encoding="utf-8"?>
+<c:chartSpace xmlns:c="http://schemas.openxmlformats.org/drawingml/2006/chart" xmlns:a="http://schemas.openxmlformats.org/drawingml/2006/main" xmlns:r="http://schemas.openxmlformats.org/officeDocument/2006/relationships">
+  <c:date1904 val="0"/>
+  <c:lang val="fr-FR"/>
+  <c:roundedCorners val="0"/>
+  <mc:AlternateContent xmlns:mc="http://schemas.openxmlformats.org/markup-compatibility/2006">
+    <mc:Choice xmlns:c14="http://schemas.microsoft.com/office/drawing/2007/8/2/chart" Requires="c14">
+      <c14:style val="102"/>
+    </mc:Choice>
+    <mc:Fallback>
+      <c:style val="2"/>
+    </mc:Fallback>
+  </mc:AlternateContent>
+  <c:chart>
+    <c:title>
+      <c:tx>
+        <c:rich>
+          <a:bodyPr rot="0" spcFirstLastPara="1" vertOverflow="ellipsis" vert="horz" wrap="square" anchor="ctr" anchorCtr="1"/>
+          <a:lstStyle/>
+          <a:p>
+            <a:pPr>
+              <a:defRPr sz="1862" b="0" i="0" u="none" strike="noStrike" kern="1200" spc="0" baseline="0">
+                <a:solidFill>
+                  <a:schemeClr val="tx1">
+                    <a:lumMod val="65000"/>
+                    <a:lumOff val="35000"/>
+                  </a:schemeClr>
+                </a:solidFill>
+                <a:latin typeface="+mn-lt"/>
+                <a:ea typeface="+mn-ea"/>
+                <a:cs typeface="+mn-cs"/>
+              </a:defRPr>
+            </a:pPr>
+            <a:r>
+              <a:rPr lang="en-US" dirty="0"/>
+              <a:t>Percentage of projects using </a:t>
+            </a:r>
+            <a:r>
+              <a:rPr lang="en-US" dirty="0" smtClean="0"/>
+              <a:t>each feature</a:t>
+            </a:r>
+            <a:endParaRPr lang="en-US" dirty="0"/>
+          </a:p>
+        </c:rich>
+      </c:tx>
+      <c:layout/>
+      <c:overlay val="0"/>
+      <c:spPr>
+        <a:noFill/>
+        <a:ln>
+          <a:noFill/>
+        </a:ln>
+        <a:effectLst/>
+      </c:spPr>
+      <c:txPr>
+        <a:bodyPr rot="0" spcFirstLastPara="1" vertOverflow="ellipsis" vert="horz" wrap="square" anchor="ctr" anchorCtr="1"/>
+        <a:lstStyle/>
+        <a:p>
+          <a:pPr>
+            <a:defRPr sz="1862" b="0" i="0" u="none" strike="noStrike" kern="1200" spc="0" baseline="0">
+              <a:solidFill>
+                <a:schemeClr val="tx1">
+                  <a:lumMod val="65000"/>
+                  <a:lumOff val="35000"/>
+                </a:schemeClr>
+              </a:solidFill>
+              <a:latin typeface="+mn-lt"/>
+              <a:ea typeface="+mn-ea"/>
+              <a:cs typeface="+mn-cs"/>
+            </a:defRPr>
+          </a:pPr>
+          <a:endParaRPr lang="fr-FR"/>
+        </a:p>
+      </c:txPr>
+    </c:title>
+    <c:autoTitleDeleted val="0"/>
+    <c:plotArea>
+      <c:layout>
+        <c:manualLayout>
+          <c:layoutTarget val="inner"/>
+          <c:xMode val="edge"/>
+          <c:yMode val="edge"/>
+          <c:x val="0.10612410605971258"/>
+          <c:y val="0.1665159881522458"/>
+          <c:w val="0.88009983060471297"/>
+          <c:h val="0.43265780700057171"/>
+        </c:manualLayout>
+      </c:layout>
+      <c:barChart>
+        <c:barDir val="col"/>
+        <c:grouping val="clustered"/>
+        <c:varyColors val="0"/>
+        <c:ser>
+          <c:idx val="0"/>
+          <c:order val="0"/>
+          <c:tx>
+            <c:strRef>
+              <c:f>Feuil1!$B$1</c:f>
+              <c:strCache>
+                <c:ptCount val="1"/>
+                <c:pt idx="0">
+                  <c:v>Percentage of projects using the feature</c:v>
+                </c:pt>
+              </c:strCache>
+            </c:strRef>
+          </c:tx>
+          <c:spPr>
+            <a:solidFill>
+              <a:schemeClr val="accent1"/>
+            </a:solidFill>
+            <a:ln>
+              <a:noFill/>
+            </a:ln>
+            <a:effectLst/>
+          </c:spPr>
+          <c:invertIfNegative val="0"/>
+          <c:dLbls>
+            <c:spPr>
+              <a:noFill/>
+              <a:ln>
+                <a:noFill/>
+              </a:ln>
+              <a:effectLst/>
+            </c:spPr>
+            <c:txPr>
+              <a:bodyPr rot="-2700000" spcFirstLastPara="1" vertOverflow="ellipsis" wrap="square" lIns="38100" tIns="19050" rIns="38100" bIns="19050" anchor="ctr" anchorCtr="1">
+                <a:spAutoFit/>
+              </a:bodyPr>
+              <a:lstStyle/>
+              <a:p>
+                <a:pPr>
+                  <a:defRPr sz="1197" b="0" i="0" u="none" strike="noStrike" kern="1200" baseline="0">
+                    <a:solidFill>
+                      <a:schemeClr val="tx1">
+                        <a:lumMod val="75000"/>
+                        <a:lumOff val="25000"/>
+                      </a:schemeClr>
+                    </a:solidFill>
+                    <a:latin typeface="+mn-lt"/>
+                    <a:ea typeface="+mn-ea"/>
+                    <a:cs typeface="+mn-cs"/>
+                  </a:defRPr>
+                </a:pPr>
+                <a:endParaRPr lang="fr-FR"/>
+              </a:p>
+            </c:txPr>
+            <c:dLblPos val="outEnd"/>
+            <c:showLegendKey val="0"/>
+            <c:showVal val="1"/>
+            <c:showCatName val="0"/>
+            <c:showSerName val="0"/>
+            <c:showPercent val="0"/>
+            <c:showBubbleSize val="0"/>
+            <c:showLeaderLines val="0"/>
+            <c:extLst>
+              <c:ext xmlns:c15="http://schemas.microsoft.com/office/drawing/2012/chart" uri="{CE6537A1-D6FC-4f65-9D91-7224C49458BB}">
+                <c15:layout/>
+                <c15:showLeaderLines val="1"/>
+                <c15:leaderLines>
+                  <c:spPr>
+                    <a:ln w="9525" cap="flat" cmpd="sng" algn="ctr">
+                      <a:solidFill>
+                        <a:schemeClr val="tx1">
+                          <a:lumMod val="35000"/>
+                          <a:lumOff val="65000"/>
+                        </a:schemeClr>
+                      </a:solidFill>
+                      <a:round/>
+                    </a:ln>
+                    <a:effectLst/>
+                  </c:spPr>
+                </c15:leaderLines>
+              </c:ext>
+            </c:extLst>
+          </c:dLbls>
+          <c:cat>
+            <c:strRef>
+              <c:f>Feuil1!$A$2:$A$18</c:f>
+              <c:strCache>
+                <c:ptCount val="17"/>
+                <c:pt idx="0">
+                  <c:v>class declaration </c:v>
+                </c:pt>
+                <c:pt idx="1">
+                  <c:v>closure </c:v>
+                </c:pt>
+                <c:pt idx="2">
+                  <c:v>constant declaration </c:v>
+                </c:pt>
+                <c:pt idx="3">
+                  <c:v>infered types </c:v>
+                </c:pt>
+                <c:pt idx="4">
+                  <c:v>optional </c:v>
+                </c:pt>
+                <c:pt idx="5">
+                  <c:v>variable declaration </c:v>
+                </c:pt>
+                <c:pt idx="6">
+                  <c:v>extension </c:v>
+                </c:pt>
+                <c:pt idx="7">
+                  <c:v>optional chaining </c:v>
+                </c:pt>
+                <c:pt idx="8">
+                  <c:v>protocol extension </c:v>
+                </c:pt>
+                <c:pt idx="9">
+                  <c:v>default argument for a function parameter </c:v>
+                </c:pt>
+                <c:pt idx="10">
+                  <c:v>optional return value </c:v>
+                </c:pt>
+                <c:pt idx="11">
+                  <c:v>struct declaration </c:v>
+                </c:pt>
+                <c:pt idx="12">
+                  <c:v>protocol </c:v>
+                </c:pt>
+                <c:pt idx="13">
+                  <c:v>retroactive modeling </c:v>
+                </c:pt>
+                <c:pt idx="14">
+                  <c:v>bounded polymorphism </c:v>
+                </c:pt>
+                <c:pt idx="15">
+                  <c:v>protocol with associated datatype </c:v>
+                </c:pt>
+                <c:pt idx="16">
+                  <c:v>inline always </c:v>
+                </c:pt>
+              </c:strCache>
+            </c:strRef>
+          </c:cat>
+          <c:val>
+            <c:numRef>
+              <c:f>Feuil1!$B$2:$B$18</c:f>
+              <c:numCache>
+                <c:formatCode>0.00%</c:formatCode>
+                <c:ptCount val="17"/>
+                <c:pt idx="0">
+                  <c:v>1</c:v>
+                </c:pt>
+                <c:pt idx="1">
+                  <c:v>1</c:v>
+                </c:pt>
+                <c:pt idx="2">
+                  <c:v>1</c:v>
+                </c:pt>
+                <c:pt idx="3">
+                  <c:v>1</c:v>
+                </c:pt>
+                <c:pt idx="4">
+                  <c:v>1</c:v>
+                </c:pt>
+                <c:pt idx="5">
+                  <c:v>1</c:v>
+                </c:pt>
+                <c:pt idx="6">
+                  <c:v>0.97560975999999999</c:v>
+                </c:pt>
+                <c:pt idx="7">
+                  <c:v>0.96747967000000001</c:v>
+                </c:pt>
+                <c:pt idx="8">
+                  <c:v>0.94308943000000001</c:v>
+                </c:pt>
+                <c:pt idx="9">
+                  <c:v>0.90243901999999998</c:v>
+                </c:pt>
+                <c:pt idx="10">
+                  <c:v>0.86178862000000001</c:v>
+                </c:pt>
+                <c:pt idx="11">
+                  <c:v>0.86178862000000001</c:v>
+                </c:pt>
+                <c:pt idx="12">
+                  <c:v>0.82113820999999998</c:v>
+                </c:pt>
+                <c:pt idx="13">
+                  <c:v>0.82113820999999998</c:v>
+                </c:pt>
+                <c:pt idx="14">
+                  <c:v>0.52032520000000004</c:v>
+                </c:pt>
+                <c:pt idx="15">
+                  <c:v>0.26016260000000002</c:v>
+                </c:pt>
+                <c:pt idx="16">
+                  <c:v>4.8780490000000003E-2</c:v>
+                </c:pt>
+              </c:numCache>
+            </c:numRef>
+          </c:val>
+        </c:ser>
+        <c:dLbls>
+          <c:dLblPos val="outEnd"/>
+          <c:showLegendKey val="0"/>
+          <c:showVal val="1"/>
+          <c:showCatName val="0"/>
+          <c:showSerName val="0"/>
+          <c:showPercent val="0"/>
+          <c:showBubbleSize val="0"/>
+        </c:dLbls>
+        <c:gapWidth val="119"/>
+        <c:overlap val="-27"/>
+        <c:axId val="404157184"/>
+        <c:axId val="404163168"/>
+      </c:barChart>
+      <c:catAx>
+        <c:axId val="404157184"/>
+        <c:scaling>
+          <c:orientation val="minMax"/>
+        </c:scaling>
+        <c:delete val="0"/>
+        <c:axPos val="b"/>
+        <c:numFmt formatCode="General" sourceLinked="1"/>
+        <c:majorTickMark val="none"/>
+        <c:minorTickMark val="none"/>
+        <c:tickLblPos val="nextTo"/>
+        <c:spPr>
+          <a:noFill/>
+          <a:ln w="9525" cap="flat" cmpd="sng" algn="ctr">
+            <a:solidFill>
+              <a:schemeClr val="tx1">
+                <a:lumMod val="15000"/>
+                <a:lumOff val="85000"/>
+              </a:schemeClr>
+            </a:solidFill>
+            <a:round/>
+          </a:ln>
+          <a:effectLst/>
+        </c:spPr>
+        <c:txPr>
+          <a:bodyPr rot="-60000000" spcFirstLastPara="1" vertOverflow="ellipsis" vert="horz" wrap="square" anchor="ctr" anchorCtr="1"/>
+          <a:lstStyle/>
+          <a:p>
+            <a:pPr>
+              <a:defRPr sz="1197" b="0" i="0" u="none" strike="noStrike" kern="1200" baseline="0">
+                <a:solidFill>
+                  <a:schemeClr val="tx1">
+                    <a:lumMod val="65000"/>
+                    <a:lumOff val="35000"/>
+                  </a:schemeClr>
+                </a:solidFill>
+                <a:latin typeface="+mn-lt"/>
+                <a:ea typeface="+mn-ea"/>
+                <a:cs typeface="+mn-cs"/>
+              </a:defRPr>
+            </a:pPr>
+            <a:endParaRPr lang="fr-FR"/>
+          </a:p>
+        </c:txPr>
+        <c:crossAx val="404163168"/>
+        <c:crosses val="autoZero"/>
+        <c:auto val="1"/>
+        <c:lblAlgn val="ctr"/>
+        <c:lblOffset val="100"/>
+        <c:noMultiLvlLbl val="0"/>
+      </c:catAx>
+      <c:valAx>
+        <c:axId val="404163168"/>
+        <c:scaling>
+          <c:orientation val="minMax"/>
+          <c:max val="1"/>
+        </c:scaling>
+        <c:delete val="0"/>
+        <c:axPos val="l"/>
+        <c:majorGridlines>
+          <c:spPr>
+            <a:ln w="9525" cap="flat" cmpd="sng" algn="ctr">
+              <a:solidFill>
+                <a:schemeClr val="tx1">
+                  <a:lumMod val="15000"/>
+                  <a:lumOff val="85000"/>
+                </a:schemeClr>
+              </a:solidFill>
+              <a:round/>
+            </a:ln>
+            <a:effectLst/>
+          </c:spPr>
+        </c:majorGridlines>
+        <c:title>
+          <c:tx>
+            <c:rich>
+              <a:bodyPr rot="-5400000" spcFirstLastPara="1" vertOverflow="ellipsis" vert="horz" wrap="square" anchor="ctr" anchorCtr="1"/>
+              <a:lstStyle/>
+              <a:p>
+                <a:pPr>
+                  <a:defRPr sz="1330" b="0" i="0" u="none" strike="noStrike" kern="1200" baseline="0">
+                    <a:solidFill>
+                      <a:schemeClr val="tx1">
+                        <a:lumMod val="65000"/>
+                        <a:lumOff val="35000"/>
+                      </a:schemeClr>
+                    </a:solidFill>
+                    <a:latin typeface="+mn-lt"/>
+                    <a:ea typeface="+mn-ea"/>
+                    <a:cs typeface="+mn-cs"/>
+                  </a:defRPr>
+                </a:pPr>
+                <a:r>
+                  <a:rPr lang="fr-CH" dirty="0" err="1" smtClean="0"/>
+                  <a:t>Percentage</a:t>
+                </a:r>
+                <a:r>
+                  <a:rPr lang="fr-CH" dirty="0" smtClean="0"/>
+                  <a:t> of </a:t>
+                </a:r>
+                <a:r>
+                  <a:rPr lang="fr-CH" dirty="0" err="1" smtClean="0"/>
+                  <a:t>projects</a:t>
+                </a:r>
+                <a:endParaRPr lang="fr-CH" dirty="0"/>
+              </a:p>
+            </c:rich>
+          </c:tx>
+          <c:layout/>
+          <c:overlay val="0"/>
+          <c:spPr>
+            <a:noFill/>
+            <a:ln>
+              <a:noFill/>
+            </a:ln>
+            <a:effectLst/>
+          </c:spPr>
+          <c:txPr>
+            <a:bodyPr rot="-5400000" spcFirstLastPara="1" vertOverflow="ellipsis" vert="horz" wrap="square" anchor="ctr" anchorCtr="1"/>
+            <a:lstStyle/>
+            <a:p>
+              <a:pPr>
+                <a:defRPr sz="1330" b="0" i="0" u="none" strike="noStrike" kern="1200" baseline="0">
+                  <a:solidFill>
+                    <a:schemeClr val="tx1">
+                      <a:lumMod val="65000"/>
+                      <a:lumOff val="35000"/>
+                    </a:schemeClr>
+                  </a:solidFill>
+                  <a:latin typeface="+mn-lt"/>
+                  <a:ea typeface="+mn-ea"/>
+                  <a:cs typeface="+mn-cs"/>
+                </a:defRPr>
+              </a:pPr>
+              <a:endParaRPr lang="fr-FR"/>
+            </a:p>
+          </c:txPr>
+        </c:title>
+        <c:numFmt formatCode="0%" sourceLinked="0"/>
+        <c:majorTickMark val="none"/>
+        <c:minorTickMark val="none"/>
+        <c:tickLblPos val="nextTo"/>
+        <c:spPr>
+          <a:noFill/>
+          <a:ln>
+            <a:noFill/>
+          </a:ln>
+          <a:effectLst/>
+        </c:spPr>
+        <c:txPr>
+          <a:bodyPr rot="-60000000" spcFirstLastPara="1" vertOverflow="ellipsis" vert="horz" wrap="square" anchor="ctr" anchorCtr="1"/>
+          <a:lstStyle/>
+          <a:p>
+            <a:pPr>
+              <a:defRPr sz="1197" b="0" i="0" u="none" strike="noStrike" kern="1200" baseline="0">
+                <a:solidFill>
+                  <a:schemeClr val="tx1">
+                    <a:lumMod val="65000"/>
+                    <a:lumOff val="35000"/>
+                  </a:schemeClr>
+                </a:solidFill>
+                <a:latin typeface="+mn-lt"/>
+                <a:ea typeface="+mn-ea"/>
+                <a:cs typeface="+mn-cs"/>
+              </a:defRPr>
+            </a:pPr>
+            <a:endParaRPr lang="fr-FR"/>
+          </a:p>
+        </c:txPr>
+        <c:crossAx val="404157184"/>
+        <c:crosses val="autoZero"/>
+        <c:crossBetween val="between"/>
+      </c:valAx>
+      <c:spPr>
+        <a:noFill/>
+        <a:ln>
+          <a:noFill/>
+        </a:ln>
+        <a:effectLst/>
+      </c:spPr>
+    </c:plotArea>
+    <c:plotVisOnly val="1"/>
+    <c:dispBlanksAs val="gap"/>
+    <c:showDLblsOverMax val="0"/>
+  </c:chart>
+  <c:spPr>
+    <a:noFill/>
+    <a:ln>
+      <a:noFill/>
+    </a:ln>
+    <a:effectLst/>
+  </c:spPr>
+  <c:txPr>
+    <a:bodyPr/>
+    <a:lstStyle/>
+    <a:p>
+      <a:pPr>
+        <a:defRPr/>
+      </a:pPr>
+      <a:endParaRPr lang="fr-FR"/>
+    </a:p>
+  </c:txPr>
+  <c:externalData r:id="rId3">
+    <c:autoUpdate val="0"/>
+  </c:externalData>
+</c:chartSpace>
+</file>
+
+<file path=ppt/charts/chart2.xml><?xml version="1.0" encoding="utf-8"?>
+<c:chartSpace xmlns:c="http://schemas.openxmlformats.org/drawingml/2006/chart" xmlns:a="http://schemas.openxmlformats.org/drawingml/2006/main" xmlns:r="http://schemas.openxmlformats.org/officeDocument/2006/relationships">
+  <c:date1904 val="0"/>
+  <c:lang val="fr-FR"/>
+  <c:roundedCorners val="0"/>
+  <mc:AlternateContent xmlns:mc="http://schemas.openxmlformats.org/markup-compatibility/2006">
+    <mc:Choice xmlns:c14="http://schemas.microsoft.com/office/drawing/2007/8/2/chart" Requires="c14">
+      <c14:style val="102"/>
+    </mc:Choice>
+    <mc:Fallback>
+      <c:style val="2"/>
+    </mc:Fallback>
+  </mc:AlternateContent>
+  <c:chart>
+    <c:title>
+      <c:tx>
+        <c:rich>
+          <a:bodyPr rot="0" spcFirstLastPara="1" vertOverflow="ellipsis" vert="horz" wrap="square" anchor="ctr" anchorCtr="1"/>
+          <a:lstStyle/>
+          <a:p>
+            <a:pPr>
+              <a:defRPr sz="1862" b="0" i="0" u="none" strike="noStrike" kern="1200" spc="0" baseline="0">
+                <a:solidFill>
+                  <a:schemeClr val="tx1">
+                    <a:lumMod val="65000"/>
+                    <a:lumOff val="35000"/>
+                  </a:schemeClr>
+                </a:solidFill>
+                <a:latin typeface="+mn-lt"/>
+                <a:ea typeface="+mn-ea"/>
+                <a:cs typeface="+mn-cs"/>
+              </a:defRPr>
+            </a:pPr>
+            <a:r>
+              <a:rPr lang="fr-CH" dirty="0" smtClean="0"/>
+              <a:t>First </a:t>
+            </a:r>
+            <a:r>
+              <a:rPr lang="fr-CH" baseline="0" dirty="0" err="1" smtClean="0"/>
+              <a:t>appearance</a:t>
+            </a:r>
+            <a:r>
+              <a:rPr lang="fr-CH" baseline="0" dirty="0" smtClean="0"/>
+              <a:t> of </a:t>
+            </a:r>
+            <a:r>
+              <a:rPr lang="fr-CH" baseline="0" dirty="0" err="1" smtClean="0"/>
+              <a:t>each</a:t>
+            </a:r>
+            <a:r>
+              <a:rPr lang="fr-CH" baseline="0" dirty="0" smtClean="0"/>
+              <a:t> </a:t>
+            </a:r>
+            <a:r>
+              <a:rPr lang="fr-CH" baseline="0" dirty="0" err="1" smtClean="0"/>
+              <a:t>feature</a:t>
+            </a:r>
+            <a:r>
+              <a:rPr lang="fr-CH" baseline="0" dirty="0" smtClean="0"/>
+              <a:t> in </a:t>
+            </a:r>
+            <a:r>
+              <a:rPr lang="fr-CH" baseline="0" dirty="0" err="1" smtClean="0"/>
+              <a:t>projects</a:t>
+            </a:r>
+            <a:endParaRPr lang="fr-CH" dirty="0"/>
+          </a:p>
+        </c:rich>
+      </c:tx>
+      <c:layout/>
+      <c:overlay val="0"/>
+      <c:spPr>
+        <a:noFill/>
+        <a:ln>
+          <a:noFill/>
+        </a:ln>
+        <a:effectLst/>
+      </c:spPr>
+      <c:txPr>
+        <a:bodyPr rot="0" spcFirstLastPara="1" vertOverflow="ellipsis" vert="horz" wrap="square" anchor="ctr" anchorCtr="1"/>
+        <a:lstStyle/>
+        <a:p>
+          <a:pPr>
+            <a:defRPr sz="1862" b="0" i="0" u="none" strike="noStrike" kern="1200" spc="0" baseline="0">
+              <a:solidFill>
+                <a:schemeClr val="tx1">
+                  <a:lumMod val="65000"/>
+                  <a:lumOff val="35000"/>
+                </a:schemeClr>
+              </a:solidFill>
+              <a:latin typeface="+mn-lt"/>
+              <a:ea typeface="+mn-ea"/>
+              <a:cs typeface="+mn-cs"/>
+            </a:defRPr>
+          </a:pPr>
+          <a:endParaRPr lang="fr-FR"/>
+        </a:p>
+      </c:txPr>
+    </c:title>
+    <c:autoTitleDeleted val="0"/>
+    <c:plotArea>
+      <c:layout/>
+      <c:barChart>
+        <c:barDir val="col"/>
+        <c:grouping val="clustered"/>
+        <c:varyColors val="0"/>
+        <c:ser>
+          <c:idx val="0"/>
+          <c:order val="0"/>
+          <c:tx>
+            <c:strRef>
+              <c:f>Feuil1!$B$1</c:f>
+              <c:strCache>
+                <c:ptCount val="1"/>
+                <c:pt idx="0">
+                  <c:v>mean</c:v>
+                </c:pt>
+              </c:strCache>
+            </c:strRef>
+          </c:tx>
+          <c:spPr>
+            <a:solidFill>
+              <a:schemeClr val="accent1"/>
+            </a:solidFill>
+            <a:ln>
+              <a:noFill/>
+            </a:ln>
+            <a:effectLst/>
+          </c:spPr>
+          <c:invertIfNegative val="0"/>
+          <c:cat>
+            <c:strRef>
+              <c:f>Feuil1!$A$2:$A$18</c:f>
+              <c:strCache>
+                <c:ptCount val="17"/>
+                <c:pt idx="0">
+                  <c:v>variable declaration </c:v>
+                </c:pt>
+                <c:pt idx="1">
+                  <c:v>class declaration </c:v>
+                </c:pt>
+                <c:pt idx="2">
+                  <c:v>infered types </c:v>
+                </c:pt>
+                <c:pt idx="3">
+                  <c:v>constant declaration </c:v>
+                </c:pt>
+                <c:pt idx="4">
+                  <c:v>closure </c:v>
+                </c:pt>
+                <c:pt idx="5">
+                  <c:v>optional </c:v>
+                </c:pt>
+                <c:pt idx="6">
+                  <c:v>optional chaining </c:v>
+                </c:pt>
+                <c:pt idx="7">
+                  <c:v>extension </c:v>
+                </c:pt>
+                <c:pt idx="8">
+                  <c:v>protocol extension </c:v>
+                </c:pt>
+                <c:pt idx="9">
+                  <c:v>struct declaration </c:v>
+                </c:pt>
+                <c:pt idx="10">
+                  <c:v>optional return value </c:v>
+                </c:pt>
+                <c:pt idx="11">
+                  <c:v>protocol </c:v>
+                </c:pt>
+                <c:pt idx="12">
+                  <c:v>retroactive modeling </c:v>
+                </c:pt>
+                <c:pt idx="13">
+                  <c:v>default argument for a function parameter </c:v>
+                </c:pt>
+                <c:pt idx="14">
+                  <c:v>bounded polymorphism </c:v>
+                </c:pt>
+                <c:pt idx="15">
+                  <c:v>protocol with associated datatype </c:v>
+                </c:pt>
+                <c:pt idx="16">
+                  <c:v>inline always </c:v>
+                </c:pt>
+              </c:strCache>
+            </c:strRef>
+          </c:cat>
+          <c:val>
+            <c:numRef>
+              <c:f>Feuil1!$B$2:$B$18</c:f>
+              <c:numCache>
+                <c:formatCode>General</c:formatCode>
+                <c:ptCount val="17"/>
+                <c:pt idx="0">
+                  <c:v>5.4454549999999999</c:v>
+                </c:pt>
+                <c:pt idx="1">
+                  <c:v>9.3082980000000006</c:v>
+                </c:pt>
+                <c:pt idx="2">
+                  <c:v>14.942437999999999</c:v>
+                </c:pt>
+                <c:pt idx="3">
+                  <c:v>15.203941</c:v>
+                </c:pt>
+                <c:pt idx="4">
+                  <c:v>19.271218999999999</c:v>
+                </c:pt>
+                <c:pt idx="5">
+                  <c:v>37.596814000000002</c:v>
+                </c:pt>
+                <c:pt idx="6">
+                  <c:v>47.619514000000002</c:v>
+                </c:pt>
+                <c:pt idx="7">
+                  <c:v>79.724369999999993</c:v>
+                </c:pt>
+                <c:pt idx="8">
+                  <c:v>108.03381</c:v>
+                </c:pt>
+                <c:pt idx="9">
+                  <c:v>115.304587</c:v>
+                </c:pt>
+                <c:pt idx="10">
+                  <c:v>117.703835</c:v>
+                </c:pt>
+                <c:pt idx="11">
+                  <c:v>163.979071</c:v>
+                </c:pt>
+                <c:pt idx="12">
+                  <c:v>179.87561500000001</c:v>
+                </c:pt>
+                <c:pt idx="13">
+                  <c:v>207.58475899999999</c:v>
+                </c:pt>
+                <c:pt idx="14">
+                  <c:v>392.61277699999999</c:v>
+                </c:pt>
+                <c:pt idx="15">
+                  <c:v>529.65942399999994</c:v>
+                </c:pt>
+                <c:pt idx="16">
+                  <c:v>696.90620899999999</c:v>
+                </c:pt>
+              </c:numCache>
+            </c:numRef>
+          </c:val>
+        </c:ser>
+        <c:ser>
+          <c:idx val="1"/>
+          <c:order val="1"/>
+          <c:tx>
+            <c:strRef>
+              <c:f>Feuil1!$C$1</c:f>
+              <c:strCache>
+                <c:ptCount val="1"/>
+                <c:pt idx="0">
+                  <c:v>standard deviation</c:v>
+                </c:pt>
+              </c:strCache>
+            </c:strRef>
+          </c:tx>
+          <c:spPr>
+            <a:solidFill>
+              <a:schemeClr val="accent2"/>
+            </a:solidFill>
+            <a:ln>
+              <a:noFill/>
+            </a:ln>
+            <a:effectLst/>
+          </c:spPr>
+          <c:invertIfNegative val="0"/>
+          <c:cat>
+            <c:strRef>
+              <c:f>Feuil1!$A$2:$A$18</c:f>
+              <c:strCache>
+                <c:ptCount val="17"/>
+                <c:pt idx="0">
+                  <c:v>variable declaration </c:v>
+                </c:pt>
+                <c:pt idx="1">
+                  <c:v>class declaration </c:v>
+                </c:pt>
+                <c:pt idx="2">
+                  <c:v>infered types </c:v>
+                </c:pt>
+                <c:pt idx="3">
+                  <c:v>constant declaration </c:v>
+                </c:pt>
+                <c:pt idx="4">
+                  <c:v>closure </c:v>
+                </c:pt>
+                <c:pt idx="5">
+                  <c:v>optional </c:v>
+                </c:pt>
+                <c:pt idx="6">
+                  <c:v>optional chaining </c:v>
+                </c:pt>
+                <c:pt idx="7">
+                  <c:v>extension </c:v>
+                </c:pt>
+                <c:pt idx="8">
+                  <c:v>protocol extension </c:v>
+                </c:pt>
+                <c:pt idx="9">
+                  <c:v>struct declaration </c:v>
+                </c:pt>
+                <c:pt idx="10">
+                  <c:v>optional return value </c:v>
+                </c:pt>
+                <c:pt idx="11">
+                  <c:v>protocol </c:v>
+                </c:pt>
+                <c:pt idx="12">
+                  <c:v>retroactive modeling </c:v>
+                </c:pt>
+                <c:pt idx="13">
+                  <c:v>default argument for a function parameter </c:v>
+                </c:pt>
+                <c:pt idx="14">
+                  <c:v>bounded polymorphism </c:v>
+                </c:pt>
+                <c:pt idx="15">
+                  <c:v>protocol with associated datatype </c:v>
+                </c:pt>
+                <c:pt idx="16">
+                  <c:v>inline always </c:v>
+                </c:pt>
+              </c:strCache>
+            </c:strRef>
+          </c:cat>
+          <c:val>
+            <c:numRef>
+              <c:f>Feuil1!$C$2:$C$18</c:f>
+              <c:numCache>
+                <c:formatCode>General</c:formatCode>
+                <c:ptCount val="17"/>
+                <c:pt idx="0">
+                  <c:v>38.148439000000003</c:v>
+                </c:pt>
+                <c:pt idx="1">
+                  <c:v>52.638649999999998</c:v>
+                </c:pt>
+                <c:pt idx="2">
+                  <c:v>72.521677999999994</c:v>
+                </c:pt>
+                <c:pt idx="3">
+                  <c:v>72.540820999999994</c:v>
+                </c:pt>
+                <c:pt idx="4">
+                  <c:v>65.166167999999999</c:v>
+                </c:pt>
+                <c:pt idx="5">
+                  <c:v>168.148121</c:v>
+                </c:pt>
+                <c:pt idx="6">
+                  <c:v>130.15526</c:v>
+                </c:pt>
+                <c:pt idx="7">
+                  <c:v>202.958935</c:v>
+                </c:pt>
+                <c:pt idx="8">
+                  <c:v>227.00276299999999</c:v>
+                </c:pt>
+                <c:pt idx="9">
+                  <c:v>271.45730600000002</c:v>
+                </c:pt>
+                <c:pt idx="10">
+                  <c:v>287.41260699999998</c:v>
+                </c:pt>
+                <c:pt idx="11">
+                  <c:v>333.17824999999999</c:v>
+                </c:pt>
+                <c:pt idx="12">
+                  <c:v>305.36956900000001</c:v>
+                </c:pt>
+                <c:pt idx="13">
+                  <c:v>332.12917700000003</c:v>
+                </c:pt>
+                <c:pt idx="14">
+                  <c:v>449.91815000000003</c:v>
+                </c:pt>
+                <c:pt idx="15">
+                  <c:v>385.128218</c:v>
+                </c:pt>
+                <c:pt idx="16">
+                  <c:v>329.86525799999998</c:v>
+                </c:pt>
+              </c:numCache>
+            </c:numRef>
+          </c:val>
+        </c:ser>
+        <c:dLbls>
+          <c:showLegendKey val="0"/>
+          <c:showVal val="0"/>
+          <c:showCatName val="0"/>
+          <c:showSerName val="0"/>
+          <c:showPercent val="0"/>
+          <c:showBubbleSize val="0"/>
+        </c:dLbls>
+        <c:gapWidth val="119"/>
+        <c:axId val="401314224"/>
+        <c:axId val="401318032"/>
+      </c:barChart>
+      <c:catAx>
+        <c:axId val="401314224"/>
+        <c:scaling>
+          <c:orientation val="minMax"/>
+        </c:scaling>
+        <c:delete val="0"/>
+        <c:axPos val="b"/>
+        <c:numFmt formatCode="General" sourceLinked="1"/>
+        <c:majorTickMark val="none"/>
+        <c:minorTickMark val="none"/>
+        <c:tickLblPos val="nextTo"/>
+        <c:spPr>
+          <a:noFill/>
+          <a:ln w="9525" cap="flat" cmpd="sng" algn="ctr">
+            <a:solidFill>
+              <a:schemeClr val="tx1">
+                <a:lumMod val="15000"/>
+                <a:lumOff val="85000"/>
+              </a:schemeClr>
+            </a:solidFill>
+            <a:round/>
+          </a:ln>
+          <a:effectLst/>
+        </c:spPr>
+        <c:txPr>
+          <a:bodyPr rot="-60000000" spcFirstLastPara="1" vertOverflow="ellipsis" vert="horz" wrap="square" anchor="ctr" anchorCtr="1"/>
+          <a:lstStyle/>
+          <a:p>
+            <a:pPr>
+              <a:defRPr sz="1197" b="0" i="0" u="none" strike="noStrike" kern="1200" baseline="0">
+                <a:solidFill>
+                  <a:schemeClr val="tx1">
+                    <a:lumMod val="65000"/>
+                    <a:lumOff val="35000"/>
+                  </a:schemeClr>
+                </a:solidFill>
+                <a:latin typeface="+mn-lt"/>
+                <a:ea typeface="+mn-ea"/>
+                <a:cs typeface="+mn-cs"/>
+              </a:defRPr>
+            </a:pPr>
+            <a:endParaRPr lang="fr-FR"/>
+          </a:p>
+        </c:txPr>
+        <c:crossAx val="401318032"/>
+        <c:crosses val="autoZero"/>
+        <c:auto val="1"/>
+        <c:lblAlgn val="ctr"/>
+        <c:lblOffset val="100"/>
+        <c:noMultiLvlLbl val="0"/>
+      </c:catAx>
+      <c:valAx>
+        <c:axId val="401318032"/>
+        <c:scaling>
+          <c:orientation val="minMax"/>
+        </c:scaling>
+        <c:delete val="0"/>
+        <c:axPos val="l"/>
+        <c:majorGridlines>
+          <c:spPr>
+            <a:ln w="9525" cap="flat" cmpd="sng" algn="ctr">
+              <a:solidFill>
+                <a:schemeClr val="tx1">
+                  <a:lumMod val="15000"/>
+                  <a:lumOff val="85000"/>
+                </a:schemeClr>
+              </a:solidFill>
+              <a:round/>
+            </a:ln>
+            <a:effectLst/>
+          </c:spPr>
+        </c:majorGridlines>
+        <c:title>
+          <c:tx>
+            <c:rich>
+              <a:bodyPr rot="-5400000" spcFirstLastPara="1" vertOverflow="ellipsis" vert="horz" wrap="square" anchor="ctr" anchorCtr="1"/>
+              <a:lstStyle/>
+              <a:p>
+                <a:pPr>
+                  <a:defRPr sz="1330" b="0" i="0" u="none" strike="noStrike" kern="1200" baseline="0">
+                    <a:solidFill>
+                      <a:schemeClr val="tx1">
+                        <a:lumMod val="65000"/>
+                        <a:lumOff val="35000"/>
+                      </a:schemeClr>
+                    </a:solidFill>
+                    <a:latin typeface="+mn-lt"/>
+                    <a:ea typeface="+mn-ea"/>
+                    <a:cs typeface="+mn-cs"/>
+                  </a:defRPr>
+                </a:pPr>
+                <a:r>
+                  <a:rPr lang="fr-CH" dirty="0" err="1" smtClean="0"/>
+                  <a:t>Days</a:t>
+                </a:r>
+                <a:endParaRPr lang="fr-CH" dirty="0"/>
+              </a:p>
+            </c:rich>
+          </c:tx>
+          <c:layout/>
+          <c:overlay val="0"/>
+          <c:spPr>
+            <a:noFill/>
+            <a:ln>
+              <a:noFill/>
+            </a:ln>
+            <a:effectLst/>
+          </c:spPr>
+          <c:txPr>
+            <a:bodyPr rot="-5400000" spcFirstLastPara="1" vertOverflow="ellipsis" vert="horz" wrap="square" anchor="ctr" anchorCtr="1"/>
+            <a:lstStyle/>
+            <a:p>
+              <a:pPr>
+                <a:defRPr sz="1330" b="0" i="0" u="none" strike="noStrike" kern="1200" baseline="0">
+                  <a:solidFill>
+                    <a:schemeClr val="tx1">
+                      <a:lumMod val="65000"/>
+                      <a:lumOff val="35000"/>
+                    </a:schemeClr>
+                  </a:solidFill>
+                  <a:latin typeface="+mn-lt"/>
+                  <a:ea typeface="+mn-ea"/>
+                  <a:cs typeface="+mn-cs"/>
+                </a:defRPr>
+              </a:pPr>
+              <a:endParaRPr lang="fr-FR"/>
+            </a:p>
+          </c:txPr>
+        </c:title>
+        <c:numFmt formatCode="General" sourceLinked="1"/>
+        <c:majorTickMark val="none"/>
+        <c:minorTickMark val="none"/>
+        <c:tickLblPos val="nextTo"/>
+        <c:spPr>
+          <a:noFill/>
+          <a:ln>
+            <a:noFill/>
+          </a:ln>
+          <a:effectLst/>
+        </c:spPr>
+        <c:txPr>
+          <a:bodyPr rot="-60000000" spcFirstLastPara="1" vertOverflow="ellipsis" vert="horz" wrap="square" anchor="ctr" anchorCtr="1"/>
+          <a:lstStyle/>
+          <a:p>
+            <a:pPr>
+              <a:defRPr sz="1197" b="0" i="0" u="none" strike="noStrike" kern="1200" baseline="0">
+                <a:solidFill>
+                  <a:schemeClr val="tx1">
+                    <a:lumMod val="65000"/>
+                    <a:lumOff val="35000"/>
+                  </a:schemeClr>
+                </a:solidFill>
+                <a:latin typeface="+mn-lt"/>
+                <a:ea typeface="+mn-ea"/>
+                <a:cs typeface="+mn-cs"/>
+              </a:defRPr>
+            </a:pPr>
+            <a:endParaRPr lang="fr-FR"/>
+          </a:p>
+        </c:txPr>
+        <c:crossAx val="401314224"/>
+        <c:crosses val="autoZero"/>
+        <c:crossBetween val="between"/>
+      </c:valAx>
+      <c:spPr>
+        <a:noFill/>
+        <a:ln>
+          <a:noFill/>
+        </a:ln>
+        <a:effectLst/>
+      </c:spPr>
+    </c:plotArea>
+    <c:legend>
+      <c:legendPos val="b"/>
+      <c:layout/>
+      <c:overlay val="0"/>
+      <c:spPr>
+        <a:noFill/>
+        <a:ln>
+          <a:noFill/>
+        </a:ln>
+        <a:effectLst/>
+      </c:spPr>
+      <c:txPr>
+        <a:bodyPr rot="0" spcFirstLastPara="1" vertOverflow="ellipsis" vert="horz" wrap="square" anchor="ctr" anchorCtr="1"/>
+        <a:lstStyle/>
+        <a:p>
+          <a:pPr>
+            <a:defRPr sz="1197" b="0" i="0" u="none" strike="noStrike" kern="1200" baseline="0">
+              <a:solidFill>
+                <a:schemeClr val="tx1">
+                  <a:lumMod val="65000"/>
+                  <a:lumOff val="35000"/>
+                </a:schemeClr>
+              </a:solidFill>
+              <a:latin typeface="+mn-lt"/>
+              <a:ea typeface="+mn-ea"/>
+              <a:cs typeface="+mn-cs"/>
+            </a:defRPr>
+          </a:pPr>
+          <a:endParaRPr lang="fr-FR"/>
+        </a:p>
+      </c:txPr>
+    </c:legend>
+    <c:plotVisOnly val="1"/>
+    <c:dispBlanksAs val="gap"/>
+    <c:showDLblsOverMax val="0"/>
+  </c:chart>
+  <c:spPr>
+    <a:noFill/>
+    <a:ln>
+      <a:noFill/>
+    </a:ln>
+    <a:effectLst/>
+  </c:spPr>
+  <c:txPr>
+    <a:bodyPr/>
+    <a:lstStyle/>
+    <a:p>
+      <a:pPr>
+        <a:defRPr/>
+      </a:pPr>
+      <a:endParaRPr lang="fr-FR"/>
+    </a:p>
+  </c:txPr>
+  <c:externalData r:id="rId3">
+    <c:autoUpdate val="0"/>
+  </c:externalData>
+</c:chartSpace>
+</file>
+
+<file path=ppt/charts/chart3.xml><?xml version="1.0" encoding="utf-8"?>
+<c:chartSpace xmlns:c="http://schemas.openxmlformats.org/drawingml/2006/chart" xmlns:a="http://schemas.openxmlformats.org/drawingml/2006/main" xmlns:r="http://schemas.openxmlformats.org/officeDocument/2006/relationships">
+  <c:date1904 val="0"/>
+  <c:lang val="fr-FR"/>
+  <c:roundedCorners val="0"/>
+  <mc:AlternateContent xmlns:mc="http://schemas.openxmlformats.org/markup-compatibility/2006">
+    <mc:Choice xmlns:c14="http://schemas.microsoft.com/office/drawing/2007/8/2/chart" Requires="c14">
+      <c14:style val="102"/>
+    </mc:Choice>
+    <mc:Fallback>
+      <c:style val="2"/>
+    </mc:Fallback>
+  </mc:AlternateContent>
+  <c:chart>
+    <c:title>
+      <c:tx>
+        <c:rich>
+          <a:bodyPr rot="0" spcFirstLastPara="1" vertOverflow="ellipsis" vert="horz" wrap="square" anchor="ctr" anchorCtr="1"/>
+          <a:lstStyle/>
+          <a:p>
+            <a:pPr>
+              <a:defRPr sz="1862" b="0" i="0" u="none" strike="noStrike" kern="1200" spc="0" baseline="0">
+                <a:solidFill>
+                  <a:schemeClr val="tx1">
+                    <a:lumMod val="65000"/>
+                    <a:lumOff val="35000"/>
+                  </a:schemeClr>
+                </a:solidFill>
+                <a:latin typeface="+mn-lt"/>
+                <a:ea typeface="+mn-ea"/>
+                <a:cs typeface="+mn-cs"/>
+              </a:defRPr>
+            </a:pPr>
+            <a:r>
+              <a:rPr lang="fr-CH" dirty="0" smtClean="0"/>
+              <a:t>First </a:t>
+            </a:r>
+            <a:r>
+              <a:rPr lang="fr-CH" baseline="0" dirty="0" err="1" smtClean="0"/>
+              <a:t>appearance</a:t>
+            </a:r>
+            <a:r>
+              <a:rPr lang="fr-CH" baseline="0" dirty="0" smtClean="0"/>
+              <a:t> of </a:t>
+            </a:r>
+            <a:r>
+              <a:rPr lang="fr-CH" baseline="0" dirty="0" err="1" smtClean="0"/>
+              <a:t>each</a:t>
+            </a:r>
+            <a:r>
+              <a:rPr lang="fr-CH" baseline="0" dirty="0" smtClean="0"/>
+              <a:t> </a:t>
+            </a:r>
+            <a:r>
+              <a:rPr lang="fr-CH" baseline="0" dirty="0" err="1" smtClean="0"/>
+              <a:t>feature</a:t>
+            </a:r>
+            <a:r>
+              <a:rPr lang="fr-CH" baseline="0" dirty="0" smtClean="0"/>
+              <a:t> in </a:t>
+            </a:r>
+            <a:r>
+              <a:rPr lang="fr-CH" baseline="0" dirty="0" err="1" smtClean="0"/>
+              <a:t>projects</a:t>
+            </a:r>
+            <a:endParaRPr lang="fr-CH" dirty="0"/>
+          </a:p>
+        </c:rich>
+      </c:tx>
+      <c:layout/>
+      <c:overlay val="0"/>
+      <c:spPr>
+        <a:noFill/>
+        <a:ln>
+          <a:noFill/>
+        </a:ln>
+        <a:effectLst/>
+      </c:spPr>
+      <c:txPr>
+        <a:bodyPr rot="0" spcFirstLastPara="1" vertOverflow="ellipsis" vert="horz" wrap="square" anchor="ctr" anchorCtr="1"/>
+        <a:lstStyle/>
+        <a:p>
+          <a:pPr>
+            <a:defRPr sz="1862" b="0" i="0" u="none" strike="noStrike" kern="1200" spc="0" baseline="0">
+              <a:solidFill>
+                <a:schemeClr val="tx1">
+                  <a:lumMod val="65000"/>
+                  <a:lumOff val="35000"/>
+                </a:schemeClr>
+              </a:solidFill>
+              <a:latin typeface="+mn-lt"/>
+              <a:ea typeface="+mn-ea"/>
+              <a:cs typeface="+mn-cs"/>
+            </a:defRPr>
+          </a:pPr>
+          <a:endParaRPr lang="fr-FR"/>
+        </a:p>
+      </c:txPr>
+    </c:title>
+    <c:autoTitleDeleted val="0"/>
+    <c:plotArea>
+      <c:layout/>
+      <c:barChart>
+        <c:barDir val="col"/>
+        <c:grouping val="clustered"/>
+        <c:varyColors val="0"/>
+        <c:ser>
+          <c:idx val="0"/>
+          <c:order val="0"/>
+          <c:tx>
+            <c:strRef>
+              <c:f>Feuil1!$B$1</c:f>
+              <c:strCache>
+                <c:ptCount val="1"/>
+                <c:pt idx="0">
+                  <c:v>mean</c:v>
+                </c:pt>
+              </c:strCache>
+            </c:strRef>
+          </c:tx>
+          <c:spPr>
+            <a:solidFill>
+              <a:schemeClr val="accent1"/>
+            </a:solidFill>
+            <a:ln>
+              <a:noFill/>
+            </a:ln>
+            <a:effectLst/>
+          </c:spPr>
+          <c:invertIfNegative val="0"/>
+          <c:cat>
+            <c:strRef>
+              <c:f>Feuil1!$A$2:$A$18</c:f>
+              <c:strCache>
+                <c:ptCount val="17"/>
+                <c:pt idx="0">
+                  <c:v>variable declaration </c:v>
+                </c:pt>
+                <c:pt idx="1">
+                  <c:v>class declaration </c:v>
+                </c:pt>
+                <c:pt idx="2">
+                  <c:v>infered types </c:v>
+                </c:pt>
+                <c:pt idx="3">
+                  <c:v>constant declaration </c:v>
+                </c:pt>
+                <c:pt idx="4">
+                  <c:v>closure </c:v>
+                </c:pt>
+                <c:pt idx="5">
+                  <c:v>optional </c:v>
+                </c:pt>
+                <c:pt idx="6">
+                  <c:v>optional chaining </c:v>
+                </c:pt>
+                <c:pt idx="7">
+                  <c:v>extension </c:v>
+                </c:pt>
+                <c:pt idx="8">
+                  <c:v>protocol extension </c:v>
+                </c:pt>
+                <c:pt idx="9">
+                  <c:v>optional return value </c:v>
+                </c:pt>
+                <c:pt idx="10">
+                  <c:v>struct declaration </c:v>
+                </c:pt>
+                <c:pt idx="11">
+                  <c:v>protocol </c:v>
+                </c:pt>
+                <c:pt idx="12">
+                  <c:v>retroactive modeling </c:v>
+                </c:pt>
+                <c:pt idx="13">
+                  <c:v>default argument for a function parameter </c:v>
+                </c:pt>
+                <c:pt idx="14">
+                  <c:v>bounded polymorphism </c:v>
+                </c:pt>
+                <c:pt idx="15">
+                  <c:v>protocol with associated datatype </c:v>
+                </c:pt>
+                <c:pt idx="16">
+                  <c:v>inline always </c:v>
+                </c:pt>
+              </c:strCache>
+            </c:strRef>
+          </c:cat>
+          <c:val>
+            <c:numRef>
+              <c:f>Feuil1!$B$2:$B$18</c:f>
+              <c:numCache>
+                <c:formatCode>0.00%</c:formatCode>
+                <c:ptCount val="17"/>
+                <c:pt idx="0">
+                  <c:v>5.3775899999999998E-3</c:v>
+                </c:pt>
+                <c:pt idx="1">
+                  <c:v>5.4113900000000003E-3</c:v>
+                </c:pt>
+                <c:pt idx="2">
+                  <c:v>1.091175E-2</c:v>
+                </c:pt>
+                <c:pt idx="3">
+                  <c:v>1.1026019999999999E-2</c:v>
+                </c:pt>
+                <c:pt idx="4">
+                  <c:v>1.648968E-2</c:v>
+                </c:pt>
+                <c:pt idx="5">
+                  <c:v>2.394812E-2</c:v>
+                </c:pt>
+                <c:pt idx="6">
+                  <c:v>3.025365E-2</c:v>
+                </c:pt>
+                <c:pt idx="7">
+                  <c:v>5.2998620000000003E-2</c:v>
+                </c:pt>
+                <c:pt idx="8">
+                  <c:v>7.4178789999999994E-2</c:v>
+                </c:pt>
+                <c:pt idx="9">
+                  <c:v>8.3304409999999995E-2</c:v>
+                </c:pt>
+                <c:pt idx="10">
+                  <c:v>8.3492769999999994E-2</c:v>
+                </c:pt>
+                <c:pt idx="11">
+                  <c:v>0.11979744000000001</c:v>
+                </c:pt>
+                <c:pt idx="12">
+                  <c:v>0.12761776</c:v>
+                </c:pt>
+                <c:pt idx="13">
+                  <c:v>0.14660403999999999</c:v>
+                </c:pt>
+                <c:pt idx="14">
+                  <c:v>0.2631925</c:v>
+                </c:pt>
+                <c:pt idx="15">
+                  <c:v>0.34390841</c:v>
+                </c:pt>
+                <c:pt idx="16">
+                  <c:v>0.49048646000000001</c:v>
+                </c:pt>
+              </c:numCache>
+            </c:numRef>
+          </c:val>
+        </c:ser>
+        <c:ser>
+          <c:idx val="1"/>
+          <c:order val="1"/>
+          <c:tx>
+            <c:strRef>
+              <c:f>Feuil1!$C$1</c:f>
+              <c:strCache>
+                <c:ptCount val="1"/>
+                <c:pt idx="0">
+                  <c:v>standard deviation</c:v>
+                </c:pt>
+              </c:strCache>
+            </c:strRef>
+          </c:tx>
+          <c:spPr>
+            <a:solidFill>
+              <a:schemeClr val="accent2"/>
+            </a:solidFill>
+            <a:ln>
+              <a:noFill/>
+            </a:ln>
+            <a:effectLst/>
+          </c:spPr>
+          <c:invertIfNegative val="0"/>
+          <c:cat>
+            <c:strRef>
+              <c:f>Feuil1!$A$2:$A$18</c:f>
+              <c:strCache>
+                <c:ptCount val="17"/>
+                <c:pt idx="0">
+                  <c:v>variable declaration </c:v>
+                </c:pt>
+                <c:pt idx="1">
+                  <c:v>class declaration </c:v>
+                </c:pt>
+                <c:pt idx="2">
+                  <c:v>infered types </c:v>
+                </c:pt>
+                <c:pt idx="3">
+                  <c:v>constant declaration </c:v>
+                </c:pt>
+                <c:pt idx="4">
+                  <c:v>closure </c:v>
+                </c:pt>
+                <c:pt idx="5">
+                  <c:v>optional </c:v>
+                </c:pt>
+                <c:pt idx="6">
+                  <c:v>optional chaining </c:v>
+                </c:pt>
+                <c:pt idx="7">
+                  <c:v>extension </c:v>
+                </c:pt>
+                <c:pt idx="8">
+                  <c:v>protocol extension </c:v>
+                </c:pt>
+                <c:pt idx="9">
+                  <c:v>optional return value </c:v>
+                </c:pt>
+                <c:pt idx="10">
+                  <c:v>struct declaration </c:v>
+                </c:pt>
+                <c:pt idx="11">
+                  <c:v>protocol </c:v>
+                </c:pt>
+                <c:pt idx="12">
+                  <c:v>retroactive modeling </c:v>
+                </c:pt>
+                <c:pt idx="13">
+                  <c:v>default argument for a function parameter </c:v>
+                </c:pt>
+                <c:pt idx="14">
+                  <c:v>bounded polymorphism </c:v>
+                </c:pt>
+                <c:pt idx="15">
+                  <c:v>protocol with associated datatype </c:v>
+                </c:pt>
+                <c:pt idx="16">
+                  <c:v>inline always </c:v>
+                </c:pt>
+              </c:strCache>
+            </c:strRef>
+          </c:cat>
+          <c:val>
+            <c:numRef>
+              <c:f>Feuil1!$C$2:$C$18</c:f>
+              <c:numCache>
+                <c:formatCode>0.00%</c:formatCode>
+                <c:ptCount val="17"/>
+                <c:pt idx="0">
+                  <c:v>3.6448250000000001E-2</c:v>
+                </c:pt>
+                <c:pt idx="1">
+                  <c:v>3.1315990000000002E-2</c:v>
+                </c:pt>
+                <c:pt idx="2">
+                  <c:v>5.6353350000000003E-2</c:v>
+                </c:pt>
+                <c:pt idx="3">
+                  <c:v>5.6352909999999999E-2</c:v>
+                </c:pt>
+                <c:pt idx="4">
+                  <c:v>6.3739959999999998E-2</c:v>
+                </c:pt>
+                <c:pt idx="5">
+                  <c:v>0.10414349000000001</c:v>
+                </c:pt>
+                <c:pt idx="6">
+                  <c:v>8.251385E-2</c:v>
+                </c:pt>
+                <c:pt idx="7">
+                  <c:v>0.13999079</c:v>
+                </c:pt>
+                <c:pt idx="8">
+                  <c:v>0.16226979</c:v>
+                </c:pt>
+                <c:pt idx="9">
+                  <c:v>0.19601996999999999</c:v>
+                </c:pt>
+                <c:pt idx="10">
+                  <c:v>0.17825149000000001</c:v>
+                </c:pt>
+                <c:pt idx="11">
+                  <c:v>0.22105163999999999</c:v>
+                </c:pt>
+                <c:pt idx="12">
+                  <c:v>0.20635633</c:v>
+                </c:pt>
+                <c:pt idx="13">
+                  <c:v>0.22635975999999999</c:v>
+                </c:pt>
+                <c:pt idx="14">
+                  <c:v>0.26313187999999998</c:v>
+                </c:pt>
+                <c:pt idx="15">
+                  <c:v>0.23741929000000001</c:v>
+                </c:pt>
+                <c:pt idx="16">
+                  <c:v>0.25529673000000003</c:v>
+                </c:pt>
+              </c:numCache>
+            </c:numRef>
+          </c:val>
+        </c:ser>
+        <c:dLbls>
+          <c:showLegendKey val="0"/>
+          <c:showVal val="0"/>
+          <c:showCatName val="0"/>
+          <c:showSerName val="0"/>
+          <c:showPercent val="0"/>
+          <c:showBubbleSize val="0"/>
+        </c:dLbls>
+        <c:gapWidth val="119"/>
+        <c:axId val="409351488"/>
+        <c:axId val="409352032"/>
+      </c:barChart>
+      <c:catAx>
+        <c:axId val="409351488"/>
+        <c:scaling>
+          <c:orientation val="minMax"/>
+        </c:scaling>
+        <c:delete val="0"/>
+        <c:axPos val="b"/>
+        <c:numFmt formatCode="General" sourceLinked="1"/>
+        <c:majorTickMark val="none"/>
+        <c:minorTickMark val="none"/>
+        <c:tickLblPos val="nextTo"/>
+        <c:spPr>
+          <a:noFill/>
+          <a:ln w="9525" cap="flat" cmpd="sng" algn="ctr">
+            <a:solidFill>
+              <a:schemeClr val="tx1">
+                <a:lumMod val="15000"/>
+                <a:lumOff val="85000"/>
+              </a:schemeClr>
+            </a:solidFill>
+            <a:round/>
+          </a:ln>
+          <a:effectLst/>
+        </c:spPr>
+        <c:txPr>
+          <a:bodyPr rot="-60000000" spcFirstLastPara="1" vertOverflow="ellipsis" vert="horz" wrap="square" anchor="ctr" anchorCtr="1"/>
+          <a:lstStyle/>
+          <a:p>
+            <a:pPr>
+              <a:defRPr sz="1197" b="0" i="0" u="none" strike="noStrike" kern="1200" baseline="0">
+                <a:solidFill>
+                  <a:schemeClr val="tx1">
+                    <a:lumMod val="65000"/>
+                    <a:lumOff val="35000"/>
+                  </a:schemeClr>
+                </a:solidFill>
+                <a:latin typeface="+mn-lt"/>
+                <a:ea typeface="+mn-ea"/>
+                <a:cs typeface="+mn-cs"/>
+              </a:defRPr>
+            </a:pPr>
+            <a:endParaRPr lang="fr-FR"/>
+          </a:p>
+        </c:txPr>
+        <c:crossAx val="409352032"/>
+        <c:crossesAt val="0"/>
+        <c:auto val="1"/>
+        <c:lblAlgn val="ctr"/>
+        <c:lblOffset val="100"/>
+        <c:noMultiLvlLbl val="0"/>
+      </c:catAx>
+      <c:valAx>
+        <c:axId val="409352032"/>
+        <c:scaling>
+          <c:orientation val="minMax"/>
+        </c:scaling>
+        <c:delete val="0"/>
+        <c:axPos val="l"/>
+        <c:majorGridlines>
+          <c:spPr>
+            <a:ln w="9525" cap="flat" cmpd="sng" algn="ctr">
+              <a:solidFill>
+                <a:schemeClr val="tx1">
+                  <a:lumMod val="15000"/>
+                  <a:lumOff val="85000"/>
+                </a:schemeClr>
+              </a:solidFill>
+              <a:round/>
+            </a:ln>
+            <a:effectLst/>
+          </c:spPr>
+        </c:majorGridlines>
+        <c:title>
+          <c:tx>
+            <c:rich>
+              <a:bodyPr rot="-5400000" spcFirstLastPara="1" vertOverflow="ellipsis" vert="horz" wrap="square" anchor="ctr" anchorCtr="1"/>
+              <a:lstStyle/>
+              <a:p>
+                <a:pPr>
+                  <a:defRPr sz="1330" b="0" i="0" u="none" strike="noStrike" kern="1200" baseline="0">
+                    <a:solidFill>
+                      <a:schemeClr val="tx1">
+                        <a:lumMod val="65000"/>
+                        <a:lumOff val="35000"/>
+                      </a:schemeClr>
+                    </a:solidFill>
+                    <a:latin typeface="+mn-lt"/>
+                    <a:ea typeface="+mn-ea"/>
+                    <a:cs typeface="+mn-cs"/>
+                  </a:defRPr>
+                </a:pPr>
+                <a:r>
+                  <a:rPr lang="fr-CH" dirty="0" err="1" smtClean="0"/>
+                  <a:t>Percentage</a:t>
+                </a:r>
+                <a:endParaRPr lang="fr-CH" dirty="0"/>
+              </a:p>
+            </c:rich>
+          </c:tx>
+          <c:layout/>
+          <c:overlay val="0"/>
+          <c:spPr>
+            <a:noFill/>
+            <a:ln>
+              <a:noFill/>
+            </a:ln>
+            <a:effectLst/>
+          </c:spPr>
+          <c:txPr>
+            <a:bodyPr rot="-5400000" spcFirstLastPara="1" vertOverflow="ellipsis" vert="horz" wrap="square" anchor="ctr" anchorCtr="1"/>
+            <a:lstStyle/>
+            <a:p>
+              <a:pPr>
+                <a:defRPr sz="1330" b="0" i="0" u="none" strike="noStrike" kern="1200" baseline="0">
+                  <a:solidFill>
+                    <a:schemeClr val="tx1">
+                      <a:lumMod val="65000"/>
+                      <a:lumOff val="35000"/>
+                    </a:schemeClr>
+                  </a:solidFill>
+                  <a:latin typeface="+mn-lt"/>
+                  <a:ea typeface="+mn-ea"/>
+                  <a:cs typeface="+mn-cs"/>
+                </a:defRPr>
+              </a:pPr>
+              <a:endParaRPr lang="fr-FR"/>
+            </a:p>
+          </c:txPr>
+        </c:title>
+        <c:numFmt formatCode="0%" sourceLinked="0"/>
+        <c:majorTickMark val="none"/>
+        <c:minorTickMark val="none"/>
+        <c:tickLblPos val="nextTo"/>
+        <c:spPr>
+          <a:noFill/>
+          <a:ln>
+            <a:noFill/>
+          </a:ln>
+          <a:effectLst/>
+        </c:spPr>
+        <c:txPr>
+          <a:bodyPr rot="-60000000" spcFirstLastPara="1" vertOverflow="ellipsis" vert="horz" wrap="square" anchor="ctr" anchorCtr="1"/>
+          <a:lstStyle/>
+          <a:p>
+            <a:pPr>
+              <a:defRPr sz="1197" b="0" i="0" u="none" strike="noStrike" kern="1200" baseline="0">
+                <a:solidFill>
+                  <a:schemeClr val="tx1">
+                    <a:lumMod val="65000"/>
+                    <a:lumOff val="35000"/>
+                  </a:schemeClr>
+                </a:solidFill>
+                <a:latin typeface="+mn-lt"/>
+                <a:ea typeface="+mn-ea"/>
+                <a:cs typeface="+mn-cs"/>
+              </a:defRPr>
+            </a:pPr>
+            <a:endParaRPr lang="fr-FR"/>
+          </a:p>
+        </c:txPr>
+        <c:crossAx val="409351488"/>
+        <c:crosses val="autoZero"/>
+        <c:crossBetween val="between"/>
+        <c:majorUnit val="0.1"/>
+        <c:minorUnit val="2.0000000000000004E-2"/>
+      </c:valAx>
+      <c:spPr>
+        <a:noFill/>
+        <a:ln>
+          <a:noFill/>
+        </a:ln>
+        <a:effectLst/>
+      </c:spPr>
+    </c:plotArea>
+    <c:legend>
+      <c:legendPos val="b"/>
+      <c:layout/>
+      <c:overlay val="0"/>
+      <c:spPr>
+        <a:noFill/>
+        <a:ln>
+          <a:noFill/>
+        </a:ln>
+        <a:effectLst/>
+      </c:spPr>
+      <c:txPr>
+        <a:bodyPr rot="0" spcFirstLastPara="1" vertOverflow="ellipsis" vert="horz" wrap="square" anchor="ctr" anchorCtr="1"/>
+        <a:lstStyle/>
+        <a:p>
+          <a:pPr>
+            <a:defRPr sz="1197" b="0" i="0" u="none" strike="noStrike" kern="1200" baseline="0">
+              <a:solidFill>
+                <a:schemeClr val="tx1">
+                  <a:lumMod val="65000"/>
+                  <a:lumOff val="35000"/>
+                </a:schemeClr>
+              </a:solidFill>
+              <a:latin typeface="+mn-lt"/>
+              <a:ea typeface="+mn-ea"/>
+              <a:cs typeface="+mn-cs"/>
+            </a:defRPr>
+          </a:pPr>
+          <a:endParaRPr lang="fr-FR"/>
+        </a:p>
+      </c:txPr>
+    </c:legend>
+    <c:plotVisOnly val="1"/>
+    <c:dispBlanksAs val="gap"/>
+    <c:showDLblsOverMax val="0"/>
+  </c:chart>
+  <c:spPr>
+    <a:noFill/>
+    <a:ln>
+      <a:noFill/>
+    </a:ln>
+    <a:effectLst/>
+  </c:spPr>
+  <c:txPr>
+    <a:bodyPr/>
+    <a:lstStyle/>
+    <a:p>
+      <a:pPr>
+        <a:defRPr/>
+      </a:pPr>
+      <a:endParaRPr lang="fr-FR"/>
+    </a:p>
+  </c:txPr>
+  <c:externalData r:id="rId3">
+    <c:autoUpdate val="0"/>
+  </c:externalData>
+</c:chartSpace>
+</file>
+
+<file path=ppt/charts/colors1.xml><?xml version="1.0" encoding="utf-8"?>
+<cs:colorStyle xmlns:cs="http://schemas.microsoft.com/office/drawing/2012/chartStyle" xmlns:a="http://schemas.openxmlformats.org/drawingml/2006/main" meth="cycle" id="10">
+  <a:schemeClr val="accent1"/>
+  <a:schemeClr val="accent2"/>
+  <a:schemeClr val="accent3"/>
+  <a:schemeClr val="accent4"/>
+  <a:schemeClr val="accent5"/>
+  <a:schemeClr val="accent6"/>
+  <cs:variation/>
+  <cs:variation>
+    <a:lumMod val="60000"/>
+  </cs:variation>
+  <cs:variation>
+    <a:lumMod val="80000"/>
+    <a:lumOff val="20000"/>
+  </cs:variation>
+  <cs:variation>
+    <a:lumMod val="80000"/>
+  </cs:variation>
+  <cs:variation>
+    <a:lumMod val="60000"/>
+    <a:lumOff val="40000"/>
+  </cs:variation>
+  <cs:variation>
+    <a:lumMod val="50000"/>
+  </cs:variation>
+  <cs:variation>
+    <a:lumMod val="70000"/>
+    <a:lumOff val="30000"/>
+  </cs:variation>
+  <cs:variation>
+    <a:lumMod val="70000"/>
+  </cs:variation>
+  <cs:variation>
+    <a:lumMod val="50000"/>
+    <a:lumOff val="50000"/>
+  </cs:variation>
+</cs:colorStyle>
+</file>
+
+<file path=ppt/charts/colors2.xml><?xml version="1.0" encoding="utf-8"?>
+<cs:colorStyle xmlns:cs="http://schemas.microsoft.com/office/drawing/2012/chartStyle" xmlns:a="http://schemas.openxmlformats.org/drawingml/2006/main" meth="cycle" id="10">
+  <a:schemeClr val="accent1"/>
+  <a:schemeClr val="accent2"/>
+  <a:schemeClr val="accent3"/>
+  <a:schemeClr val="accent4"/>
+  <a:schemeClr val="accent5"/>
+  <a:schemeClr val="accent6"/>
+  <cs:variation/>
+  <cs:variation>
+    <a:lumMod val="60000"/>
+  </cs:variation>
+  <cs:variation>
+    <a:lumMod val="80000"/>
+    <a:lumOff val="20000"/>
+  </cs:variation>
+  <cs:variation>
+    <a:lumMod val="80000"/>
+  </cs:variation>
+  <cs:variation>
+    <a:lumMod val="60000"/>
+    <a:lumOff val="40000"/>
+  </cs:variation>
+  <cs:variation>
+    <a:lumMod val="50000"/>
+  </cs:variation>
+  <cs:variation>
+    <a:lumMod val="70000"/>
+    <a:lumOff val="30000"/>
+  </cs:variation>
+  <cs:variation>
+    <a:lumMod val="70000"/>
+  </cs:variation>
+  <cs:variation>
+    <a:lumMod val="50000"/>
+    <a:lumOff val="50000"/>
+  </cs:variation>
+</cs:colorStyle>
+</file>
+
+<file path=ppt/charts/colors3.xml><?xml version="1.0" encoding="utf-8"?>
+<cs:colorStyle xmlns:cs="http://schemas.microsoft.com/office/drawing/2012/chartStyle" xmlns:a="http://schemas.openxmlformats.org/drawingml/2006/main" meth="cycle" id="10">
+  <a:schemeClr val="accent1"/>
+  <a:schemeClr val="accent2"/>
+  <a:schemeClr val="accent3"/>
+  <a:schemeClr val="accent4"/>
+  <a:schemeClr val="accent5"/>
+  <a:schemeClr val="accent6"/>
+  <cs:variation/>
+  <cs:variation>
+    <a:lumMod val="60000"/>
+  </cs:variation>
+  <cs:variation>
+    <a:lumMod val="80000"/>
+    <a:lumOff val="20000"/>
+  </cs:variation>
+  <cs:variation>
+    <a:lumMod val="80000"/>
+  </cs:variation>
+  <cs:variation>
+    <a:lumMod val="60000"/>
+    <a:lumOff val="40000"/>
+  </cs:variation>
+  <cs:variation>
+    <a:lumMod val="50000"/>
+  </cs:variation>
+  <cs:variation>
+    <a:lumMod val="70000"/>
+    <a:lumOff val="30000"/>
+  </cs:variation>
+  <cs:variation>
+    <a:lumMod val="70000"/>
+  </cs:variation>
+  <cs:variation>
+    <a:lumMod val="50000"/>
+    <a:lumOff val="50000"/>
+  </cs:variation>
+</cs:colorStyle>
+</file>
+
+<file path=ppt/charts/style1.xml><?xml version="1.0" encoding="utf-8"?>
+<cs:chartStyle xmlns:cs="http://schemas.microsoft.com/office/drawing/2012/chartStyle" xmlns:a="http://schemas.openxmlformats.org/drawingml/2006/main" id="201">
+  <cs:axisTitle>
+    <cs:lnRef idx="0"/>
+    <cs:fillRef idx="0"/>
+    <cs:effectRef idx="0"/>
+    <cs:fontRef idx="minor">
+      <a:schemeClr val="tx1">
+        <a:lumMod val="65000"/>
+        <a:lumOff val="35000"/>
+      </a:schemeClr>
+    </cs:fontRef>
+    <cs:defRPr sz="1330" kern="1200"/>
+  </cs:axisTitle>
+  <cs:categoryAxis>
+    <cs:lnRef idx="0"/>
+    <cs:fillRef idx="0"/>
+    <cs:effectRef idx="0"/>
+    <cs:fontRef idx="minor">
+      <a:schemeClr val="tx1">
+        <a:lumMod val="65000"/>
+        <a:lumOff val="35000"/>
+      </a:schemeClr>
+    </cs:fontRef>
+    <cs:spPr>
+      <a:ln w="9525" cap="flat" cmpd="sng" algn="ctr">
+        <a:solidFill>
+          <a:schemeClr val="tx1">
+            <a:lumMod val="15000"/>
+            <a:lumOff val="85000"/>
+          </a:schemeClr>
+        </a:solidFill>
+        <a:round/>
+      </a:ln>
+    </cs:spPr>
+    <cs:defRPr sz="1197" kern="1200"/>
+  </cs:categoryAxis>
+  <cs:chartArea mods="allowNoFillOverride allowNoLineOverride">
+    <cs:lnRef idx="0"/>
+    <cs:fillRef idx="0"/>
+    <cs:effectRef idx="0"/>
+    <cs:fontRef idx="minor">
+      <a:schemeClr val="tx1"/>
+    </cs:fontRef>
+    <cs:spPr>
+      <a:solidFill>
+        <a:schemeClr val="bg1"/>
+      </a:solidFill>
+      <a:ln w="9525" cap="flat" cmpd="sng" algn="ctr">
+        <a:solidFill>
+          <a:schemeClr val="tx1">
+            <a:lumMod val="15000"/>
+            <a:lumOff val="85000"/>
+          </a:schemeClr>
+        </a:solidFill>
+        <a:round/>
+      </a:ln>
+    </cs:spPr>
+    <cs:defRPr sz="1330" kern="1200"/>
+  </cs:chartArea>
+  <cs:dataLabel>
+    <cs:lnRef idx="0"/>
+    <cs:fillRef idx="0"/>
+    <cs:effectRef idx="0"/>
+    <cs:fontRef idx="minor">
+      <a:schemeClr val="tx1">
+        <a:lumMod val="75000"/>
+        <a:lumOff val="25000"/>
+      </a:schemeClr>
+    </cs:fontRef>
+    <cs:defRPr sz="1197" kern="1200"/>
+  </cs:dataLabel>
+  <cs:dataLabelCallout>
+    <cs:lnRef idx="0"/>
+    <cs:fillRef idx="0"/>
+    <cs:effectRef idx="0"/>
+    <cs:fontRef idx="minor">
+      <a:schemeClr val="dk1">
+        <a:lumMod val="65000"/>
+        <a:lumOff val="35000"/>
+      </a:schemeClr>
+    </cs:fontRef>
+    <cs:spPr>
+      <a:solidFill>
+        <a:schemeClr val="lt1"/>
+      </a:solidFill>
+      <a:ln>
+        <a:solidFill>
+          <a:schemeClr val="dk1">
+            <a:lumMod val="25000"/>
+            <a:lumOff val="75000"/>
+          </a:schemeClr>
+        </a:solidFill>
+      </a:ln>
+    </cs:spPr>
+    <cs:defRPr sz="1197" kern="1200"/>
+    <cs:bodyPr rot="0" spcFirstLastPara="1" vertOverflow="clip" horzOverflow="clip" vert="horz" wrap="square" lIns="36576" tIns="18288" rIns="36576" bIns="18288" anchor="ctr" anchorCtr="1">
+      <a:spAutoFit/>
+    </cs:bodyPr>
+  </cs:dataLabelCallout>
+  <cs:dataPoint>
+    <cs:lnRef idx="0"/>
+    <cs:fillRef idx="1">
+      <cs:styleClr val="auto"/>
+    </cs:fillRef>
+    <cs:effectRef idx="0"/>
+    <cs:fontRef idx="minor">
+      <a:schemeClr val="tx1"/>
+    </cs:fontRef>
+  </cs:dataPoint>
+  <cs:dataPoint3D>
+    <cs:lnRef idx="0"/>
+    <cs:fillRef idx="1">
+      <cs:styleClr val="auto"/>
+    </cs:fillRef>
+    <cs:effectRef idx="0"/>
+    <cs:fontRef idx="minor">
+      <a:schemeClr val="tx1"/>
+    </cs:fontRef>
+  </cs:dataPoint3D>
+  <cs:dataPointLine>
+    <cs:lnRef idx="0">
+      <cs:styleClr val="auto"/>
+    </cs:lnRef>
+    <cs:fillRef idx="1"/>
+    <cs:effectRef idx="0"/>
+    <cs:fontRef idx="minor">
+      <a:schemeClr val="tx1"/>
+    </cs:fontRef>
+    <cs:spPr>
+      <a:ln w="28575" cap="rnd">
+        <a:solidFill>
+          <a:schemeClr val="phClr"/>
+        </a:solidFill>
+        <a:round/>
+      </a:ln>
+    </cs:spPr>
+  </cs:dataPointLine>
+  <cs:dataPointMarker>
+    <cs:lnRef idx="0">
+      <cs:styleClr val="auto"/>
+    </cs:lnRef>
+    <cs:fillRef idx="1">
+      <cs:styleClr val="auto"/>
+    </cs:fillRef>
+    <cs:effectRef idx="0"/>
+    <cs:fontRef idx="minor">
+      <a:schemeClr val="tx1"/>
+    </cs:fontRef>
+    <cs:spPr>
+      <a:ln w="9525">
+        <a:solidFill>
+          <a:schemeClr val="phClr"/>
+        </a:solidFill>
+      </a:ln>
+    </cs:spPr>
+  </cs:dataPointMarker>
+  <cs:dataPointMarkerLayout symbol="circle" size="5"/>
+  <cs:dataPointWireframe>
+    <cs:lnRef idx="0">
+      <cs:styleClr val="auto"/>
+    </cs:lnRef>
+    <cs:fillRef idx="1"/>
+    <cs:effectRef idx="0"/>
+    <cs:fontRef idx="minor">
+      <a:schemeClr val="tx1"/>
+    </cs:fontRef>
+    <cs:spPr>
+      <a:ln w="9525" cap="rnd">
+        <a:solidFill>
+          <a:schemeClr val="phClr"/>
+        </a:solidFill>
+        <a:round/>
+      </a:ln>
+    </cs:spPr>
+  </cs:dataPointWireframe>
+  <cs:dataTable>
+    <cs:lnRef idx="0"/>
+    <cs:fillRef idx="0"/>
+    <cs:effectRef idx="0"/>
+    <cs:fontRef idx="minor">
+      <a:schemeClr val="tx1">
+        <a:lumMod val="65000"/>
+        <a:lumOff val="35000"/>
+      </a:schemeClr>
+    </cs:fontRef>
+    <cs:spPr>
+      <a:noFill/>
+      <a:ln w="9525" cap="flat" cmpd="sng" algn="ctr">
+        <a:solidFill>
+          <a:schemeClr val="tx1">
+            <a:lumMod val="15000"/>
+            <a:lumOff val="85000"/>
+          </a:schemeClr>
+        </a:solidFill>
+        <a:round/>
+      </a:ln>
+    </cs:spPr>
+    <cs:defRPr sz="1197" kern="1200"/>
+  </cs:dataTable>
+  <cs:downBar>
+    <cs:lnRef idx="0"/>
+    <cs:fillRef idx="0"/>
+    <cs:effectRef idx="0"/>
+    <cs:fontRef idx="minor">
+      <a:schemeClr val="dk1"/>
+    </cs:fontRef>
+    <cs:spPr>
+      <a:solidFill>
+        <a:schemeClr val="dk1">
+          <a:lumMod val="65000"/>
+          <a:lumOff val="35000"/>
+        </a:schemeClr>
+      </a:solidFill>
+      <a:ln w="9525">
+        <a:solidFill>
+          <a:schemeClr val="tx1">
+            <a:lumMod val="65000"/>
+            <a:lumOff val="35000"/>
+          </a:schemeClr>
+        </a:solidFill>
+      </a:ln>
+    </cs:spPr>
+  </cs:downBar>
+  <cs:dropLine>
+    <cs:lnRef idx="0"/>
+    <cs:fillRef idx="0"/>
+    <cs:effectRef idx="0"/>
+    <cs:fontRef idx="minor">
+      <a:schemeClr val="tx1"/>
+    </cs:fontRef>
+    <cs:spPr>
+      <a:ln w="9525" cap="flat" cmpd="sng" algn="ctr">
+        <a:solidFill>
+          <a:schemeClr val="tx1">
+            <a:lumMod val="35000"/>
+            <a:lumOff val="65000"/>
+          </a:schemeClr>
+        </a:solidFill>
+        <a:round/>
+      </a:ln>
+    </cs:spPr>
+  </cs:dropLine>
+  <cs:errorBar>
+    <cs:lnRef idx="0"/>
+    <cs:fillRef idx="0"/>
+    <cs:effectRef idx="0"/>
+    <cs:fontRef idx="minor">
+      <a:schemeClr val="tx1"/>
+    </cs:fontRef>
+    <cs:spPr>
+      <a:ln w="9525" cap="flat" cmpd="sng" algn="ctr">
+        <a:solidFill>
+          <a:schemeClr val="tx1">
+            <a:lumMod val="65000"/>
+            <a:lumOff val="35000"/>
+          </a:schemeClr>
+        </a:solidFill>
+        <a:round/>
+      </a:ln>
+    </cs:spPr>
+  </cs:errorBar>
+  <cs:floor>
+    <cs:lnRef idx="0"/>
+    <cs:fillRef idx="0"/>
+    <cs:effectRef idx="0"/>
+    <cs:fontRef idx="minor">
+      <a:schemeClr val="tx1"/>
+    </cs:fontRef>
+    <cs:spPr>
+      <a:noFill/>
+      <a:ln>
+        <a:noFill/>
+      </a:ln>
+    </cs:spPr>
+  </cs:floor>
+  <cs:gridlineMajor>
+    <cs:lnRef idx="0"/>
+    <cs:fillRef idx="0"/>
+    <cs:effectRef idx="0"/>
+    <cs:fontRef idx="minor">
+      <a:schemeClr val="tx1"/>
+    </cs:fontRef>
+    <cs:spPr>
+      <a:ln w="9525" cap="flat" cmpd="sng" algn="ctr">
+        <a:solidFill>
+          <a:schemeClr val="tx1">
+            <a:lumMod val="15000"/>
+            <a:lumOff val="85000"/>
+          </a:schemeClr>
+        </a:solidFill>
+        <a:round/>
+      </a:ln>
+    </cs:spPr>
+  </cs:gridlineMajor>
+  <cs:gridlineMinor>
+    <cs:lnRef idx="0"/>
+    <cs:fillRef idx="0"/>
+    <cs:effectRef idx="0"/>
+    <cs:fontRef idx="minor">
+      <a:schemeClr val="tx1"/>
+    </cs:fontRef>
+    <cs:spPr>
+      <a:ln w="9525" cap="flat" cmpd="sng" algn="ctr">
+        <a:solidFill>
+          <a:schemeClr val="tx1">
+            <a:lumMod val="5000"/>
+            <a:lumOff val="95000"/>
+          </a:schemeClr>
+        </a:solidFill>
+        <a:round/>
+      </a:ln>
+    </cs:spPr>
+  </cs:gridlineMinor>
+  <cs:hiLoLine>
+    <cs:lnRef idx="0"/>
+    <cs:fillRef idx="0"/>
+    <cs:effectRef idx="0"/>
+    <cs:fontRef idx="minor">
+      <a:schemeClr val="tx1"/>
+    </cs:fontRef>
+    <cs:spPr>
+      <a:ln w="9525" cap="flat" cmpd="sng" algn="ctr">
+        <a:solidFill>
+          <a:schemeClr val="tx1">
+            <a:lumMod val="75000"/>
+            <a:lumOff val="25000"/>
+          </a:schemeClr>
+        </a:solidFill>
+        <a:round/>
+      </a:ln>
+    </cs:spPr>
+  </cs:hiLoLine>
+  <cs:leaderLine>
+    <cs:lnRef idx="0"/>
+    <cs:fillRef idx="0"/>
+    <cs:effectRef idx="0"/>
+    <cs:fontRef idx="minor">
+      <a:schemeClr val="tx1"/>
+    </cs:fontRef>
+    <cs:spPr>
+      <a:ln w="9525" cap="flat" cmpd="sng" algn="ctr">
+        <a:solidFill>
+          <a:schemeClr val="tx1">
+            <a:lumMod val="35000"/>
+            <a:lumOff val="65000"/>
+          </a:schemeClr>
+        </a:solidFill>
+        <a:round/>
+      </a:ln>
+    </cs:spPr>
+  </cs:leaderLine>
+  <cs:legend>
+    <cs:lnRef idx="0"/>
+    <cs:fillRef idx="0"/>
+    <cs:effectRef idx="0"/>
+    <cs:fontRef idx="minor">
+      <a:schemeClr val="tx1">
+        <a:lumMod val="65000"/>
+        <a:lumOff val="35000"/>
+      </a:schemeClr>
+    </cs:fontRef>
+    <cs:defRPr sz="1197" kern="1200"/>
+  </cs:legend>
+  <cs:plotArea mods="allowNoFillOverride allowNoLineOverride">
+    <cs:lnRef idx="0"/>
+    <cs:fillRef idx="0"/>
+    <cs:effectRef idx="0"/>
+    <cs:fontRef idx="minor">
+      <a:schemeClr val="tx1"/>
+    </cs:fontRef>
+  </cs:plotArea>
+  <cs:plotArea3D mods="allowNoFillOverride allowNoLineOverride">
+    <cs:lnRef idx="0"/>
+    <cs:fillRef idx="0"/>
+    <cs:effectRef idx="0"/>
+    <cs:fontRef idx="minor">
+      <a:schemeClr val="tx1"/>
+    </cs:fontRef>
+  </cs:plotArea3D>
+  <cs:seriesAxis>
+    <cs:lnRef idx="0"/>
+    <cs:fillRef idx="0"/>
+    <cs:effectRef idx="0"/>
+    <cs:fontRef idx="minor">
+      <a:schemeClr val="tx1">
+        <a:lumMod val="65000"/>
+        <a:lumOff val="35000"/>
+      </a:schemeClr>
+    </cs:fontRef>
+    <cs:defRPr sz="1197" kern="1200"/>
+  </cs:seriesAxis>
+  <cs:seriesLine>
+    <cs:lnRef idx="0"/>
+    <cs:fillRef idx="0"/>
+    <cs:effectRef idx="0"/>
+    <cs:fontRef idx="minor">
+      <a:schemeClr val="tx1"/>
+    </cs:fontRef>
+    <cs:spPr>
+      <a:ln w="9525" cap="flat" cmpd="sng" algn="ctr">
+        <a:solidFill>
+          <a:schemeClr val="tx1">
+            <a:lumMod val="35000"/>
+            <a:lumOff val="65000"/>
+          </a:schemeClr>
+        </a:solidFill>
+        <a:round/>
+      </a:ln>
+    </cs:spPr>
+  </cs:seriesLine>
+  <cs:title>
+    <cs:lnRef idx="0"/>
+    <cs:fillRef idx="0"/>
+    <cs:effectRef idx="0"/>
+    <cs:fontRef idx="minor">
+      <a:schemeClr val="tx1">
+        <a:lumMod val="65000"/>
+        <a:lumOff val="35000"/>
+      </a:schemeClr>
+    </cs:fontRef>
+    <cs:defRPr sz="1862" b="0" kern="1200" spc="0" baseline="0"/>
+  </cs:title>
+  <cs:trendline>
+    <cs:lnRef idx="0">
+      <cs:styleClr val="auto"/>
+    </cs:lnRef>
+    <cs:fillRef idx="0"/>
+    <cs:effectRef idx="0"/>
+    <cs:fontRef idx="minor">
+      <a:schemeClr val="tx1"/>
+    </cs:fontRef>
+    <cs:spPr>
+      <a:ln w="19050" cap="rnd">
+        <a:solidFill>
+          <a:schemeClr val="phClr"/>
+        </a:solidFill>
+        <a:prstDash val="sysDot"/>
+      </a:ln>
+    </cs:spPr>
+  </cs:trendline>
+  <cs:trendlineLabel>
+    <cs:lnRef idx="0"/>
+    <cs:fillRef idx="0"/>
+    <cs:effectRef idx="0"/>
+    <cs:fontRef idx="minor">
+      <a:schemeClr val="tx1">
+        <a:lumMod val="65000"/>
+        <a:lumOff val="35000"/>
+      </a:schemeClr>
+    </cs:fontRef>
+    <cs:defRPr sz="1197" kern="1200"/>
+  </cs:trendlineLabel>
+  <cs:upBar>
+    <cs:lnRef idx="0"/>
+    <cs:fillRef idx="0"/>
+    <cs:effectRef idx="0"/>
+    <cs:fontRef idx="minor">
+      <a:schemeClr val="dk1"/>
+    </cs:fontRef>
+    <cs:spPr>
+      <a:solidFill>
+        <a:schemeClr val="lt1"/>
+      </a:solidFill>
+      <a:ln w="9525">
+        <a:solidFill>
+          <a:schemeClr val="tx1">
+            <a:lumMod val="15000"/>
+            <a:lumOff val="85000"/>
+          </a:schemeClr>
+        </a:solidFill>
+      </a:ln>
+    </cs:spPr>
+  </cs:upBar>
+  <cs:valueAxis>
+    <cs:lnRef idx="0"/>
+    <cs:fillRef idx="0"/>
+    <cs:effectRef idx="0"/>
+    <cs:fontRef idx="minor">
+      <a:schemeClr val="tx1">
+        <a:lumMod val="65000"/>
+        <a:lumOff val="35000"/>
+      </a:schemeClr>
+    </cs:fontRef>
+    <cs:defRPr sz="1197" kern="1200"/>
+  </cs:valueAxis>
+  <cs:wall>
+    <cs:lnRef idx="0"/>
+    <cs:fillRef idx="0"/>
+    <cs:effectRef idx="0"/>
+    <cs:fontRef idx="minor">
+      <a:schemeClr val="tx1"/>
+    </cs:fontRef>
+    <cs:spPr>
+      <a:noFill/>
+      <a:ln>
+        <a:noFill/>
+      </a:ln>
+    </cs:spPr>
+  </cs:wall>
+</cs:chartStyle>
+</file>
+
+<file path=ppt/charts/style2.xml><?xml version="1.0" encoding="utf-8"?>
+<cs:chartStyle xmlns:cs="http://schemas.microsoft.com/office/drawing/2012/chartStyle" xmlns:a="http://schemas.openxmlformats.org/drawingml/2006/main" id="201">
+  <cs:axisTitle>
+    <cs:lnRef idx="0"/>
+    <cs:fillRef idx="0"/>
+    <cs:effectRef idx="0"/>
+    <cs:fontRef idx="minor">
+      <a:schemeClr val="tx1">
+        <a:lumMod val="65000"/>
+        <a:lumOff val="35000"/>
+      </a:schemeClr>
+    </cs:fontRef>
+    <cs:defRPr sz="1330" kern="1200"/>
+  </cs:axisTitle>
+  <cs:categoryAxis>
+    <cs:lnRef idx="0"/>
+    <cs:fillRef idx="0"/>
+    <cs:effectRef idx="0"/>
+    <cs:fontRef idx="minor">
+      <a:schemeClr val="tx1">
+        <a:lumMod val="65000"/>
+        <a:lumOff val="35000"/>
+      </a:schemeClr>
+    </cs:fontRef>
+    <cs:spPr>
+      <a:ln w="9525" cap="flat" cmpd="sng" algn="ctr">
+        <a:solidFill>
+          <a:schemeClr val="tx1">
+            <a:lumMod val="15000"/>
+            <a:lumOff val="85000"/>
+          </a:schemeClr>
+        </a:solidFill>
+        <a:round/>
+      </a:ln>
+    </cs:spPr>
+    <cs:defRPr sz="1197" kern="1200"/>
+  </cs:categoryAxis>
+  <cs:chartArea mods="allowNoFillOverride allowNoLineOverride">
+    <cs:lnRef idx="0"/>
+    <cs:fillRef idx="0"/>
+    <cs:effectRef idx="0"/>
+    <cs:fontRef idx="minor">
+      <a:schemeClr val="tx1"/>
+    </cs:fontRef>
+    <cs:spPr>
+      <a:solidFill>
+        <a:schemeClr val="bg1"/>
+      </a:solidFill>
+      <a:ln w="9525" cap="flat" cmpd="sng" algn="ctr">
+        <a:solidFill>
+          <a:schemeClr val="tx1">
+            <a:lumMod val="15000"/>
+            <a:lumOff val="85000"/>
+          </a:schemeClr>
+        </a:solidFill>
+        <a:round/>
+      </a:ln>
+    </cs:spPr>
+    <cs:defRPr sz="1330" kern="1200"/>
+  </cs:chartArea>
+  <cs:dataLabel>
+    <cs:lnRef idx="0"/>
+    <cs:fillRef idx="0"/>
+    <cs:effectRef idx="0"/>
+    <cs:fontRef idx="minor">
+      <a:schemeClr val="tx1">
+        <a:lumMod val="75000"/>
+        <a:lumOff val="25000"/>
+      </a:schemeClr>
+    </cs:fontRef>
+    <cs:defRPr sz="1197" kern="1200"/>
+  </cs:dataLabel>
+  <cs:dataLabelCallout>
+    <cs:lnRef idx="0"/>
+    <cs:fillRef idx="0"/>
+    <cs:effectRef idx="0"/>
+    <cs:fontRef idx="minor">
+      <a:schemeClr val="dk1">
+        <a:lumMod val="65000"/>
+        <a:lumOff val="35000"/>
+      </a:schemeClr>
+    </cs:fontRef>
+    <cs:spPr>
+      <a:solidFill>
+        <a:schemeClr val="lt1"/>
+      </a:solidFill>
+      <a:ln>
+        <a:solidFill>
+          <a:schemeClr val="dk1">
+            <a:lumMod val="25000"/>
+            <a:lumOff val="75000"/>
+          </a:schemeClr>
+        </a:solidFill>
+      </a:ln>
+    </cs:spPr>
+    <cs:defRPr sz="1197" kern="1200"/>
+    <cs:bodyPr rot="0" spcFirstLastPara="1" vertOverflow="clip" horzOverflow="clip" vert="horz" wrap="square" lIns="36576" tIns="18288" rIns="36576" bIns="18288" anchor="ctr" anchorCtr="1">
+      <a:spAutoFit/>
+    </cs:bodyPr>
+  </cs:dataLabelCallout>
+  <cs:dataPoint>
+    <cs:lnRef idx="0"/>
+    <cs:fillRef idx="1">
+      <cs:styleClr val="auto"/>
+    </cs:fillRef>
+    <cs:effectRef idx="0"/>
+    <cs:fontRef idx="minor">
+      <a:schemeClr val="tx1"/>
+    </cs:fontRef>
+  </cs:dataPoint>
+  <cs:dataPoint3D>
+    <cs:lnRef idx="0"/>
+    <cs:fillRef idx="1">
+      <cs:styleClr val="auto"/>
+    </cs:fillRef>
+    <cs:effectRef idx="0"/>
+    <cs:fontRef idx="minor">
+      <a:schemeClr val="tx1"/>
+    </cs:fontRef>
+  </cs:dataPoint3D>
+  <cs:dataPointLine>
+    <cs:lnRef idx="0">
+      <cs:styleClr val="auto"/>
+    </cs:lnRef>
+    <cs:fillRef idx="1"/>
+    <cs:effectRef idx="0"/>
+    <cs:fontRef idx="minor">
+      <a:schemeClr val="tx1"/>
+    </cs:fontRef>
+    <cs:spPr>
+      <a:ln w="28575" cap="rnd">
+        <a:solidFill>
+          <a:schemeClr val="phClr"/>
+        </a:solidFill>
+        <a:round/>
+      </a:ln>
+    </cs:spPr>
+  </cs:dataPointLine>
+  <cs:dataPointMarker>
+    <cs:lnRef idx="0">
+      <cs:styleClr val="auto"/>
+    </cs:lnRef>
+    <cs:fillRef idx="1">
+      <cs:styleClr val="auto"/>
+    </cs:fillRef>
+    <cs:effectRef idx="0"/>
+    <cs:fontRef idx="minor">
+      <a:schemeClr val="tx1"/>
+    </cs:fontRef>
+    <cs:spPr>
+      <a:ln w="9525">
+        <a:solidFill>
+          <a:schemeClr val="phClr"/>
+        </a:solidFill>
+      </a:ln>
+    </cs:spPr>
+  </cs:dataPointMarker>
+  <cs:dataPointMarkerLayout symbol="circle" size="5"/>
+  <cs:dataPointWireframe>
+    <cs:lnRef idx="0">
+      <cs:styleClr val="auto"/>
+    </cs:lnRef>
+    <cs:fillRef idx="1"/>
+    <cs:effectRef idx="0"/>
+    <cs:fontRef idx="minor">
+      <a:schemeClr val="tx1"/>
+    </cs:fontRef>
+    <cs:spPr>
+      <a:ln w="9525" cap="rnd">
+        <a:solidFill>
+          <a:schemeClr val="phClr"/>
+        </a:solidFill>
+        <a:round/>
+      </a:ln>
+    </cs:spPr>
+  </cs:dataPointWireframe>
+  <cs:dataTable>
+    <cs:lnRef idx="0"/>
+    <cs:fillRef idx="0"/>
+    <cs:effectRef idx="0"/>
+    <cs:fontRef idx="minor">
+      <a:schemeClr val="tx1">
+        <a:lumMod val="65000"/>
+        <a:lumOff val="35000"/>
+      </a:schemeClr>
+    </cs:fontRef>
+    <cs:spPr>
+      <a:noFill/>
+      <a:ln w="9525" cap="flat" cmpd="sng" algn="ctr">
+        <a:solidFill>
+          <a:schemeClr val="tx1">
+            <a:lumMod val="15000"/>
+            <a:lumOff val="85000"/>
+          </a:schemeClr>
+        </a:solidFill>
+        <a:round/>
+      </a:ln>
+    </cs:spPr>
+    <cs:defRPr sz="1197" kern="1200"/>
+  </cs:dataTable>
+  <cs:downBar>
+    <cs:lnRef idx="0"/>
+    <cs:fillRef idx="0"/>
+    <cs:effectRef idx="0"/>
+    <cs:fontRef idx="minor">
+      <a:schemeClr val="dk1"/>
+    </cs:fontRef>
+    <cs:spPr>
+      <a:solidFill>
+        <a:schemeClr val="dk1">
+          <a:lumMod val="65000"/>
+          <a:lumOff val="35000"/>
+        </a:schemeClr>
+      </a:solidFill>
+      <a:ln w="9525">
+        <a:solidFill>
+          <a:schemeClr val="tx1">
+            <a:lumMod val="65000"/>
+            <a:lumOff val="35000"/>
+          </a:schemeClr>
+        </a:solidFill>
+      </a:ln>
+    </cs:spPr>
+  </cs:downBar>
+  <cs:dropLine>
+    <cs:lnRef idx="0"/>
+    <cs:fillRef idx="0"/>
+    <cs:effectRef idx="0"/>
+    <cs:fontRef idx="minor">
+      <a:schemeClr val="tx1"/>
+    </cs:fontRef>
+    <cs:spPr>
+      <a:ln w="9525" cap="flat" cmpd="sng" algn="ctr">
+        <a:solidFill>
+          <a:schemeClr val="tx1">
+            <a:lumMod val="35000"/>
+            <a:lumOff val="65000"/>
+          </a:schemeClr>
+        </a:solidFill>
+        <a:round/>
+      </a:ln>
+    </cs:spPr>
+  </cs:dropLine>
+  <cs:errorBar>
+    <cs:lnRef idx="0"/>
+    <cs:fillRef idx="0"/>
+    <cs:effectRef idx="0"/>
+    <cs:fontRef idx="minor">
+      <a:schemeClr val="tx1"/>
+    </cs:fontRef>
+    <cs:spPr>
+      <a:ln w="9525" cap="flat" cmpd="sng" algn="ctr">
+        <a:solidFill>
+          <a:schemeClr val="tx1">
+            <a:lumMod val="65000"/>
+            <a:lumOff val="35000"/>
+          </a:schemeClr>
+        </a:solidFill>
+        <a:round/>
+      </a:ln>
+    </cs:spPr>
+  </cs:errorBar>
+  <cs:floor>
+    <cs:lnRef idx="0"/>
+    <cs:fillRef idx="0"/>
+    <cs:effectRef idx="0"/>
+    <cs:fontRef idx="minor">
+      <a:schemeClr val="tx1"/>
+    </cs:fontRef>
+    <cs:spPr>
+      <a:noFill/>
+      <a:ln>
+        <a:noFill/>
+      </a:ln>
+    </cs:spPr>
+  </cs:floor>
+  <cs:gridlineMajor>
+    <cs:lnRef idx="0"/>
+    <cs:fillRef idx="0"/>
+    <cs:effectRef idx="0"/>
+    <cs:fontRef idx="minor">
+      <a:schemeClr val="tx1"/>
+    </cs:fontRef>
+    <cs:spPr>
+      <a:ln w="9525" cap="flat" cmpd="sng" algn="ctr">
+        <a:solidFill>
+          <a:schemeClr val="tx1">
+            <a:lumMod val="15000"/>
+            <a:lumOff val="85000"/>
+          </a:schemeClr>
+        </a:solidFill>
+        <a:round/>
+      </a:ln>
+    </cs:spPr>
+  </cs:gridlineMajor>
+  <cs:gridlineMinor>
+    <cs:lnRef idx="0"/>
+    <cs:fillRef idx="0"/>
+    <cs:effectRef idx="0"/>
+    <cs:fontRef idx="minor">
+      <a:schemeClr val="tx1"/>
+    </cs:fontRef>
+    <cs:spPr>
+      <a:ln w="9525" cap="flat" cmpd="sng" algn="ctr">
+        <a:solidFill>
+          <a:schemeClr val="tx1">
+            <a:lumMod val="5000"/>
+            <a:lumOff val="95000"/>
+          </a:schemeClr>
+        </a:solidFill>
+        <a:round/>
+      </a:ln>
+    </cs:spPr>
+  </cs:gridlineMinor>
+  <cs:hiLoLine>
+    <cs:lnRef idx="0"/>
+    <cs:fillRef idx="0"/>
+    <cs:effectRef idx="0"/>
+    <cs:fontRef idx="minor">
+      <a:schemeClr val="tx1"/>
+    </cs:fontRef>
+    <cs:spPr>
+      <a:ln w="9525" cap="flat" cmpd="sng" algn="ctr">
+        <a:solidFill>
+          <a:schemeClr val="tx1">
+            <a:lumMod val="75000"/>
+            <a:lumOff val="25000"/>
+          </a:schemeClr>
+        </a:solidFill>
+        <a:round/>
+      </a:ln>
+    </cs:spPr>
+  </cs:hiLoLine>
+  <cs:leaderLine>
+    <cs:lnRef idx="0"/>
+    <cs:fillRef idx="0"/>
+    <cs:effectRef idx="0"/>
+    <cs:fontRef idx="minor">
+      <a:schemeClr val="tx1"/>
+    </cs:fontRef>
+    <cs:spPr>
+      <a:ln w="9525" cap="flat" cmpd="sng" algn="ctr">
+        <a:solidFill>
+          <a:schemeClr val="tx1">
+            <a:lumMod val="35000"/>
+            <a:lumOff val="65000"/>
+          </a:schemeClr>
+        </a:solidFill>
+        <a:round/>
+      </a:ln>
+    </cs:spPr>
+  </cs:leaderLine>
+  <cs:legend>
+    <cs:lnRef idx="0"/>
+    <cs:fillRef idx="0"/>
+    <cs:effectRef idx="0"/>
+    <cs:fontRef idx="minor">
+      <a:schemeClr val="tx1">
+        <a:lumMod val="65000"/>
+        <a:lumOff val="35000"/>
+      </a:schemeClr>
+    </cs:fontRef>
+    <cs:defRPr sz="1197" kern="1200"/>
+  </cs:legend>
+  <cs:plotArea mods="allowNoFillOverride allowNoLineOverride">
+    <cs:lnRef idx="0"/>
+    <cs:fillRef idx="0"/>
+    <cs:effectRef idx="0"/>
+    <cs:fontRef idx="minor">
+      <a:schemeClr val="tx1"/>
+    </cs:fontRef>
+  </cs:plotArea>
+  <cs:plotArea3D mods="allowNoFillOverride allowNoLineOverride">
+    <cs:lnRef idx="0"/>
+    <cs:fillRef idx="0"/>
+    <cs:effectRef idx="0"/>
+    <cs:fontRef idx="minor">
+      <a:schemeClr val="tx1"/>
+    </cs:fontRef>
+  </cs:plotArea3D>
+  <cs:seriesAxis>
+    <cs:lnRef idx="0"/>
+    <cs:fillRef idx="0"/>
+    <cs:effectRef idx="0"/>
+    <cs:fontRef idx="minor">
+      <a:schemeClr val="tx1">
+        <a:lumMod val="65000"/>
+        <a:lumOff val="35000"/>
+      </a:schemeClr>
+    </cs:fontRef>
+    <cs:defRPr sz="1197" kern="1200"/>
+  </cs:seriesAxis>
+  <cs:seriesLine>
+    <cs:lnRef idx="0"/>
+    <cs:fillRef idx="0"/>
+    <cs:effectRef idx="0"/>
+    <cs:fontRef idx="minor">
+      <a:schemeClr val="tx1"/>
+    </cs:fontRef>
+    <cs:spPr>
+      <a:ln w="9525" cap="flat" cmpd="sng" algn="ctr">
+        <a:solidFill>
+          <a:schemeClr val="tx1">
+            <a:lumMod val="35000"/>
+            <a:lumOff val="65000"/>
+          </a:schemeClr>
+        </a:solidFill>
+        <a:round/>
+      </a:ln>
+    </cs:spPr>
+  </cs:seriesLine>
+  <cs:title>
+    <cs:lnRef idx="0"/>
+    <cs:fillRef idx="0"/>
+    <cs:effectRef idx="0"/>
+    <cs:fontRef idx="minor">
+      <a:schemeClr val="tx1">
+        <a:lumMod val="65000"/>
+        <a:lumOff val="35000"/>
+      </a:schemeClr>
+    </cs:fontRef>
+    <cs:defRPr sz="1862" b="0" kern="1200" spc="0" baseline="0"/>
+  </cs:title>
+  <cs:trendline>
+    <cs:lnRef idx="0">
+      <cs:styleClr val="auto"/>
+    </cs:lnRef>
+    <cs:fillRef idx="0"/>
+    <cs:effectRef idx="0"/>
+    <cs:fontRef idx="minor">
+      <a:schemeClr val="tx1"/>
+    </cs:fontRef>
+    <cs:spPr>
+      <a:ln w="19050" cap="rnd">
+        <a:solidFill>
+          <a:schemeClr val="phClr"/>
+        </a:solidFill>
+        <a:prstDash val="sysDot"/>
+      </a:ln>
+    </cs:spPr>
+  </cs:trendline>
+  <cs:trendlineLabel>
+    <cs:lnRef idx="0"/>
+    <cs:fillRef idx="0"/>
+    <cs:effectRef idx="0"/>
+    <cs:fontRef idx="minor">
+      <a:schemeClr val="tx1">
+        <a:lumMod val="65000"/>
+        <a:lumOff val="35000"/>
+      </a:schemeClr>
+    </cs:fontRef>
+    <cs:defRPr sz="1197" kern="1200"/>
+  </cs:trendlineLabel>
+  <cs:upBar>
+    <cs:lnRef idx="0"/>
+    <cs:fillRef idx="0"/>
+    <cs:effectRef idx="0"/>
+    <cs:fontRef idx="minor">
+      <a:schemeClr val="dk1"/>
+    </cs:fontRef>
+    <cs:spPr>
+      <a:solidFill>
+        <a:schemeClr val="lt1"/>
+      </a:solidFill>
+      <a:ln w="9525">
+        <a:solidFill>
+          <a:schemeClr val="tx1">
+            <a:lumMod val="15000"/>
+            <a:lumOff val="85000"/>
+          </a:schemeClr>
+        </a:solidFill>
+      </a:ln>
+    </cs:spPr>
+  </cs:upBar>
+  <cs:valueAxis>
+    <cs:lnRef idx="0"/>
+    <cs:fillRef idx="0"/>
+    <cs:effectRef idx="0"/>
+    <cs:fontRef idx="minor">
+      <a:schemeClr val="tx1">
+        <a:lumMod val="65000"/>
+        <a:lumOff val="35000"/>
+      </a:schemeClr>
+    </cs:fontRef>
+    <cs:defRPr sz="1197" kern="1200"/>
+  </cs:valueAxis>
+  <cs:wall>
+    <cs:lnRef idx="0"/>
+    <cs:fillRef idx="0"/>
+    <cs:effectRef idx="0"/>
+    <cs:fontRef idx="minor">
+      <a:schemeClr val="tx1"/>
+    </cs:fontRef>
+    <cs:spPr>
+      <a:noFill/>
+      <a:ln>
+        <a:noFill/>
+      </a:ln>
+    </cs:spPr>
+  </cs:wall>
+</cs:chartStyle>
+</file>
+
+<file path=ppt/charts/style3.xml><?xml version="1.0" encoding="utf-8"?>
+<cs:chartStyle xmlns:cs="http://schemas.microsoft.com/office/drawing/2012/chartStyle" xmlns:a="http://schemas.openxmlformats.org/drawingml/2006/main" id="201">
+  <cs:axisTitle>
+    <cs:lnRef idx="0"/>
+    <cs:fillRef idx="0"/>
+    <cs:effectRef idx="0"/>
+    <cs:fontRef idx="minor">
+      <a:schemeClr val="tx1">
+        <a:lumMod val="65000"/>
+        <a:lumOff val="35000"/>
+      </a:schemeClr>
+    </cs:fontRef>
+    <cs:defRPr sz="1330" kern="1200"/>
+  </cs:axisTitle>
+  <cs:categoryAxis>
+    <cs:lnRef idx="0"/>
+    <cs:fillRef idx="0"/>
+    <cs:effectRef idx="0"/>
+    <cs:fontRef idx="minor">
+      <a:schemeClr val="tx1">
+        <a:lumMod val="65000"/>
+        <a:lumOff val="35000"/>
+      </a:schemeClr>
+    </cs:fontRef>
+    <cs:spPr>
+      <a:ln w="9525" cap="flat" cmpd="sng" algn="ctr">
+        <a:solidFill>
+          <a:schemeClr val="tx1">
+            <a:lumMod val="15000"/>
+            <a:lumOff val="85000"/>
+          </a:schemeClr>
+        </a:solidFill>
+        <a:round/>
+      </a:ln>
+    </cs:spPr>
+    <cs:defRPr sz="1197" kern="1200"/>
+  </cs:categoryAxis>
+  <cs:chartArea mods="allowNoFillOverride allowNoLineOverride">
+    <cs:lnRef idx="0"/>
+    <cs:fillRef idx="0"/>
+    <cs:effectRef idx="0"/>
+    <cs:fontRef idx="minor">
+      <a:schemeClr val="tx1"/>
+    </cs:fontRef>
+    <cs:spPr>
+      <a:solidFill>
+        <a:schemeClr val="bg1"/>
+      </a:solidFill>
+      <a:ln w="9525" cap="flat" cmpd="sng" algn="ctr">
+        <a:solidFill>
+          <a:schemeClr val="tx1">
+            <a:lumMod val="15000"/>
+            <a:lumOff val="85000"/>
+          </a:schemeClr>
+        </a:solidFill>
+        <a:round/>
+      </a:ln>
+    </cs:spPr>
+    <cs:defRPr sz="1330" kern="1200"/>
+  </cs:chartArea>
+  <cs:dataLabel>
+    <cs:lnRef idx="0"/>
+    <cs:fillRef idx="0"/>
+    <cs:effectRef idx="0"/>
+    <cs:fontRef idx="minor">
+      <a:schemeClr val="tx1">
+        <a:lumMod val="75000"/>
+        <a:lumOff val="25000"/>
+      </a:schemeClr>
+    </cs:fontRef>
+    <cs:defRPr sz="1197" kern="1200"/>
+  </cs:dataLabel>
+  <cs:dataLabelCallout>
+    <cs:lnRef idx="0"/>
+    <cs:fillRef idx="0"/>
+    <cs:effectRef idx="0"/>
+    <cs:fontRef idx="minor">
+      <a:schemeClr val="dk1">
+        <a:lumMod val="65000"/>
+        <a:lumOff val="35000"/>
+      </a:schemeClr>
+    </cs:fontRef>
+    <cs:spPr>
+      <a:solidFill>
+        <a:schemeClr val="lt1"/>
+      </a:solidFill>
+      <a:ln>
+        <a:solidFill>
+          <a:schemeClr val="dk1">
+            <a:lumMod val="25000"/>
+            <a:lumOff val="75000"/>
+          </a:schemeClr>
+        </a:solidFill>
+      </a:ln>
+    </cs:spPr>
+    <cs:defRPr sz="1197" kern="1200"/>
+    <cs:bodyPr rot="0" spcFirstLastPara="1" vertOverflow="clip" horzOverflow="clip" vert="horz" wrap="square" lIns="36576" tIns="18288" rIns="36576" bIns="18288" anchor="ctr" anchorCtr="1">
+      <a:spAutoFit/>
+    </cs:bodyPr>
+  </cs:dataLabelCallout>
+  <cs:dataPoint>
+    <cs:lnRef idx="0"/>
+    <cs:fillRef idx="1">
+      <cs:styleClr val="auto"/>
+    </cs:fillRef>
+    <cs:effectRef idx="0"/>
+    <cs:fontRef idx="minor">
+      <a:schemeClr val="tx1"/>
+    </cs:fontRef>
+  </cs:dataPoint>
+  <cs:dataPoint3D>
+    <cs:lnRef idx="0"/>
+    <cs:fillRef idx="1">
+      <cs:styleClr val="auto"/>
+    </cs:fillRef>
+    <cs:effectRef idx="0"/>
+    <cs:fontRef idx="minor">
+      <a:schemeClr val="tx1"/>
+    </cs:fontRef>
+  </cs:dataPoint3D>
+  <cs:dataPointLine>
+    <cs:lnRef idx="0">
+      <cs:styleClr val="auto"/>
+    </cs:lnRef>
+    <cs:fillRef idx="1"/>
+    <cs:effectRef idx="0"/>
+    <cs:fontRef idx="minor">
+      <a:schemeClr val="tx1"/>
+    </cs:fontRef>
+    <cs:spPr>
+      <a:ln w="28575" cap="rnd">
+        <a:solidFill>
+          <a:schemeClr val="phClr"/>
+        </a:solidFill>
+        <a:round/>
+      </a:ln>
+    </cs:spPr>
+  </cs:dataPointLine>
+  <cs:dataPointMarker>
+    <cs:lnRef idx="0">
+      <cs:styleClr val="auto"/>
+    </cs:lnRef>
+    <cs:fillRef idx="1">
+      <cs:styleClr val="auto"/>
+    </cs:fillRef>
+    <cs:effectRef idx="0"/>
+    <cs:fontRef idx="minor">
+      <a:schemeClr val="tx1"/>
+    </cs:fontRef>
+    <cs:spPr>
+      <a:ln w="9525">
+        <a:solidFill>
+          <a:schemeClr val="phClr"/>
+        </a:solidFill>
+      </a:ln>
+    </cs:spPr>
+  </cs:dataPointMarker>
+  <cs:dataPointMarkerLayout symbol="circle" size="5"/>
+  <cs:dataPointWireframe>
+    <cs:lnRef idx="0">
+      <cs:styleClr val="auto"/>
+    </cs:lnRef>
+    <cs:fillRef idx="1"/>
+    <cs:effectRef idx="0"/>
+    <cs:fontRef idx="minor">
+      <a:schemeClr val="tx1"/>
+    </cs:fontRef>
+    <cs:spPr>
+      <a:ln w="9525" cap="rnd">
+        <a:solidFill>
+          <a:schemeClr val="phClr"/>
+        </a:solidFill>
+        <a:round/>
+      </a:ln>
+    </cs:spPr>
+  </cs:dataPointWireframe>
+  <cs:dataTable>
+    <cs:lnRef idx="0"/>
+    <cs:fillRef idx="0"/>
+    <cs:effectRef idx="0"/>
+    <cs:fontRef idx="minor">
+      <a:schemeClr val="tx1">
+        <a:lumMod val="65000"/>
+        <a:lumOff val="35000"/>
+      </a:schemeClr>
+    </cs:fontRef>
+    <cs:spPr>
+      <a:noFill/>
+      <a:ln w="9525" cap="flat" cmpd="sng" algn="ctr">
+        <a:solidFill>
+          <a:schemeClr val="tx1">
+            <a:lumMod val="15000"/>
+            <a:lumOff val="85000"/>
+          </a:schemeClr>
+        </a:solidFill>
+        <a:round/>
+      </a:ln>
+    </cs:spPr>
+    <cs:defRPr sz="1197" kern="1200"/>
+  </cs:dataTable>
+  <cs:downBar>
+    <cs:lnRef idx="0"/>
+    <cs:fillRef idx="0"/>
+    <cs:effectRef idx="0"/>
+    <cs:fontRef idx="minor">
+      <a:schemeClr val="dk1"/>
+    </cs:fontRef>
+    <cs:spPr>
+      <a:solidFill>
+        <a:schemeClr val="dk1">
+          <a:lumMod val="65000"/>
+          <a:lumOff val="35000"/>
+        </a:schemeClr>
+      </a:solidFill>
+      <a:ln w="9525">
+        <a:solidFill>
+          <a:schemeClr val="tx1">
+            <a:lumMod val="65000"/>
+            <a:lumOff val="35000"/>
+          </a:schemeClr>
+        </a:solidFill>
+      </a:ln>
+    </cs:spPr>
+  </cs:downBar>
+  <cs:dropLine>
+    <cs:lnRef idx="0"/>
+    <cs:fillRef idx="0"/>
+    <cs:effectRef idx="0"/>
+    <cs:fontRef idx="minor">
+      <a:schemeClr val="tx1"/>
+    </cs:fontRef>
+    <cs:spPr>
+      <a:ln w="9525" cap="flat" cmpd="sng" algn="ctr">
+        <a:solidFill>
+          <a:schemeClr val="tx1">
+            <a:lumMod val="35000"/>
+            <a:lumOff val="65000"/>
+          </a:schemeClr>
+        </a:solidFill>
+        <a:round/>
+      </a:ln>
+    </cs:spPr>
+  </cs:dropLine>
+  <cs:errorBar>
+    <cs:lnRef idx="0"/>
+    <cs:fillRef idx="0"/>
+    <cs:effectRef idx="0"/>
+    <cs:fontRef idx="minor">
+      <a:schemeClr val="tx1"/>
+    </cs:fontRef>
+    <cs:spPr>
+      <a:ln w="9525" cap="flat" cmpd="sng" algn="ctr">
+        <a:solidFill>
+          <a:schemeClr val="tx1">
+            <a:lumMod val="65000"/>
+            <a:lumOff val="35000"/>
+          </a:schemeClr>
+        </a:solidFill>
+        <a:round/>
+      </a:ln>
+    </cs:spPr>
+  </cs:errorBar>
+  <cs:floor>
+    <cs:lnRef idx="0"/>
+    <cs:fillRef idx="0"/>
+    <cs:effectRef idx="0"/>
+    <cs:fontRef idx="minor">
+      <a:schemeClr val="tx1"/>
+    </cs:fontRef>
+    <cs:spPr>
+      <a:noFill/>
+      <a:ln>
+        <a:noFill/>
+      </a:ln>
+    </cs:spPr>
+  </cs:floor>
+  <cs:gridlineMajor>
+    <cs:lnRef idx="0"/>
+    <cs:fillRef idx="0"/>
+    <cs:effectRef idx="0"/>
+    <cs:fontRef idx="minor">
+      <a:schemeClr val="tx1"/>
+    </cs:fontRef>
+    <cs:spPr>
+      <a:ln w="9525" cap="flat" cmpd="sng" algn="ctr">
+        <a:solidFill>
+          <a:schemeClr val="tx1">
+            <a:lumMod val="15000"/>
+            <a:lumOff val="85000"/>
+          </a:schemeClr>
+        </a:solidFill>
+        <a:round/>
+      </a:ln>
+    </cs:spPr>
+  </cs:gridlineMajor>
+  <cs:gridlineMinor>
+    <cs:lnRef idx="0"/>
+    <cs:fillRef idx="0"/>
+    <cs:effectRef idx="0"/>
+    <cs:fontRef idx="minor">
+      <a:schemeClr val="tx1"/>
+    </cs:fontRef>
+    <cs:spPr>
+      <a:ln w="9525" cap="flat" cmpd="sng" algn="ctr">
+        <a:solidFill>
+          <a:schemeClr val="tx1">
+            <a:lumMod val="5000"/>
+            <a:lumOff val="95000"/>
+          </a:schemeClr>
+        </a:solidFill>
+        <a:round/>
+      </a:ln>
+    </cs:spPr>
+  </cs:gridlineMinor>
+  <cs:hiLoLine>
+    <cs:lnRef idx="0"/>
+    <cs:fillRef idx="0"/>
+    <cs:effectRef idx="0"/>
+    <cs:fontRef idx="minor">
+      <a:schemeClr val="tx1"/>
+    </cs:fontRef>
+    <cs:spPr>
+      <a:ln w="9525" cap="flat" cmpd="sng" algn="ctr">
+        <a:solidFill>
+          <a:schemeClr val="tx1">
+            <a:lumMod val="75000"/>
+            <a:lumOff val="25000"/>
+          </a:schemeClr>
+        </a:solidFill>
+        <a:round/>
+      </a:ln>
+    </cs:spPr>
+  </cs:hiLoLine>
+  <cs:leaderLine>
+    <cs:lnRef idx="0"/>
+    <cs:fillRef idx="0"/>
+    <cs:effectRef idx="0"/>
+    <cs:fontRef idx="minor">
+      <a:schemeClr val="tx1"/>
+    </cs:fontRef>
+    <cs:spPr>
+      <a:ln w="9525" cap="flat" cmpd="sng" algn="ctr">
+        <a:solidFill>
+          <a:schemeClr val="tx1">
+            <a:lumMod val="35000"/>
+            <a:lumOff val="65000"/>
+          </a:schemeClr>
+        </a:solidFill>
+        <a:round/>
+      </a:ln>
+    </cs:spPr>
+  </cs:leaderLine>
+  <cs:legend>
+    <cs:lnRef idx="0"/>
+    <cs:fillRef idx="0"/>
+    <cs:effectRef idx="0"/>
+    <cs:fontRef idx="minor">
+      <a:schemeClr val="tx1">
+        <a:lumMod val="65000"/>
+        <a:lumOff val="35000"/>
+      </a:schemeClr>
+    </cs:fontRef>
+    <cs:defRPr sz="1197" kern="1200"/>
+  </cs:legend>
+  <cs:plotArea mods="allowNoFillOverride allowNoLineOverride">
+    <cs:lnRef idx="0"/>
+    <cs:fillRef idx="0"/>
+    <cs:effectRef idx="0"/>
+    <cs:fontRef idx="minor">
+      <a:schemeClr val="tx1"/>
+    </cs:fontRef>
+  </cs:plotArea>
+  <cs:plotArea3D mods="allowNoFillOverride allowNoLineOverride">
+    <cs:lnRef idx="0"/>
+    <cs:fillRef idx="0"/>
+    <cs:effectRef idx="0"/>
+    <cs:fontRef idx="minor">
+      <a:schemeClr val="tx1"/>
+    </cs:fontRef>
+  </cs:plotArea3D>
+  <cs:seriesAxis>
+    <cs:lnRef idx="0"/>
+    <cs:fillRef idx="0"/>
+    <cs:effectRef idx="0"/>
+    <cs:fontRef idx="minor">
+      <a:schemeClr val="tx1">
+        <a:lumMod val="65000"/>
+        <a:lumOff val="35000"/>
+      </a:schemeClr>
+    </cs:fontRef>
+    <cs:defRPr sz="1197" kern="1200"/>
+  </cs:seriesAxis>
+  <cs:seriesLine>
+    <cs:lnRef idx="0"/>
+    <cs:fillRef idx="0"/>
+    <cs:effectRef idx="0"/>
+    <cs:fontRef idx="minor">
+      <a:schemeClr val="tx1"/>
+    </cs:fontRef>
+    <cs:spPr>
+      <a:ln w="9525" cap="flat" cmpd="sng" algn="ctr">
+        <a:solidFill>
+          <a:schemeClr val="tx1">
+            <a:lumMod val="35000"/>
+            <a:lumOff val="65000"/>
+          </a:schemeClr>
+        </a:solidFill>
+        <a:round/>
+      </a:ln>
+    </cs:spPr>
+  </cs:seriesLine>
+  <cs:title>
+    <cs:lnRef idx="0"/>
+    <cs:fillRef idx="0"/>
+    <cs:effectRef idx="0"/>
+    <cs:fontRef idx="minor">
+      <a:schemeClr val="tx1">
+        <a:lumMod val="65000"/>
+        <a:lumOff val="35000"/>
+      </a:schemeClr>
+    </cs:fontRef>
+    <cs:defRPr sz="1862" b="0" kern="1200" spc="0" baseline="0"/>
+  </cs:title>
+  <cs:trendline>
+    <cs:lnRef idx="0">
+      <cs:styleClr val="auto"/>
+    </cs:lnRef>
+    <cs:fillRef idx="0"/>
+    <cs:effectRef idx="0"/>
+    <cs:fontRef idx="minor">
+      <a:schemeClr val="tx1"/>
+    </cs:fontRef>
+    <cs:spPr>
+      <a:ln w="19050" cap="rnd">
+        <a:solidFill>
+          <a:schemeClr val="phClr"/>
+        </a:solidFill>
+        <a:prstDash val="sysDot"/>
+      </a:ln>
+    </cs:spPr>
+  </cs:trendline>
+  <cs:trendlineLabel>
+    <cs:lnRef idx="0"/>
+    <cs:fillRef idx="0"/>
+    <cs:effectRef idx="0"/>
+    <cs:fontRef idx="minor">
+      <a:schemeClr val="tx1">
+        <a:lumMod val="65000"/>
+        <a:lumOff val="35000"/>
+      </a:schemeClr>
+    </cs:fontRef>
+    <cs:defRPr sz="1197" kern="1200"/>
+  </cs:trendlineLabel>
+  <cs:upBar>
+    <cs:lnRef idx="0"/>
+    <cs:fillRef idx="0"/>
+    <cs:effectRef idx="0"/>
+    <cs:fontRef idx="minor">
+      <a:schemeClr val="dk1"/>
+    </cs:fontRef>
+    <cs:spPr>
+      <a:solidFill>
+        <a:schemeClr val="lt1"/>
+      </a:solidFill>
+      <a:ln w="9525">
+        <a:solidFill>
+          <a:schemeClr val="tx1">
+            <a:lumMod val="15000"/>
+            <a:lumOff val="85000"/>
+          </a:schemeClr>
+        </a:solidFill>
+      </a:ln>
+    </cs:spPr>
+  </cs:upBar>
+  <cs:valueAxis>
+    <cs:lnRef idx="0"/>
+    <cs:fillRef idx="0"/>
+    <cs:effectRef idx="0"/>
+    <cs:fontRef idx="minor">
+      <a:schemeClr val="tx1">
+        <a:lumMod val="65000"/>
+        <a:lumOff val="35000"/>
+      </a:schemeClr>
+    </cs:fontRef>
+    <cs:defRPr sz="1197" kern="1200"/>
+  </cs:valueAxis>
+  <cs:wall>
+    <cs:lnRef idx="0"/>
+    <cs:fillRef idx="0"/>
+    <cs:effectRef idx="0"/>
+    <cs:fontRef idx="minor">
+      <a:schemeClr val="tx1"/>
+    </cs:fontRef>
+    <cs:spPr>
+      <a:noFill/>
+      <a:ln>
+        <a:noFill/>
+      </a:ln>
+    </cs:spPr>
+  </cs:wall>
+</cs:chartStyle>
+</file>
+
 <file path=ppt/notesMasters/notesMaster1.xml><?xml version="1.0" encoding="utf-8"?>
 <p:notesMaster xmlns:a="http://schemas.openxmlformats.org/drawingml/2006/main" xmlns:r="http://schemas.openxmlformats.org/officeDocument/2006/relationships" xmlns:p="http://schemas.openxmlformats.org/presentationml/2006/main">
   <p:cSld>
@@ -214,7 +3640,7 @@
           <a:p>
             <a:fld id="{EBACBB57-5019-4C34-B895-9DAC8A1F72A5}" type="datetimeFigureOut">
               <a:rPr lang="fr-CH" smtClean="0"/>
-              <a:t>16.05.2020</a:t>
+              <a:t>18.05.2020</a:t>
             </a:fld>
             <a:endParaRPr lang="fr-CH"/>
           </a:p>
@@ -900,7 +4326,7 @@
           <a:p>
             <a:fld id="{A1C5EC13-83CD-46FC-A749-A66713452AB8}" type="datetime1">
               <a:rPr lang="fr-CH" smtClean="0"/>
-              <a:t>16.05.2020</a:t>
+              <a:t>18.05.2020</a:t>
             </a:fld>
             <a:endParaRPr lang="fr-CH"/>
           </a:p>
@@ -1087,7 +4513,7 @@
           <a:p>
             <a:fld id="{7E456747-9D74-4D5C-A57B-216C1DCF555B}" type="datetime1">
               <a:rPr lang="fr-CH" smtClean="0"/>
-              <a:t>16.05.2020</a:t>
+              <a:t>18.05.2020</a:t>
             </a:fld>
             <a:endParaRPr lang="fr-CH"/>
           </a:p>
@@ -1267,7 +4693,7 @@
           <a:p>
             <a:fld id="{35AB7460-04F9-4582-9AE7-9E23C393B231}" type="datetime1">
               <a:rPr lang="fr-CH" smtClean="0"/>
-              <a:t>16.05.2020</a:t>
+              <a:t>18.05.2020</a:t>
             </a:fld>
             <a:endParaRPr lang="fr-CH"/>
           </a:p>
@@ -1452,7 +4878,7 @@
           <a:p>
             <a:fld id="{443BA57E-7B21-4F6F-82E1-FF01CD7ABA13}" type="datetime1">
               <a:rPr lang="fr-CH" smtClean="0"/>
-              <a:t>16.05.2020</a:t>
+              <a:t>18.05.2020</a:t>
             </a:fld>
             <a:endParaRPr lang="en-US" dirty="0"/>
           </a:p>
@@ -2270,7 +5696,7 @@
           <a:p>
             <a:fld id="{062309E3-34CC-4F3C-A1BD-713587317DF7}" type="datetime1">
               <a:rPr lang="fr-CH" smtClean="0"/>
-              <a:t>16.05.2020</a:t>
+              <a:t>18.05.2020</a:t>
             </a:fld>
             <a:endParaRPr lang="fr-CH"/>
           </a:p>
@@ -2452,7 +5878,7 @@
           <a:p>
             <a:fld id="{CA50544D-CD99-4DB3-9168-B3A8E20C09FE}" type="datetime1">
               <a:rPr lang="fr-CH" smtClean="0"/>
-              <a:t>16.05.2020</a:t>
+              <a:t>18.05.2020</a:t>
             </a:fld>
             <a:endParaRPr lang="fr-CH"/>
           </a:p>
@@ -2706,7 +6132,7 @@
           <a:p>
             <a:fld id="{0BA05AE5-1ED1-49B1-BD0C-362DD8300DA6}" type="datetime1">
               <a:rPr lang="fr-CH" smtClean="0"/>
-              <a:t>16.05.2020</a:t>
+              <a:t>18.05.2020</a:t>
             </a:fld>
             <a:endParaRPr lang="fr-CH"/>
           </a:p>
@@ -2945,7 +6371,7 @@
           <a:p>
             <a:fld id="{F321FB04-B1F8-410C-91A1-6F9F06ABF9AD}" type="datetime1">
               <a:rPr lang="fr-CH" smtClean="0"/>
-              <a:t>16.05.2020</a:t>
+              <a:t>18.05.2020</a:t>
             </a:fld>
             <a:endParaRPr lang="fr-CH"/>
           </a:p>
@@ -3319,7 +6745,7 @@
           <a:p>
             <a:fld id="{B78CB868-B46E-4481-9B17-F23B1E033C87}" type="datetime1">
               <a:rPr lang="fr-CH" smtClean="0"/>
-              <a:t>16.05.2020</a:t>
+              <a:t>18.05.2020</a:t>
             </a:fld>
             <a:endParaRPr lang="fr-CH"/>
           </a:p>
@@ -3442,7 +6868,7 @@
           <a:p>
             <a:fld id="{AED0E9EF-17A4-4D73-89B5-BE4B97634EE6}" type="datetime1">
               <a:rPr lang="fr-CH" smtClean="0"/>
-              <a:t>16.05.2020</a:t>
+              <a:t>18.05.2020</a:t>
             </a:fld>
             <a:endParaRPr lang="fr-CH"/>
           </a:p>
@@ -3537,7 +6963,7 @@
           <a:p>
             <a:fld id="{185805BF-25D7-407C-8F23-26F91DDF1D3E}" type="datetime1">
               <a:rPr lang="fr-CH" smtClean="0"/>
-              <a:t>16.05.2020</a:t>
+              <a:t>18.05.2020</a:t>
             </a:fld>
             <a:endParaRPr lang="fr-CH"/>
           </a:p>
@@ -3807,7 +7233,7 @@
           <a:p>
             <a:fld id="{159142C7-4527-4223-B0C3-EFB260406640}" type="datetime1">
               <a:rPr lang="fr-CH" smtClean="0"/>
-              <a:t>16.05.2020</a:t>
+              <a:t>18.05.2020</a:t>
             </a:fld>
             <a:endParaRPr lang="fr-CH"/>
           </a:p>
@@ -4079,7 +7505,7 @@
           <a:p>
             <a:fld id="{76BB6D0E-3881-4B3D-96CD-ECBF10879B6D}" type="datetime1">
               <a:rPr lang="fr-CH" smtClean="0"/>
-              <a:t>16.05.2020</a:t>
+              <a:t>18.05.2020</a:t>
             </a:fld>
             <a:endParaRPr lang="fr-CH"/>
           </a:p>
@@ -4384,7 +7810,7 @@
           <a:p>
             <a:fld id="{CE03783F-3525-484F-BB92-A97332512ECC}" type="datetime1">
               <a:rPr lang="fr-CH" smtClean="0"/>
-              <a:t>16.05.2020</a:t>
+              <a:t>18.05.2020</a:t>
             </a:fld>
             <a:endParaRPr lang="fr-CH"/>
           </a:p>
@@ -4593,7 +8019,7 @@
           <a:p>
             <a:fld id="{3DD17AEC-70AF-45C1-A4D8-B9682E9F5690}" type="datetime1">
               <a:rPr lang="fr-CH" smtClean="0"/>
-              <a:t>16.05.2020</a:t>
+              <a:t>18.05.2020</a:t>
             </a:fld>
             <a:endParaRPr lang="fr-CH"/>
           </a:p>
@@ -4907,7 +8333,7 @@
           <a:p>
             <a:fld id="{DD598F42-9E37-44B5-9404-FFDB7BFA3C58}" type="datetime1">
               <a:rPr lang="fr-CH" smtClean="0"/>
-              <a:t>16.05.2020</a:t>
+              <a:t>18.05.2020</a:t>
             </a:fld>
             <a:endParaRPr lang="fr-CH"/>
           </a:p>
@@ -5240,7 +8666,7 @@
           <a:p>
             <a:fld id="{D80A43B4-503F-48B3-9D69-A1E033EB31DC}" type="datetime1">
               <a:rPr lang="fr-CH" smtClean="0"/>
-              <a:t>16.05.2020</a:t>
+              <a:t>18.05.2020</a:t>
             </a:fld>
             <a:endParaRPr lang="fr-CH"/>
           </a:p>
@@ -5554,7 +8980,7 @@
           <a:p>
             <a:fld id="{C63570D4-DC05-4346-960C-EE641E3F13E6}" type="datetime1">
               <a:rPr lang="fr-CH" smtClean="0"/>
-              <a:t>16.05.2020</a:t>
+              <a:t>18.05.2020</a:t>
             </a:fld>
             <a:endParaRPr lang="fr-CH"/>
           </a:p>
@@ -5947,7 +9373,7 @@
           <a:p>
             <a:fld id="{6DAD8BB9-B4F7-4387-B4ED-AABAD1F880A7}" type="datetime1">
               <a:rPr lang="fr-CH" smtClean="0"/>
-              <a:t>16.05.2020</a:t>
+              <a:t>18.05.2020</a:t>
             </a:fld>
             <a:endParaRPr lang="fr-CH"/>
           </a:p>
@@ -6117,7 +9543,7 @@
           <a:p>
             <a:fld id="{5AECCC42-73C7-497A-91BC-5B46DEBB8AEF}" type="datetime1">
               <a:rPr lang="fr-CH" smtClean="0"/>
-              <a:t>16.05.2020</a:t>
+              <a:t>18.05.2020</a:t>
             </a:fld>
             <a:endParaRPr lang="fr-CH"/>
           </a:p>
@@ -6297,7 +9723,7 @@
           <a:p>
             <a:fld id="{24A8B8C1-AC7C-4439-ABE1-977A3F495DB0}" type="datetime1">
               <a:rPr lang="fr-CH" smtClean="0"/>
-              <a:t>16.05.2020</a:t>
+              <a:t>18.05.2020</a:t>
             </a:fld>
             <a:endParaRPr lang="fr-CH"/>
           </a:p>
@@ -6543,7 +9969,7 @@
           <a:p>
             <a:fld id="{8A489873-EBA8-4E74-A188-36791492334D}" type="datetime1">
               <a:rPr lang="fr-CH" smtClean="0"/>
-              <a:t>16.05.2020</a:t>
+              <a:t>18.05.2020</a:t>
             </a:fld>
             <a:endParaRPr lang="fr-CH"/>
           </a:p>
@@ -6782,7 +10208,7 @@
           <a:p>
             <a:fld id="{2716B30A-CC25-498D-A978-F9C8FA3447EC}" type="datetime1">
               <a:rPr lang="fr-CH" smtClean="0"/>
-              <a:t>16.05.2020</a:t>
+              <a:t>18.05.2020</a:t>
             </a:fld>
             <a:endParaRPr lang="fr-CH"/>
           </a:p>
@@ -7156,7 +10582,7 @@
           <a:p>
             <a:fld id="{86F0612F-4B27-4C50-9FEF-D899F02BE98F}" type="datetime1">
               <a:rPr lang="fr-CH" smtClean="0"/>
-              <a:t>16.05.2020</a:t>
+              <a:t>18.05.2020</a:t>
             </a:fld>
             <a:endParaRPr lang="fr-CH"/>
           </a:p>
@@ -7281,7 +10707,7 @@
           <a:p>
             <a:fld id="{1F3DD3EA-FE5E-4B40-AAF2-7BDC6B236448}" type="datetime1">
               <a:rPr lang="fr-CH" smtClean="0"/>
-              <a:t>16.05.2020</a:t>
+              <a:t>18.05.2020</a:t>
             </a:fld>
             <a:endParaRPr lang="fr-CH"/>
           </a:p>
@@ -7376,7 +10802,7 @@
           <a:p>
             <a:fld id="{DFCE601C-520E-4D95-87EA-C15A6C947E77}" type="datetime1">
               <a:rPr lang="fr-CH" smtClean="0"/>
-              <a:t>16.05.2020</a:t>
+              <a:t>18.05.2020</a:t>
             </a:fld>
             <a:endParaRPr lang="fr-CH"/>
           </a:p>
@@ -7653,7 +11079,7 @@
           <a:p>
             <a:fld id="{7CDD90FB-8902-44F1-AFF3-670F9F6ABDF8}" type="datetime1">
               <a:rPr lang="fr-CH" smtClean="0"/>
-              <a:t>16.05.2020</a:t>
+              <a:t>18.05.2020</a:t>
             </a:fld>
             <a:endParaRPr lang="fr-CH"/>
           </a:p>
@@ -7906,7 +11332,7 @@
           <a:p>
             <a:fld id="{6A97B839-6A40-4321-AA7D-D18AFAC76C0E}" type="datetime1">
               <a:rPr lang="fr-CH" smtClean="0"/>
-              <a:t>16.05.2020</a:t>
+              <a:t>18.05.2020</a:t>
             </a:fld>
             <a:endParaRPr lang="fr-CH"/>
           </a:p>
@@ -8119,7 +11545,7 @@
           <a:p>
             <a:fld id="{36C5D13F-9125-4315-B7A7-EB82236C947E}" type="datetime1">
               <a:rPr lang="fr-CH" smtClean="0"/>
-              <a:t>16.05.2020</a:t>
+              <a:t>18.05.2020</a:t>
             </a:fld>
             <a:endParaRPr lang="fr-CH"/>
           </a:p>
@@ -9200,7 +12626,7 @@
           <a:p>
             <a:fld id="{35BA6938-53D0-4653-82AB-3885BCA89A92}" type="datetime1">
               <a:rPr lang="fr-CH" smtClean="0"/>
-              <a:t>16.05.2020</a:t>
+              <a:t>18.05.2020</a:t>
             </a:fld>
             <a:endParaRPr lang="fr-CH"/>
           </a:p>
@@ -11801,7 +15227,7 @@
           <a:p>
             <a:r>
               <a:rPr lang="fr-CH" sz="4800" b="1" dirty="0" smtClean="0"/>
-              <a:t>100</a:t>
+              <a:t>150</a:t>
             </a:r>
             <a:endParaRPr lang="fr-CH" sz="4800" b="1" dirty="0"/>
           </a:p>
@@ -11887,7 +15313,7 @@
           <a:p>
             <a:r>
               <a:rPr lang="fr-CH" sz="4800" b="1" dirty="0" smtClean="0"/>
-              <a:t>12</a:t>
+              <a:t>27</a:t>
             </a:r>
             <a:endParaRPr lang="fr-CH" sz="4800" b="1" dirty="0"/>
           </a:p>
@@ -11939,7 +15365,7 @@
         </p:nvSpPr>
         <p:spPr>
           <a:xfrm>
-            <a:off x="6820300" y="4289656"/>
+            <a:off x="6564423" y="4289655"/>
             <a:ext cx="1520792" cy="830997"/>
           </a:xfrm>
           <a:prstGeom prst="rect">
@@ -11955,7 +15381,7 @@
           <a:p>
             <a:r>
               <a:rPr lang="fr-CH" sz="4800" b="1" dirty="0" smtClean="0"/>
-              <a:t>88</a:t>
+              <a:t>123</a:t>
             </a:r>
             <a:endParaRPr lang="fr-CH" sz="4800" b="1" dirty="0"/>
           </a:p>
@@ -12468,7 +15894,7 @@
             <a:spLocks noGrp="1"/>
           </p:cNvSpPr>
           <p:nvPr>
-            <p:ph type="title"/>
+            <p:ph type="ctrTitle"/>
           </p:nvPr>
         </p:nvSpPr>
         <p:spPr/>
@@ -12478,15 +15904,7 @@
           <a:p>
             <a:r>
               <a:rPr lang="fr-CH" dirty="0" err="1" smtClean="0"/>
-              <a:t>Obtained</a:t>
-            </a:r>
-            <a:r>
-              <a:rPr lang="fr-CH" dirty="0" smtClean="0"/>
-              <a:t> </a:t>
-            </a:r>
-            <a:r>
-              <a:rPr lang="fr-CH" dirty="0" err="1" smtClean="0"/>
-              <a:t>results</a:t>
+              <a:t>Results</a:t>
             </a:r>
             <a:endParaRPr lang="fr-CH" dirty="0"/>
           </a:p>
@@ -12494,12 +15912,12 @@
       </p:sp>
       <p:sp>
         <p:nvSpPr>
-          <p:cNvPr id="3" name="Espace réservé du contenu 2"/>
-          <p:cNvSpPr>
-            <a:spLocks noGrp="1"/>
-          </p:cNvSpPr>
-          <p:nvPr>
-            <p:ph idx="1"/>
+          <p:cNvPr id="3" name="Sous-titre 2"/>
+          <p:cNvSpPr>
+            <a:spLocks noGrp="1"/>
+          </p:cNvSpPr>
+          <p:nvPr>
+            <p:ph type="subTitle" idx="1"/>
           </p:nvPr>
         </p:nvSpPr>
         <p:spPr/>
@@ -12537,7 +15955,7 @@
     </p:spTree>
     <p:extLst>
       <p:ext uri="{BB962C8B-B14F-4D97-AF65-F5344CB8AC3E}">
-        <p14:creationId xmlns:p14="http://schemas.microsoft.com/office/powerpoint/2010/main" val="1105297126"/>
+        <p14:creationId xmlns:p14="http://schemas.microsoft.com/office/powerpoint/2010/main" val="1882605588"/>
       </p:ext>
     </p:extLst>
   </p:cSld>
@@ -12587,25 +16005,46 @@
           <a:lstStyle/>
           <a:p>
             <a:r>
-              <a:rPr lang="fr-CH" dirty="0" smtClean="0"/>
-              <a:t>Original </a:t>
-            </a:r>
-            <a:r>
               <a:rPr lang="fr-CH" dirty="0" err="1" smtClean="0"/>
-              <a:t>project</a:t>
+              <a:t>Results</a:t>
             </a:r>
             <a:endParaRPr lang="fr-CH" dirty="0"/>
           </a:p>
         </p:txBody>
       </p:sp>
-      <p:sp>
-        <p:nvSpPr>
-          <p:cNvPr id="3" name="Espace réservé du contenu 2"/>
-          <p:cNvSpPr>
-            <a:spLocks noGrp="1"/>
-          </p:cNvSpPr>
+      <p:graphicFrame>
+        <p:nvGraphicFramePr>
+          <p:cNvPr id="7" name="Espace réservé du contenu 6"/>
+          <p:cNvGraphicFramePr>
+            <a:graphicFrameLocks noGrp="1"/>
+          </p:cNvGraphicFramePr>
           <p:nvPr>
             <p:ph idx="1"/>
+            <p:extLst>
+              <p:ext uri="{D42A27DB-BD31-4B8C-83A1-F6EECF244321}">
+                <p14:modId xmlns:p14="http://schemas.microsoft.com/office/powerpoint/2010/main" val="3951230734"/>
+              </p:ext>
+            </p:extLst>
+          </p:nvPr>
+        </p:nvGraphicFramePr>
+        <p:xfrm>
+          <a:off x="502508" y="1227438"/>
+          <a:ext cx="10140778" cy="5494037"/>
+        </p:xfrm>
+        <a:graphic>
+          <a:graphicData uri="http://schemas.openxmlformats.org/drawingml/2006/chart">
+            <c:chart xmlns:c="http://schemas.openxmlformats.org/drawingml/2006/chart" xmlns:r="http://schemas.openxmlformats.org/officeDocument/2006/relationships" r:id="rId2"/>
+          </a:graphicData>
+        </a:graphic>
+      </p:graphicFrame>
+      <p:sp>
+        <p:nvSpPr>
+          <p:cNvPr id="4" name="Espace réservé du numéro de diapositive 3"/>
+          <p:cNvSpPr>
+            <a:spLocks noGrp="1"/>
+          </p:cNvSpPr>
+          <p:nvPr>
+            <p:ph type="sldNum" sz="quarter" idx="12"/>
           </p:nvPr>
         </p:nvSpPr>
         <p:spPr/>
@@ -12613,78 +16052,7 @@
           <a:bodyPr/>
           <a:lstStyle/>
           <a:p>
-            <a:r>
-              <a:rPr lang="fr-CH" dirty="0" err="1"/>
-              <a:t>Mateus</a:t>
-            </a:r>
-            <a:r>
-              <a:rPr lang="fr-CH" dirty="0"/>
-              <a:t>, Bruno </a:t>
-            </a:r>
-            <a:r>
-              <a:rPr lang="fr-CH" dirty="0" err="1"/>
-              <a:t>Góis</a:t>
-            </a:r>
-            <a:r>
-              <a:rPr lang="fr-CH" dirty="0"/>
-              <a:t>, et Matias Martinez. « On the Adoption, Usage and Evolution of </a:t>
-            </a:r>
-            <a:r>
-              <a:rPr lang="fr-CH" dirty="0" err="1"/>
-              <a:t>Kotlin</a:t>
-            </a:r>
-            <a:r>
-              <a:rPr lang="fr-CH" dirty="0"/>
-              <a:t> </a:t>
-            </a:r>
-            <a:r>
-              <a:rPr lang="fr-CH" dirty="0" err="1"/>
-              <a:t>Features</a:t>
-            </a:r>
-            <a:r>
-              <a:rPr lang="fr-CH" dirty="0"/>
-              <a:t> on Android </a:t>
-            </a:r>
-            <a:r>
-              <a:rPr lang="fr-CH" dirty="0" err="1"/>
-              <a:t>Development</a:t>
-            </a:r>
-            <a:r>
-              <a:rPr lang="fr-CH" dirty="0"/>
-              <a:t> ». ArXiv:1907.09003 [Cs], 20 janvier 2020. </a:t>
-            </a:r>
-            <a:r>
-              <a:rPr lang="fr-CH" dirty="0">
-                <a:hlinkClick r:id="rId2" tooltip="http://arxiv.org/abs/1907.09003"/>
-              </a:rPr>
-              <a:t>http://arxiv.org/abs/1907.09003</a:t>
-            </a:r>
-            <a:r>
-              <a:rPr lang="fr-CH" dirty="0"/>
-              <a:t>.</a:t>
-            </a:r>
-          </a:p>
-          <a:p>
-            <a:endParaRPr lang="fr-CH" dirty="0"/>
-          </a:p>
-        </p:txBody>
-      </p:sp>
-      <p:sp>
-        <p:nvSpPr>
-          <p:cNvPr id="4" name="Espace réservé du numéro de diapositive 3"/>
-          <p:cNvSpPr>
-            <a:spLocks noGrp="1"/>
-          </p:cNvSpPr>
-          <p:nvPr>
-            <p:ph type="sldNum" sz="quarter" idx="12"/>
-          </p:nvPr>
-        </p:nvSpPr>
-        <p:spPr/>
-        <p:txBody>
-          <a:bodyPr/>
-          <a:lstStyle/>
-          <a:p>
-            <a:fld id="{5C659214-C5B2-4878-BE63-6680446A108B}" type="slidenum">
+            <a:fld id="{F60449C3-8BCD-4455-8E2A-A866209B9601}" type="slidenum">
               <a:rPr lang="fr-CH" smtClean="0"/>
               <a:t>17</a:t>
             </a:fld>
@@ -12695,7 +16063,223 @@
     </p:spTree>
     <p:extLst>
       <p:ext uri="{BB962C8B-B14F-4D97-AF65-F5344CB8AC3E}">
-        <p14:creationId xmlns:p14="http://schemas.microsoft.com/office/powerpoint/2010/main" val="1894661398"/>
+        <p14:creationId xmlns:p14="http://schemas.microsoft.com/office/powerpoint/2010/main" val="1105297126"/>
+      </p:ext>
+    </p:extLst>
+  </p:cSld>
+  <p:clrMapOvr>
+    <a:masterClrMapping/>
+  </p:clrMapOvr>
+  <p:timing>
+    <p:tnLst>
+      <p:par>
+        <p:cTn id="1" dur="indefinite" restart="never" nodeType="tmRoot"/>
+      </p:par>
+    </p:tnLst>
+  </p:timing>
+</p:sld>
+</file>
+
+<file path=ppt/slides/slide18.xml><?xml version="1.0" encoding="utf-8"?>
+<p:sld xmlns:a="http://schemas.openxmlformats.org/drawingml/2006/main" xmlns:r="http://schemas.openxmlformats.org/officeDocument/2006/relationships" xmlns:p="http://schemas.openxmlformats.org/presentationml/2006/main">
+  <p:cSld>
+    <p:spTree>
+      <p:nvGrpSpPr>
+        <p:cNvPr id="1" name=""/>
+        <p:cNvGrpSpPr/>
+        <p:nvPr/>
+      </p:nvGrpSpPr>
+      <p:grpSpPr>
+        <a:xfrm>
+          <a:off x="0" y="0"/>
+          <a:ext cx="0" cy="0"/>
+          <a:chOff x="0" y="0"/>
+          <a:chExt cx="0" cy="0"/>
+        </a:xfrm>
+      </p:grpSpPr>
+      <p:sp>
+        <p:nvSpPr>
+          <p:cNvPr id="2" name="Titre 1"/>
+          <p:cNvSpPr>
+            <a:spLocks noGrp="1"/>
+          </p:cNvSpPr>
+          <p:nvPr>
+            <p:ph type="title"/>
+          </p:nvPr>
+        </p:nvSpPr>
+        <p:spPr/>
+        <p:txBody>
+          <a:bodyPr/>
+          <a:lstStyle/>
+          <a:p>
+            <a:r>
+              <a:rPr lang="fr-CH" dirty="0" err="1" smtClean="0"/>
+              <a:t>Results</a:t>
+            </a:r>
+            <a:endParaRPr lang="fr-CH" dirty="0"/>
+          </a:p>
+        </p:txBody>
+      </p:sp>
+      <p:graphicFrame>
+        <p:nvGraphicFramePr>
+          <p:cNvPr id="7" name="Espace réservé du contenu 6"/>
+          <p:cNvGraphicFramePr>
+            <a:graphicFrameLocks noGrp="1"/>
+          </p:cNvGraphicFramePr>
+          <p:nvPr>
+            <p:ph idx="1"/>
+            <p:extLst>
+              <p:ext uri="{D42A27DB-BD31-4B8C-83A1-F6EECF244321}">
+                <p14:modId xmlns:p14="http://schemas.microsoft.com/office/powerpoint/2010/main" val="2716214168"/>
+              </p:ext>
+            </p:extLst>
+          </p:nvPr>
+        </p:nvGraphicFramePr>
+        <p:xfrm>
+          <a:off x="677863" y="1318054"/>
+          <a:ext cx="9454678" cy="4723971"/>
+        </p:xfrm>
+        <a:graphic>
+          <a:graphicData uri="http://schemas.openxmlformats.org/drawingml/2006/chart">
+            <c:chart xmlns:c="http://schemas.openxmlformats.org/drawingml/2006/chart" xmlns:r="http://schemas.openxmlformats.org/officeDocument/2006/relationships" r:id="rId2"/>
+          </a:graphicData>
+        </a:graphic>
+      </p:graphicFrame>
+      <p:sp>
+        <p:nvSpPr>
+          <p:cNvPr id="4" name="Espace réservé du numéro de diapositive 3"/>
+          <p:cNvSpPr>
+            <a:spLocks noGrp="1"/>
+          </p:cNvSpPr>
+          <p:nvPr>
+            <p:ph type="sldNum" sz="quarter" idx="12"/>
+          </p:nvPr>
+        </p:nvSpPr>
+        <p:spPr/>
+        <p:txBody>
+          <a:bodyPr/>
+          <a:lstStyle/>
+          <a:p>
+            <a:fld id="{F60449C3-8BCD-4455-8E2A-A866209B9601}" type="slidenum">
+              <a:rPr lang="fr-CH" smtClean="0"/>
+              <a:t>18</a:t>
+            </a:fld>
+            <a:endParaRPr lang="fr-CH"/>
+          </a:p>
+        </p:txBody>
+      </p:sp>
+    </p:spTree>
+    <p:extLst>
+      <p:ext uri="{BB962C8B-B14F-4D97-AF65-F5344CB8AC3E}">
+        <p14:creationId xmlns:p14="http://schemas.microsoft.com/office/powerpoint/2010/main" val="2837540301"/>
+      </p:ext>
+    </p:extLst>
+  </p:cSld>
+  <p:clrMapOvr>
+    <a:masterClrMapping/>
+  </p:clrMapOvr>
+  <p:timing>
+    <p:tnLst>
+      <p:par>
+        <p:cTn id="1" dur="indefinite" restart="never" nodeType="tmRoot"/>
+      </p:par>
+    </p:tnLst>
+  </p:timing>
+</p:sld>
+</file>
+
+<file path=ppt/slides/slide19.xml><?xml version="1.0" encoding="utf-8"?>
+<p:sld xmlns:a="http://schemas.openxmlformats.org/drawingml/2006/main" xmlns:r="http://schemas.openxmlformats.org/officeDocument/2006/relationships" xmlns:p="http://schemas.openxmlformats.org/presentationml/2006/main">
+  <p:cSld>
+    <p:spTree>
+      <p:nvGrpSpPr>
+        <p:cNvPr id="1" name=""/>
+        <p:cNvGrpSpPr/>
+        <p:nvPr/>
+      </p:nvGrpSpPr>
+      <p:grpSpPr>
+        <a:xfrm>
+          <a:off x="0" y="0"/>
+          <a:ext cx="0" cy="0"/>
+          <a:chOff x="0" y="0"/>
+          <a:chExt cx="0" cy="0"/>
+        </a:xfrm>
+      </p:grpSpPr>
+      <p:sp>
+        <p:nvSpPr>
+          <p:cNvPr id="2" name="Titre 1"/>
+          <p:cNvSpPr>
+            <a:spLocks noGrp="1"/>
+          </p:cNvSpPr>
+          <p:nvPr>
+            <p:ph type="title"/>
+          </p:nvPr>
+        </p:nvSpPr>
+        <p:spPr/>
+        <p:txBody>
+          <a:bodyPr/>
+          <a:lstStyle/>
+          <a:p>
+            <a:r>
+              <a:rPr lang="fr-CH" dirty="0" err="1" smtClean="0"/>
+              <a:t>Results</a:t>
+            </a:r>
+            <a:endParaRPr lang="fr-CH" dirty="0"/>
+          </a:p>
+        </p:txBody>
+      </p:sp>
+      <p:graphicFrame>
+        <p:nvGraphicFramePr>
+          <p:cNvPr id="7" name="Espace réservé du contenu 6"/>
+          <p:cNvGraphicFramePr>
+            <a:graphicFrameLocks noGrp="1"/>
+          </p:cNvGraphicFramePr>
+          <p:nvPr>
+            <p:ph idx="1"/>
+            <p:extLst>
+              <p:ext uri="{D42A27DB-BD31-4B8C-83A1-F6EECF244321}">
+                <p14:modId xmlns:p14="http://schemas.microsoft.com/office/powerpoint/2010/main" val="3534903920"/>
+              </p:ext>
+            </p:extLst>
+          </p:nvPr>
+        </p:nvGraphicFramePr>
+        <p:xfrm>
+          <a:off x="677863" y="1318054"/>
+          <a:ext cx="9454678" cy="4723971"/>
+        </p:xfrm>
+        <a:graphic>
+          <a:graphicData uri="http://schemas.openxmlformats.org/drawingml/2006/chart">
+            <c:chart xmlns:c="http://schemas.openxmlformats.org/drawingml/2006/chart" xmlns:r="http://schemas.openxmlformats.org/officeDocument/2006/relationships" r:id="rId2"/>
+          </a:graphicData>
+        </a:graphic>
+      </p:graphicFrame>
+      <p:sp>
+        <p:nvSpPr>
+          <p:cNvPr id="4" name="Espace réservé du numéro de diapositive 3"/>
+          <p:cNvSpPr>
+            <a:spLocks noGrp="1"/>
+          </p:cNvSpPr>
+          <p:nvPr>
+            <p:ph type="sldNum" sz="quarter" idx="12"/>
+          </p:nvPr>
+        </p:nvSpPr>
+        <p:spPr/>
+        <p:txBody>
+          <a:bodyPr/>
+          <a:lstStyle/>
+          <a:p>
+            <a:fld id="{F60449C3-8BCD-4455-8E2A-A866209B9601}" type="slidenum">
+              <a:rPr lang="fr-CH" smtClean="0"/>
+              <a:t>19</a:t>
+            </a:fld>
+            <a:endParaRPr lang="fr-CH"/>
+          </a:p>
+        </p:txBody>
+      </p:sp>
+    </p:spTree>
+    <p:extLst>
+      <p:ext uri="{BB962C8B-B14F-4D97-AF65-F5344CB8AC3E}">
+        <p14:creationId xmlns:p14="http://schemas.microsoft.com/office/powerpoint/2010/main" val="382655199"/>
       </p:ext>
     </p:extLst>
   </p:cSld>
@@ -12909,6 +16493,296 @@
     <p:extLst>
       <p:ext uri="{BB962C8B-B14F-4D97-AF65-F5344CB8AC3E}">
         <p14:creationId xmlns:p14="http://schemas.microsoft.com/office/powerpoint/2010/main" val="2196063187"/>
+      </p:ext>
+    </p:extLst>
+  </p:cSld>
+  <p:clrMapOvr>
+    <a:masterClrMapping/>
+  </p:clrMapOvr>
+  <p:timing>
+    <p:tnLst>
+      <p:par>
+        <p:cTn id="1" dur="indefinite" restart="never" nodeType="tmRoot"/>
+      </p:par>
+    </p:tnLst>
+  </p:timing>
+</p:sld>
+</file>
+
+<file path=ppt/slides/slide20.xml><?xml version="1.0" encoding="utf-8"?>
+<p:sld xmlns:a="http://schemas.openxmlformats.org/drawingml/2006/main" xmlns:r="http://schemas.openxmlformats.org/officeDocument/2006/relationships" xmlns:p="http://schemas.openxmlformats.org/presentationml/2006/main">
+  <p:cSld>
+    <p:spTree>
+      <p:nvGrpSpPr>
+        <p:cNvPr id="1" name=""/>
+        <p:cNvGrpSpPr/>
+        <p:nvPr/>
+      </p:nvGrpSpPr>
+      <p:grpSpPr>
+        <a:xfrm>
+          <a:off x="0" y="0"/>
+          <a:ext cx="0" cy="0"/>
+          <a:chOff x="0" y="0"/>
+          <a:chExt cx="0" cy="0"/>
+        </a:xfrm>
+      </p:grpSpPr>
+      <p:sp>
+        <p:nvSpPr>
+          <p:cNvPr id="2" name="Titre 1"/>
+          <p:cNvSpPr>
+            <a:spLocks noGrp="1"/>
+          </p:cNvSpPr>
+          <p:nvPr>
+            <p:ph type="title"/>
+          </p:nvPr>
+        </p:nvSpPr>
+        <p:spPr/>
+        <p:txBody>
+          <a:bodyPr/>
+          <a:lstStyle/>
+          <a:p>
+            <a:r>
+              <a:rPr lang="fr-CH" dirty="0" smtClean="0"/>
+              <a:t>Evolution of </a:t>
+            </a:r>
+            <a:r>
+              <a:rPr lang="fr-CH" dirty="0" err="1" smtClean="0"/>
+              <a:t>specific</a:t>
+            </a:r>
+            <a:r>
+              <a:rPr lang="fr-CH" dirty="0" smtClean="0"/>
+              <a:t> </a:t>
+            </a:r>
+            <a:r>
+              <a:rPr lang="fr-CH" dirty="0" err="1" smtClean="0"/>
+              <a:t>feature</a:t>
+            </a:r>
+            <a:r>
+              <a:rPr lang="fr-CH" dirty="0" smtClean="0"/>
+              <a:t> in </a:t>
+            </a:r>
+            <a:r>
+              <a:rPr lang="fr-CH" dirty="0" err="1" smtClean="0"/>
+              <a:t>project</a:t>
+            </a:r>
+            <a:endParaRPr lang="fr-CH" dirty="0"/>
+          </a:p>
+        </p:txBody>
+      </p:sp>
+      <p:pic>
+        <p:nvPicPr>
+          <p:cNvPr id="5" name="Espace réservé du contenu 4"/>
+          <p:cNvPicPr>
+            <a:picLocks noGrp="1" noChangeAspect="1"/>
+          </p:cNvPicPr>
+          <p:nvPr>
+            <p:ph idx="1"/>
+          </p:nvPr>
+        </p:nvPicPr>
+        <p:blipFill>
+          <a:blip r:embed="rId2">
+            <a:extLst>
+              <a:ext uri="{28A0092B-C50C-407E-A947-70E740481C1C}">
+                <a14:useLocalDpi xmlns:a14="http://schemas.microsoft.com/office/drawing/2010/main" val="0"/>
+              </a:ext>
+            </a:extLst>
+          </a:blip>
+          <a:stretch>
+            <a:fillRect/>
+          </a:stretch>
+        </p:blipFill>
+        <p:spPr>
+          <a:xfrm>
+            <a:off x="3318012" y="1804473"/>
+            <a:ext cx="5573182" cy="4179887"/>
+          </a:xfrm>
+        </p:spPr>
+      </p:pic>
+      <p:sp>
+        <p:nvSpPr>
+          <p:cNvPr id="4" name="Espace réservé du numéro de diapositive 3"/>
+          <p:cNvSpPr>
+            <a:spLocks noGrp="1"/>
+          </p:cNvSpPr>
+          <p:nvPr>
+            <p:ph type="sldNum" sz="quarter" idx="12"/>
+          </p:nvPr>
+        </p:nvSpPr>
+        <p:spPr/>
+        <p:txBody>
+          <a:bodyPr/>
+          <a:lstStyle/>
+          <a:p>
+            <a:fld id="{F60449C3-8BCD-4455-8E2A-A866209B9601}" type="slidenum">
+              <a:rPr lang="fr-CH" smtClean="0"/>
+              <a:t>20</a:t>
+            </a:fld>
+            <a:endParaRPr lang="fr-CH"/>
+          </a:p>
+        </p:txBody>
+      </p:sp>
+    </p:spTree>
+    <p:extLst>
+      <p:ext uri="{BB962C8B-B14F-4D97-AF65-F5344CB8AC3E}">
+        <p14:creationId xmlns:p14="http://schemas.microsoft.com/office/powerpoint/2010/main" val="304126981"/>
+      </p:ext>
+    </p:extLst>
+  </p:cSld>
+  <p:clrMapOvr>
+    <a:masterClrMapping/>
+  </p:clrMapOvr>
+  <p:timing>
+    <p:tnLst>
+      <p:par>
+        <p:cTn id="1" dur="indefinite" restart="never" nodeType="tmRoot"/>
+      </p:par>
+    </p:tnLst>
+  </p:timing>
+</p:sld>
+</file>
+
+<file path=ppt/slides/slide21.xml><?xml version="1.0" encoding="utf-8"?>
+<p:sld xmlns:a="http://schemas.openxmlformats.org/drawingml/2006/main" xmlns:r="http://schemas.openxmlformats.org/officeDocument/2006/relationships" xmlns:p="http://schemas.openxmlformats.org/presentationml/2006/main">
+  <p:cSld>
+    <p:spTree>
+      <p:nvGrpSpPr>
+        <p:cNvPr id="1" name=""/>
+        <p:cNvGrpSpPr/>
+        <p:nvPr/>
+      </p:nvGrpSpPr>
+      <p:grpSpPr>
+        <a:xfrm>
+          <a:off x="0" y="0"/>
+          <a:ext cx="0" cy="0"/>
+          <a:chOff x="0" y="0"/>
+          <a:chExt cx="0" cy="0"/>
+        </a:xfrm>
+      </p:grpSpPr>
+      <p:sp>
+        <p:nvSpPr>
+          <p:cNvPr id="2" name="Titre 1"/>
+          <p:cNvSpPr>
+            <a:spLocks noGrp="1"/>
+          </p:cNvSpPr>
+          <p:nvPr>
+            <p:ph type="title"/>
+          </p:nvPr>
+        </p:nvSpPr>
+        <p:spPr/>
+        <p:txBody>
+          <a:bodyPr/>
+          <a:lstStyle/>
+          <a:p>
+            <a:r>
+              <a:rPr lang="fr-CH" dirty="0" smtClean="0"/>
+              <a:t>Original </a:t>
+            </a:r>
+            <a:r>
+              <a:rPr lang="fr-CH" dirty="0" err="1" smtClean="0"/>
+              <a:t>project</a:t>
+            </a:r>
+            <a:endParaRPr lang="fr-CH" dirty="0"/>
+          </a:p>
+        </p:txBody>
+      </p:sp>
+      <p:sp>
+        <p:nvSpPr>
+          <p:cNvPr id="3" name="Espace réservé du contenu 2"/>
+          <p:cNvSpPr>
+            <a:spLocks noGrp="1"/>
+          </p:cNvSpPr>
+          <p:nvPr>
+            <p:ph idx="1"/>
+          </p:nvPr>
+        </p:nvSpPr>
+        <p:spPr/>
+        <p:txBody>
+          <a:bodyPr/>
+          <a:lstStyle/>
+          <a:p>
+            <a:r>
+              <a:rPr lang="fr-CH" dirty="0" err="1"/>
+              <a:t>Mateus</a:t>
+            </a:r>
+            <a:r>
+              <a:rPr lang="fr-CH" dirty="0"/>
+              <a:t>, Bruno </a:t>
+            </a:r>
+            <a:r>
+              <a:rPr lang="fr-CH" dirty="0" err="1"/>
+              <a:t>Góis</a:t>
+            </a:r>
+            <a:r>
+              <a:rPr lang="fr-CH" dirty="0"/>
+              <a:t>, et Matias Martinez. « On the Adoption, Usage and Evolution of </a:t>
+            </a:r>
+            <a:r>
+              <a:rPr lang="fr-CH" dirty="0" err="1"/>
+              <a:t>Kotlin</a:t>
+            </a:r>
+            <a:r>
+              <a:rPr lang="fr-CH" dirty="0"/>
+              <a:t> </a:t>
+            </a:r>
+            <a:r>
+              <a:rPr lang="fr-CH" dirty="0" err="1"/>
+              <a:t>Features</a:t>
+            </a:r>
+            <a:r>
+              <a:rPr lang="fr-CH" dirty="0"/>
+              <a:t> on Android </a:t>
+            </a:r>
+            <a:r>
+              <a:rPr lang="fr-CH" dirty="0" err="1"/>
+              <a:t>Development</a:t>
+            </a:r>
+            <a:r>
+              <a:rPr lang="fr-CH" dirty="0"/>
+              <a:t> ». ArXiv:1907.09003 [Cs], 20 janvier 2020. </a:t>
+            </a:r>
+            <a:r>
+              <a:rPr lang="fr-CH" dirty="0">
+                <a:hlinkClick r:id="rId2" tooltip="http://arxiv.org/abs/1907.09003"/>
+              </a:rPr>
+              <a:t>http://arxiv.org/abs/1907.09003</a:t>
+            </a:r>
+            <a:r>
+              <a:rPr lang="fr-CH" dirty="0"/>
+              <a:t>.</a:t>
+            </a:r>
+          </a:p>
+          <a:p>
+            <a:endParaRPr lang="fr-CH" dirty="0"/>
+          </a:p>
+        </p:txBody>
+      </p:sp>
+      <p:sp>
+        <p:nvSpPr>
+          <p:cNvPr id="4" name="Espace réservé du numéro de diapositive 3"/>
+          <p:cNvSpPr>
+            <a:spLocks noGrp="1"/>
+          </p:cNvSpPr>
+          <p:nvPr>
+            <p:ph type="sldNum" sz="quarter" idx="12"/>
+          </p:nvPr>
+        </p:nvSpPr>
+        <p:spPr/>
+        <p:txBody>
+          <a:bodyPr/>
+          <a:lstStyle/>
+          <a:p>
+            <a:fld id="{5C659214-C5B2-4878-BE63-6680446A108B}" type="slidenum">
+              <a:rPr lang="fr-CH" smtClean="0"/>
+              <a:t>21</a:t>
+            </a:fld>
+            <a:endParaRPr lang="fr-CH"/>
+          </a:p>
+        </p:txBody>
+      </p:sp>
+    </p:spTree>
+    <p:extLst>
+      <p:ext uri="{BB962C8B-B14F-4D97-AF65-F5344CB8AC3E}">
+        <p14:creationId xmlns:p14="http://schemas.microsoft.com/office/powerpoint/2010/main" val="1894661398"/>
       </p:ext>
     </p:extLst>
   </p:cSld>
@@ -13120,7 +16994,11 @@
           <a:p>
             <a:r>
               <a:rPr lang="fr-CH" dirty="0" smtClean="0"/>
-              <a:t>Project scope</a:t>
+              <a:t>Project </a:t>
+            </a:r>
+            <a:r>
+              <a:rPr lang="fr-CH" dirty="0" smtClean="0"/>
+              <a:t>scope</a:t>
             </a:r>
             <a:endParaRPr lang="fr-CH" dirty="0"/>
           </a:p>

--- a/presentation/Pattern Extraction Final.pptx
+++ b/presentation/Pattern Extraction Final.pptx
@@ -6,7 +6,7 @@
     <p:sldMasterId id="2147483711" r:id="rId2"/>
   </p:sldMasterIdLst>
   <p:notesMasterIdLst>
-    <p:notesMasterId r:id="rId24"/>
+    <p:notesMasterId r:id="rId25"/>
   </p:notesMasterIdLst>
   <p:sldIdLst>
     <p:sldId id="256" r:id="rId3"/>
@@ -18,18 +18,19 @@
     <p:sldId id="304" r:id="rId9"/>
     <p:sldId id="289" r:id="rId10"/>
     <p:sldId id="295" r:id="rId11"/>
-    <p:sldId id="303" r:id="rId12"/>
-    <p:sldId id="305" r:id="rId13"/>
-    <p:sldId id="306" r:id="rId14"/>
-    <p:sldId id="307" r:id="rId15"/>
-    <p:sldId id="308" r:id="rId16"/>
-    <p:sldId id="296" r:id="rId17"/>
-    <p:sldId id="310" r:id="rId18"/>
-    <p:sldId id="309" r:id="rId19"/>
-    <p:sldId id="311" r:id="rId20"/>
-    <p:sldId id="312" r:id="rId21"/>
-    <p:sldId id="313" r:id="rId22"/>
-    <p:sldId id="285" r:id="rId23"/>
+    <p:sldId id="314" r:id="rId12"/>
+    <p:sldId id="303" r:id="rId13"/>
+    <p:sldId id="305" r:id="rId14"/>
+    <p:sldId id="306" r:id="rId15"/>
+    <p:sldId id="307" r:id="rId16"/>
+    <p:sldId id="308" r:id="rId17"/>
+    <p:sldId id="296" r:id="rId18"/>
+    <p:sldId id="310" r:id="rId19"/>
+    <p:sldId id="309" r:id="rId20"/>
+    <p:sldId id="311" r:id="rId21"/>
+    <p:sldId id="312" r:id="rId22"/>
+    <p:sldId id="313" r:id="rId23"/>
+    <p:sldId id="285" r:id="rId24"/>
   </p:sldIdLst>
   <p:sldSz cx="12192000" cy="6858000"/>
   <p:notesSz cx="6858000" cy="9144000"/>
@@ -442,11 +443,11 @@
         </c:dLbls>
         <c:gapWidth val="119"/>
         <c:overlap val="-27"/>
-        <c:axId val="404157184"/>
-        <c:axId val="404163168"/>
+        <c:axId val="-1006311264"/>
+        <c:axId val="-791007296"/>
       </c:barChart>
       <c:catAx>
-        <c:axId val="404157184"/>
+        <c:axId val="-1006311264"/>
         <c:scaling>
           <c:orientation val="minMax"/>
         </c:scaling>
@@ -489,7 +490,7 @@
             <a:endParaRPr lang="fr-FR"/>
           </a:p>
         </c:txPr>
-        <c:crossAx val="404163168"/>
+        <c:crossAx val="-791007296"/>
         <c:crosses val="autoZero"/>
         <c:auto val="1"/>
         <c:lblAlgn val="ctr"/>
@@ -497,7 +498,7 @@
         <c:noMultiLvlLbl val="0"/>
       </c:catAx>
       <c:valAx>
-        <c:axId val="404163168"/>
+        <c:axId val="-791007296"/>
         <c:scaling>
           <c:orientation val="minMax"/>
           <c:max val="1"/>
@@ -614,7 +615,7 @@
             <a:endParaRPr lang="fr-FR"/>
           </a:p>
         </c:txPr>
-        <c:crossAx val="404157184"/>
+        <c:crossAx val="-1006311264"/>
         <c:crosses val="autoZero"/>
         <c:crossBetween val="between"/>
       </c:valAx>
@@ -1056,11 +1057,11 @@
           <c:showBubbleSize val="0"/>
         </c:dLbls>
         <c:gapWidth val="119"/>
-        <c:axId val="401314224"/>
-        <c:axId val="401318032"/>
+        <c:axId val="-791001312"/>
+        <c:axId val="-791001856"/>
       </c:barChart>
       <c:catAx>
-        <c:axId val="401314224"/>
+        <c:axId val="-791001312"/>
         <c:scaling>
           <c:orientation val="minMax"/>
         </c:scaling>
@@ -1103,7 +1104,7 @@
             <a:endParaRPr lang="fr-FR"/>
           </a:p>
         </c:txPr>
-        <c:crossAx val="401318032"/>
+        <c:crossAx val="-791001856"/>
         <c:crosses val="autoZero"/>
         <c:auto val="1"/>
         <c:lblAlgn val="ctr"/>
@@ -1111,7 +1112,7 @@
         <c:noMultiLvlLbl val="0"/>
       </c:catAx>
       <c:valAx>
-        <c:axId val="401318032"/>
+        <c:axId val="-791001856"/>
         <c:scaling>
           <c:orientation val="minMax"/>
         </c:scaling>
@@ -1219,7 +1220,7 @@
             <a:endParaRPr lang="fr-FR"/>
           </a:p>
         </c:txPr>
-        <c:crossAx val="401314224"/>
+        <c:crossAx val="-791001312"/>
         <c:crosses val="autoZero"/>
         <c:crossBetween val="between"/>
       </c:valAx>
@@ -1693,11 +1694,11 @@
           <c:showBubbleSize val="0"/>
         </c:dLbls>
         <c:gapWidth val="119"/>
-        <c:axId val="409351488"/>
-        <c:axId val="409352032"/>
+        <c:axId val="-791006208"/>
+        <c:axId val="-791004032"/>
       </c:barChart>
       <c:catAx>
-        <c:axId val="409351488"/>
+        <c:axId val="-791006208"/>
         <c:scaling>
           <c:orientation val="minMax"/>
         </c:scaling>
@@ -1740,7 +1741,7 @@
             <a:endParaRPr lang="fr-FR"/>
           </a:p>
         </c:txPr>
-        <c:crossAx val="409352032"/>
+        <c:crossAx val="-791004032"/>
         <c:crossesAt val="0"/>
         <c:auto val="1"/>
         <c:lblAlgn val="ctr"/>
@@ -1748,7 +1749,7 @@
         <c:noMultiLvlLbl val="0"/>
       </c:catAx>
       <c:valAx>
-        <c:axId val="409352032"/>
+        <c:axId val="-791004032"/>
         <c:scaling>
           <c:orientation val="minMax"/>
         </c:scaling>
@@ -1856,7 +1857,7 @@
             <a:endParaRPr lang="fr-FR"/>
           </a:p>
         </c:txPr>
-        <c:crossAx val="409351488"/>
+        <c:crossAx val="-791006208"/>
         <c:crosses val="autoZero"/>
         <c:crossBetween val="between"/>
         <c:majorUnit val="0.1"/>
@@ -3640,7 +3641,7 @@
           <a:p>
             <a:fld id="{EBACBB57-5019-4C34-B895-9DAC8A1F72A5}" type="datetimeFigureOut">
               <a:rPr lang="fr-CH" smtClean="0"/>
-              <a:t>18.05.2020</a:t>
+              <a:t>19.05.2020</a:t>
             </a:fld>
             <a:endParaRPr lang="fr-CH"/>
           </a:p>
@@ -4326,7 +4327,7 @@
           <a:p>
             <a:fld id="{A1C5EC13-83CD-46FC-A749-A66713452AB8}" type="datetime1">
               <a:rPr lang="fr-CH" smtClean="0"/>
-              <a:t>18.05.2020</a:t>
+              <a:t>19.05.2020</a:t>
             </a:fld>
             <a:endParaRPr lang="fr-CH"/>
           </a:p>
@@ -4513,7 +4514,7 @@
           <a:p>
             <a:fld id="{7E456747-9D74-4D5C-A57B-216C1DCF555B}" type="datetime1">
               <a:rPr lang="fr-CH" smtClean="0"/>
-              <a:t>18.05.2020</a:t>
+              <a:t>19.05.2020</a:t>
             </a:fld>
             <a:endParaRPr lang="fr-CH"/>
           </a:p>
@@ -4693,7 +4694,7 @@
           <a:p>
             <a:fld id="{35AB7460-04F9-4582-9AE7-9E23C393B231}" type="datetime1">
               <a:rPr lang="fr-CH" smtClean="0"/>
-              <a:t>18.05.2020</a:t>
+              <a:t>19.05.2020</a:t>
             </a:fld>
             <a:endParaRPr lang="fr-CH"/>
           </a:p>
@@ -4878,7 +4879,7 @@
           <a:p>
             <a:fld id="{443BA57E-7B21-4F6F-82E1-FF01CD7ABA13}" type="datetime1">
               <a:rPr lang="fr-CH" smtClean="0"/>
-              <a:t>18.05.2020</a:t>
+              <a:t>19.05.2020</a:t>
             </a:fld>
             <a:endParaRPr lang="en-US" dirty="0"/>
           </a:p>
@@ -5696,7 +5697,7 @@
           <a:p>
             <a:fld id="{062309E3-34CC-4F3C-A1BD-713587317DF7}" type="datetime1">
               <a:rPr lang="fr-CH" smtClean="0"/>
-              <a:t>18.05.2020</a:t>
+              <a:t>19.05.2020</a:t>
             </a:fld>
             <a:endParaRPr lang="fr-CH"/>
           </a:p>
@@ -5878,7 +5879,7 @@
           <a:p>
             <a:fld id="{CA50544D-CD99-4DB3-9168-B3A8E20C09FE}" type="datetime1">
               <a:rPr lang="fr-CH" smtClean="0"/>
-              <a:t>18.05.2020</a:t>
+              <a:t>19.05.2020</a:t>
             </a:fld>
             <a:endParaRPr lang="fr-CH"/>
           </a:p>
@@ -6132,7 +6133,7 @@
           <a:p>
             <a:fld id="{0BA05AE5-1ED1-49B1-BD0C-362DD8300DA6}" type="datetime1">
               <a:rPr lang="fr-CH" smtClean="0"/>
-              <a:t>18.05.2020</a:t>
+              <a:t>19.05.2020</a:t>
             </a:fld>
             <a:endParaRPr lang="fr-CH"/>
           </a:p>
@@ -6371,7 +6372,7 @@
           <a:p>
             <a:fld id="{F321FB04-B1F8-410C-91A1-6F9F06ABF9AD}" type="datetime1">
               <a:rPr lang="fr-CH" smtClean="0"/>
-              <a:t>18.05.2020</a:t>
+              <a:t>19.05.2020</a:t>
             </a:fld>
             <a:endParaRPr lang="fr-CH"/>
           </a:p>
@@ -6745,7 +6746,7 @@
           <a:p>
             <a:fld id="{B78CB868-B46E-4481-9B17-F23B1E033C87}" type="datetime1">
               <a:rPr lang="fr-CH" smtClean="0"/>
-              <a:t>18.05.2020</a:t>
+              <a:t>19.05.2020</a:t>
             </a:fld>
             <a:endParaRPr lang="fr-CH"/>
           </a:p>
@@ -6868,7 +6869,7 @@
           <a:p>
             <a:fld id="{AED0E9EF-17A4-4D73-89B5-BE4B97634EE6}" type="datetime1">
               <a:rPr lang="fr-CH" smtClean="0"/>
-              <a:t>18.05.2020</a:t>
+              <a:t>19.05.2020</a:t>
             </a:fld>
             <a:endParaRPr lang="fr-CH"/>
           </a:p>
@@ -6963,7 +6964,7 @@
           <a:p>
             <a:fld id="{185805BF-25D7-407C-8F23-26F91DDF1D3E}" type="datetime1">
               <a:rPr lang="fr-CH" smtClean="0"/>
-              <a:t>18.05.2020</a:t>
+              <a:t>19.05.2020</a:t>
             </a:fld>
             <a:endParaRPr lang="fr-CH"/>
           </a:p>
@@ -7233,7 +7234,7 @@
           <a:p>
             <a:fld id="{159142C7-4527-4223-B0C3-EFB260406640}" type="datetime1">
               <a:rPr lang="fr-CH" smtClean="0"/>
-              <a:t>18.05.2020</a:t>
+              <a:t>19.05.2020</a:t>
             </a:fld>
             <a:endParaRPr lang="fr-CH"/>
           </a:p>
@@ -7505,7 +7506,7 @@
           <a:p>
             <a:fld id="{76BB6D0E-3881-4B3D-96CD-ECBF10879B6D}" type="datetime1">
               <a:rPr lang="fr-CH" smtClean="0"/>
-              <a:t>18.05.2020</a:t>
+              <a:t>19.05.2020</a:t>
             </a:fld>
             <a:endParaRPr lang="fr-CH"/>
           </a:p>
@@ -7810,7 +7811,7 @@
           <a:p>
             <a:fld id="{CE03783F-3525-484F-BB92-A97332512ECC}" type="datetime1">
               <a:rPr lang="fr-CH" smtClean="0"/>
-              <a:t>18.05.2020</a:t>
+              <a:t>19.05.2020</a:t>
             </a:fld>
             <a:endParaRPr lang="fr-CH"/>
           </a:p>
@@ -8019,7 +8020,7 @@
           <a:p>
             <a:fld id="{3DD17AEC-70AF-45C1-A4D8-B9682E9F5690}" type="datetime1">
               <a:rPr lang="fr-CH" smtClean="0"/>
-              <a:t>18.05.2020</a:t>
+              <a:t>19.05.2020</a:t>
             </a:fld>
             <a:endParaRPr lang="fr-CH"/>
           </a:p>
@@ -8333,7 +8334,7 @@
           <a:p>
             <a:fld id="{DD598F42-9E37-44B5-9404-FFDB7BFA3C58}" type="datetime1">
               <a:rPr lang="fr-CH" smtClean="0"/>
-              <a:t>18.05.2020</a:t>
+              <a:t>19.05.2020</a:t>
             </a:fld>
             <a:endParaRPr lang="fr-CH"/>
           </a:p>
@@ -8666,7 +8667,7 @@
           <a:p>
             <a:fld id="{D80A43B4-503F-48B3-9D69-A1E033EB31DC}" type="datetime1">
               <a:rPr lang="fr-CH" smtClean="0"/>
-              <a:t>18.05.2020</a:t>
+              <a:t>19.05.2020</a:t>
             </a:fld>
             <a:endParaRPr lang="fr-CH"/>
           </a:p>
@@ -8980,7 +8981,7 @@
           <a:p>
             <a:fld id="{C63570D4-DC05-4346-960C-EE641E3F13E6}" type="datetime1">
               <a:rPr lang="fr-CH" smtClean="0"/>
-              <a:t>18.05.2020</a:t>
+              <a:t>19.05.2020</a:t>
             </a:fld>
             <a:endParaRPr lang="fr-CH"/>
           </a:p>
@@ -9373,7 +9374,7 @@
           <a:p>
             <a:fld id="{6DAD8BB9-B4F7-4387-B4ED-AABAD1F880A7}" type="datetime1">
               <a:rPr lang="fr-CH" smtClean="0"/>
-              <a:t>18.05.2020</a:t>
+              <a:t>19.05.2020</a:t>
             </a:fld>
             <a:endParaRPr lang="fr-CH"/>
           </a:p>
@@ -9543,7 +9544,7 @@
           <a:p>
             <a:fld id="{5AECCC42-73C7-497A-91BC-5B46DEBB8AEF}" type="datetime1">
               <a:rPr lang="fr-CH" smtClean="0"/>
-              <a:t>18.05.2020</a:t>
+              <a:t>19.05.2020</a:t>
             </a:fld>
             <a:endParaRPr lang="fr-CH"/>
           </a:p>
@@ -9723,7 +9724,7 @@
           <a:p>
             <a:fld id="{24A8B8C1-AC7C-4439-ABE1-977A3F495DB0}" type="datetime1">
               <a:rPr lang="fr-CH" smtClean="0"/>
-              <a:t>18.05.2020</a:t>
+              <a:t>19.05.2020</a:t>
             </a:fld>
             <a:endParaRPr lang="fr-CH"/>
           </a:p>
@@ -9969,7 +9970,7 @@
           <a:p>
             <a:fld id="{8A489873-EBA8-4E74-A188-36791492334D}" type="datetime1">
               <a:rPr lang="fr-CH" smtClean="0"/>
-              <a:t>18.05.2020</a:t>
+              <a:t>19.05.2020</a:t>
             </a:fld>
             <a:endParaRPr lang="fr-CH"/>
           </a:p>
@@ -10208,7 +10209,7 @@
           <a:p>
             <a:fld id="{2716B30A-CC25-498D-A978-F9C8FA3447EC}" type="datetime1">
               <a:rPr lang="fr-CH" smtClean="0"/>
-              <a:t>18.05.2020</a:t>
+              <a:t>19.05.2020</a:t>
             </a:fld>
             <a:endParaRPr lang="fr-CH"/>
           </a:p>
@@ -10582,7 +10583,7 @@
           <a:p>
             <a:fld id="{86F0612F-4B27-4C50-9FEF-D899F02BE98F}" type="datetime1">
               <a:rPr lang="fr-CH" smtClean="0"/>
-              <a:t>18.05.2020</a:t>
+              <a:t>19.05.2020</a:t>
             </a:fld>
             <a:endParaRPr lang="fr-CH"/>
           </a:p>
@@ -10707,7 +10708,7 @@
           <a:p>
             <a:fld id="{1F3DD3EA-FE5E-4B40-AAF2-7BDC6B236448}" type="datetime1">
               <a:rPr lang="fr-CH" smtClean="0"/>
-              <a:t>18.05.2020</a:t>
+              <a:t>19.05.2020</a:t>
             </a:fld>
             <a:endParaRPr lang="fr-CH"/>
           </a:p>
@@ -10802,7 +10803,7 @@
           <a:p>
             <a:fld id="{DFCE601C-520E-4D95-87EA-C15A6C947E77}" type="datetime1">
               <a:rPr lang="fr-CH" smtClean="0"/>
-              <a:t>18.05.2020</a:t>
+              <a:t>19.05.2020</a:t>
             </a:fld>
             <a:endParaRPr lang="fr-CH"/>
           </a:p>
@@ -11079,7 +11080,7 @@
           <a:p>
             <a:fld id="{7CDD90FB-8902-44F1-AFF3-670F9F6ABDF8}" type="datetime1">
               <a:rPr lang="fr-CH" smtClean="0"/>
-              <a:t>18.05.2020</a:t>
+              <a:t>19.05.2020</a:t>
             </a:fld>
             <a:endParaRPr lang="fr-CH"/>
           </a:p>
@@ -11332,7 +11333,7 @@
           <a:p>
             <a:fld id="{6A97B839-6A40-4321-AA7D-D18AFAC76C0E}" type="datetime1">
               <a:rPr lang="fr-CH" smtClean="0"/>
-              <a:t>18.05.2020</a:t>
+              <a:t>19.05.2020</a:t>
             </a:fld>
             <a:endParaRPr lang="fr-CH"/>
           </a:p>
@@ -11545,7 +11546,7 @@
           <a:p>
             <a:fld id="{36C5D13F-9125-4315-B7A7-EB82236C947E}" type="datetime1">
               <a:rPr lang="fr-CH" smtClean="0"/>
-              <a:t>18.05.2020</a:t>
+              <a:t>19.05.2020</a:t>
             </a:fld>
             <a:endParaRPr lang="fr-CH"/>
           </a:p>
@@ -12626,7 +12627,7 @@
           <a:p>
             <a:fld id="{35BA6938-53D0-4653-82AB-3885BCA89A92}" type="datetime1">
               <a:rPr lang="fr-CH" smtClean="0"/>
-              <a:t>18.05.2020</a:t>
+              <a:t>19.05.2020</a:t>
             </a:fld>
             <a:endParaRPr lang="fr-CH"/>
           </a:p>
@@ -13284,21 +13285,54 @@
           <a:bodyPr/>
           <a:lstStyle/>
           <a:p>
-            <a:r>
-              <a:rPr lang="fr-CH" dirty="0" smtClean="0"/>
-              <a:t>Conception: Pattern </a:t>
-            </a:r>
-            <a:r>
-              <a:rPr lang="fr-CH" dirty="0" err="1" smtClean="0"/>
-              <a:t>counting</a:t>
-            </a:r>
+            <a:endParaRPr lang="fr-CH"/>
+          </a:p>
+        </p:txBody>
+      </p:sp>
+      <p:sp>
+        <p:nvSpPr>
+          <p:cNvPr id="3" name="Espace réservé du contenu 2"/>
+          <p:cNvSpPr>
+            <a:spLocks noGrp="1"/>
+          </p:cNvSpPr>
+          <p:nvPr>
+            <p:ph idx="1"/>
+          </p:nvPr>
+        </p:nvSpPr>
+        <p:spPr/>
+        <p:txBody>
+          <a:bodyPr/>
+          <a:lstStyle/>
+          <a:p>
+            <a:endParaRPr lang="fr-CH" dirty="0" smtClean="0"/>
+          </a:p>
+          <a:p>
             <a:endParaRPr lang="fr-CH" dirty="0"/>
           </a:p>
-        </p:txBody>
-      </p:sp>
-      <p:sp>
-        <p:nvSpPr>
-          <p:cNvPr id="8" name="Espace réservé du numéro de diapositive 7"/>
+          <a:p>
+            <a:endParaRPr lang="fr-CH" dirty="0" smtClean="0"/>
+          </a:p>
+          <a:p>
+            <a:endParaRPr lang="fr-CH" sz="1800" dirty="0"/>
+          </a:p>
+          <a:p>
+            <a:endParaRPr lang="fr-CH" sz="1050" dirty="0"/>
+          </a:p>
+          <a:p>
+            <a:pPr marL="0" indent="0">
+              <a:buNone/>
+            </a:pPr>
+            <a:r>
+              <a:rPr lang="fr-CH" sz="2000" dirty="0" smtClean="0"/>
+              <a:t>           …</a:t>
+            </a:r>
+            <a:endParaRPr lang="fr-CH" sz="1050" dirty="0" smtClean="0"/>
+          </a:p>
+        </p:txBody>
+      </p:sp>
+      <p:sp>
+        <p:nvSpPr>
+          <p:cNvPr id="4" name="Espace réservé du numéro de diapositive 3"/>
           <p:cNvSpPr>
             <a:spLocks noGrp="1"/>
           </p:cNvSpPr>
@@ -13314,6 +13348,139 @@
             <a:fld id="{F60449C3-8BCD-4455-8E2A-A866209B9601}" type="slidenum">
               <a:rPr lang="fr-CH" smtClean="0"/>
               <a:t>10</a:t>
+            </a:fld>
+            <a:endParaRPr lang="fr-CH"/>
+          </a:p>
+        </p:txBody>
+      </p:sp>
+      <p:pic>
+        <p:nvPicPr>
+          <p:cNvPr id="5" name="Image 4"/>
+          <p:cNvPicPr>
+            <a:picLocks noChangeAspect="1"/>
+          </p:cNvPicPr>
+          <p:nvPr/>
+        </p:nvPicPr>
+        <p:blipFill rotWithShape="1">
+          <a:blip r:embed="rId2"/>
+          <a:srcRect l="2377" r="9193" b="10375"/>
+          <a:stretch/>
+        </p:blipFill>
+        <p:spPr>
+          <a:xfrm>
+            <a:off x="677334" y="432031"/>
+            <a:ext cx="9391650" cy="3320820"/>
+          </a:xfrm>
+          <a:prstGeom prst="rect">
+            <a:avLst/>
+          </a:prstGeom>
+        </p:spPr>
+      </p:pic>
+      <p:pic>
+        <p:nvPicPr>
+          <p:cNvPr id="6" name="Image 5"/>
+          <p:cNvPicPr>
+            <a:picLocks noChangeAspect="1"/>
+          </p:cNvPicPr>
+          <p:nvPr/>
+        </p:nvPicPr>
+        <p:blipFill rotWithShape="1">
+          <a:blip r:embed="rId3"/>
+          <a:srcRect l="11101" t="43703" r="17282"/>
+          <a:stretch/>
+        </p:blipFill>
+        <p:spPr>
+          <a:xfrm>
+            <a:off x="677334" y="4405648"/>
+            <a:ext cx="9401175" cy="1635714"/>
+          </a:xfrm>
+          <a:prstGeom prst="rect">
+            <a:avLst/>
+          </a:prstGeom>
+        </p:spPr>
+      </p:pic>
+    </p:spTree>
+    <p:extLst>
+      <p:ext uri="{BB962C8B-B14F-4D97-AF65-F5344CB8AC3E}">
+        <p14:creationId xmlns:p14="http://schemas.microsoft.com/office/powerpoint/2010/main" val="3984006971"/>
+      </p:ext>
+    </p:extLst>
+  </p:cSld>
+  <p:clrMapOvr>
+    <a:masterClrMapping/>
+  </p:clrMapOvr>
+  <p:timing>
+    <p:tnLst>
+      <p:par>
+        <p:cTn id="1" dur="indefinite" restart="never" nodeType="tmRoot"/>
+      </p:par>
+    </p:tnLst>
+  </p:timing>
+</p:sld>
+</file>
+
+<file path=ppt/slides/slide11.xml><?xml version="1.0" encoding="utf-8"?>
+<p:sld xmlns:a="http://schemas.openxmlformats.org/drawingml/2006/main" xmlns:r="http://schemas.openxmlformats.org/officeDocument/2006/relationships" xmlns:p="http://schemas.openxmlformats.org/presentationml/2006/main">
+  <p:cSld>
+    <p:spTree>
+      <p:nvGrpSpPr>
+        <p:cNvPr id="1" name=""/>
+        <p:cNvGrpSpPr/>
+        <p:nvPr/>
+      </p:nvGrpSpPr>
+      <p:grpSpPr>
+        <a:xfrm>
+          <a:off x="0" y="0"/>
+          <a:ext cx="0" cy="0"/>
+          <a:chOff x="0" y="0"/>
+          <a:chExt cx="0" cy="0"/>
+        </a:xfrm>
+      </p:grpSpPr>
+      <p:sp>
+        <p:nvSpPr>
+          <p:cNvPr id="2" name="Titre 1"/>
+          <p:cNvSpPr>
+            <a:spLocks noGrp="1"/>
+          </p:cNvSpPr>
+          <p:nvPr>
+            <p:ph type="title"/>
+          </p:nvPr>
+        </p:nvSpPr>
+        <p:spPr/>
+        <p:txBody>
+          <a:bodyPr/>
+          <a:lstStyle/>
+          <a:p>
+            <a:r>
+              <a:rPr lang="fr-CH" dirty="0" smtClean="0"/>
+              <a:t>Conception: Pattern </a:t>
+            </a:r>
+            <a:r>
+              <a:rPr lang="fr-CH" dirty="0" err="1" smtClean="0"/>
+              <a:t>counting</a:t>
+            </a:r>
+            <a:endParaRPr lang="fr-CH" dirty="0"/>
+          </a:p>
+        </p:txBody>
+      </p:sp>
+      <p:sp>
+        <p:nvSpPr>
+          <p:cNvPr id="8" name="Espace réservé du numéro de diapositive 7"/>
+          <p:cNvSpPr>
+            <a:spLocks noGrp="1"/>
+          </p:cNvSpPr>
+          <p:nvPr>
+            <p:ph type="sldNum" sz="quarter" idx="12"/>
+          </p:nvPr>
+        </p:nvSpPr>
+        <p:spPr/>
+        <p:txBody>
+          <a:bodyPr/>
+          <a:lstStyle/>
+          <a:p>
+            <a:fld id="{F60449C3-8BCD-4455-8E2A-A866209B9601}" type="slidenum">
+              <a:rPr lang="fr-CH" smtClean="0"/>
+              <a:t>11</a:t>
             </a:fld>
             <a:endParaRPr lang="fr-CH"/>
           </a:p>
@@ -13410,7 +13577,7 @@
 </p:sld>
 </file>
 
-<file path=ppt/slides/slide11.xml><?xml version="1.0" encoding="utf-8"?>
+<file path=ppt/slides/slide12.xml><?xml version="1.0" encoding="utf-8"?>
 <p:sld xmlns:a="http://schemas.openxmlformats.org/drawingml/2006/main" xmlns:r="http://schemas.openxmlformats.org/officeDocument/2006/relationships" xmlns:p="http://schemas.openxmlformats.org/presentationml/2006/main">
   <p:cSld>
     <p:spTree>
@@ -13471,7 +13638,7 @@
           <a:p>
             <a:fld id="{F60449C3-8BCD-4455-8E2A-A866209B9601}" type="slidenum">
               <a:rPr lang="fr-CH" smtClean="0"/>
-              <a:t>11</a:t>
+              <a:t>12</a:t>
             </a:fld>
             <a:endParaRPr lang="fr-CH"/>
           </a:p>
@@ -13833,7 +14000,7 @@
 </p:sld>
 </file>
 
-<file path=ppt/slides/slide12.xml><?xml version="1.0" encoding="utf-8"?>
+<file path=ppt/slides/slide13.xml><?xml version="1.0" encoding="utf-8"?>
 <p:sld xmlns:a="http://schemas.openxmlformats.org/drawingml/2006/main" xmlns:r="http://schemas.openxmlformats.org/officeDocument/2006/relationships" xmlns:p="http://schemas.openxmlformats.org/presentationml/2006/main">
   <p:cSld>
     <p:spTree>
@@ -13942,7 +14109,7 @@
           <a:p>
             <a:fld id="{F60449C3-8BCD-4455-8E2A-A866209B9601}" type="slidenum">
               <a:rPr lang="fr-CH" smtClean="0"/>
-              <a:t>12</a:t>
+              <a:t>13</a:t>
             </a:fld>
             <a:endParaRPr lang="fr-CH"/>
           </a:p>
@@ -15030,108 +15197,6 @@
 </p:sld>
 </file>
 
-<file path=ppt/slides/slide13.xml><?xml version="1.0" encoding="utf-8"?>
-<p:sld xmlns:a="http://schemas.openxmlformats.org/drawingml/2006/main" xmlns:r="http://schemas.openxmlformats.org/officeDocument/2006/relationships" xmlns:p="http://schemas.openxmlformats.org/presentationml/2006/main">
-  <p:cSld>
-    <p:spTree>
-      <p:nvGrpSpPr>
-        <p:cNvPr id="1" name=""/>
-        <p:cNvGrpSpPr/>
-        <p:nvPr/>
-      </p:nvGrpSpPr>
-      <p:grpSpPr>
-        <a:xfrm>
-          <a:off x="0" y="0"/>
-          <a:ext cx="0" cy="0"/>
-          <a:chOff x="0" y="0"/>
-          <a:chExt cx="0" cy="0"/>
-        </a:xfrm>
-      </p:grpSpPr>
-      <p:sp>
-        <p:nvSpPr>
-          <p:cNvPr id="2" name="Titre 1"/>
-          <p:cNvSpPr>
-            <a:spLocks noGrp="1"/>
-          </p:cNvSpPr>
-          <p:nvPr>
-            <p:ph type="ctrTitle"/>
-          </p:nvPr>
-        </p:nvSpPr>
-        <p:spPr/>
-        <p:txBody>
-          <a:bodyPr/>
-          <a:lstStyle/>
-          <a:p>
-            <a:r>
-              <a:rPr lang="fr-CH" dirty="0" smtClean="0"/>
-              <a:t>Utilisation</a:t>
-            </a:r>
-            <a:endParaRPr lang="fr-CH" dirty="0"/>
-          </a:p>
-        </p:txBody>
-      </p:sp>
-      <p:sp>
-        <p:nvSpPr>
-          <p:cNvPr id="3" name="Sous-titre 2"/>
-          <p:cNvSpPr>
-            <a:spLocks noGrp="1"/>
-          </p:cNvSpPr>
-          <p:nvPr>
-            <p:ph type="subTitle" idx="1"/>
-          </p:nvPr>
-        </p:nvSpPr>
-        <p:spPr/>
-        <p:txBody>
-          <a:bodyPr/>
-          <a:lstStyle/>
-          <a:p>
-            <a:endParaRPr lang="fr-CH"/>
-          </a:p>
-        </p:txBody>
-      </p:sp>
-      <p:sp>
-        <p:nvSpPr>
-          <p:cNvPr id="4" name="Espace réservé du numéro de diapositive 3"/>
-          <p:cNvSpPr>
-            <a:spLocks noGrp="1"/>
-          </p:cNvSpPr>
-          <p:nvPr>
-            <p:ph type="sldNum" sz="quarter" idx="12"/>
-          </p:nvPr>
-        </p:nvSpPr>
-        <p:spPr/>
-        <p:txBody>
-          <a:bodyPr/>
-          <a:lstStyle/>
-          <a:p>
-            <a:fld id="{F60449C3-8BCD-4455-8E2A-A866209B9601}" type="slidenum">
-              <a:rPr lang="fr-CH" smtClean="0"/>
-              <a:t>13</a:t>
-            </a:fld>
-            <a:endParaRPr lang="fr-CH"/>
-          </a:p>
-        </p:txBody>
-      </p:sp>
-    </p:spTree>
-    <p:extLst>
-      <p:ext uri="{BB962C8B-B14F-4D97-AF65-F5344CB8AC3E}">
-        <p14:creationId xmlns:p14="http://schemas.microsoft.com/office/powerpoint/2010/main" val="441191196"/>
-      </p:ext>
-    </p:extLst>
-  </p:cSld>
-  <p:clrMapOvr>
-    <a:masterClrMapping/>
-  </p:clrMapOvr>
-  <p:timing>
-    <p:tnLst>
-      <p:par>
-        <p:cTn id="1" dur="indefinite" restart="never" nodeType="tmRoot"/>
-      </p:par>
-    </p:tnLst>
-  </p:timing>
-</p:sld>
-</file>
-
 <file path=ppt/slides/slide14.xml><?xml version="1.0" encoding="utf-8"?>
 <p:sld xmlns:a="http://schemas.openxmlformats.org/drawingml/2006/main" xmlns:r="http://schemas.openxmlformats.org/officeDocument/2006/relationships" xmlns:p="http://schemas.openxmlformats.org/presentationml/2006/main">
   <p:cSld>
@@ -15156,7 +15221,7 @@
             <a:spLocks noGrp="1"/>
           </p:cNvSpPr>
           <p:nvPr>
-            <p:ph type="title"/>
+            <p:ph type="ctrTitle"/>
           </p:nvPr>
         </p:nvSpPr>
         <p:spPr/>
@@ -15165,18 +15230,29 @@
           <a:lstStyle/>
           <a:p>
             <a:r>
-              <a:rPr lang="fr-CH" dirty="0" err="1" smtClean="0"/>
-              <a:t>Repository</a:t>
-            </a:r>
-            <a:r>
               <a:rPr lang="fr-CH" dirty="0" smtClean="0"/>
-              <a:t> </a:t>
-            </a:r>
-            <a:r>
-              <a:rPr lang="fr-CH" dirty="0" err="1" smtClean="0"/>
-              <a:t>choices</a:t>
+              <a:t>Utilisation</a:t>
             </a:r>
             <a:endParaRPr lang="fr-CH" dirty="0"/>
+          </a:p>
+        </p:txBody>
+      </p:sp>
+      <p:sp>
+        <p:nvSpPr>
+          <p:cNvPr id="3" name="Sous-titre 2"/>
+          <p:cNvSpPr>
+            <a:spLocks noGrp="1"/>
+          </p:cNvSpPr>
+          <p:nvPr>
+            <p:ph type="subTitle" idx="1"/>
+          </p:nvPr>
+        </p:nvSpPr>
+        <p:spPr/>
+        <p:txBody>
+          <a:bodyPr/>
+          <a:lstStyle/>
+          <a:p>
+            <a:endParaRPr lang="fr-CH"/>
           </a:p>
         </p:txBody>
       </p:sp>
@@ -15203,277 +15279,10 @@
           </a:p>
         </p:txBody>
       </p:sp>
-      <p:sp>
-        <p:nvSpPr>
-          <p:cNvPr id="5" name="ZoneTexte 4"/>
-          <p:cNvSpPr txBox="1"/>
-          <p:nvPr/>
-        </p:nvSpPr>
-        <p:spPr>
-          <a:xfrm>
-            <a:off x="4177365" y="2094333"/>
-            <a:ext cx="1520792" cy="830997"/>
-          </a:xfrm>
-          <a:prstGeom prst="rect">
-            <a:avLst/>
-          </a:prstGeom>
-          <a:noFill/>
-        </p:spPr>
-        <p:txBody>
-          <a:bodyPr wrap="square" rtlCol="0">
-            <a:spAutoFit/>
-          </a:bodyPr>
-          <a:lstStyle/>
-          <a:p>
-            <a:r>
-              <a:rPr lang="fr-CH" sz="4800" b="1" dirty="0" smtClean="0"/>
-              <a:t>150</a:t>
-            </a:r>
-            <a:endParaRPr lang="fr-CH" sz="4800" b="1" dirty="0"/>
-          </a:p>
-        </p:txBody>
-      </p:sp>
-      <p:sp>
-        <p:nvSpPr>
-          <p:cNvPr id="6" name="ZoneTexte 5"/>
-          <p:cNvSpPr txBox="1"/>
-          <p:nvPr/>
-        </p:nvSpPr>
-        <p:spPr>
-          <a:xfrm>
-            <a:off x="5380522" y="2186665"/>
-            <a:ext cx="4543124" cy="646331"/>
-          </a:xfrm>
-          <a:prstGeom prst="rect">
-            <a:avLst/>
-          </a:prstGeom>
-          <a:noFill/>
-        </p:spPr>
-        <p:txBody>
-          <a:bodyPr wrap="square" rtlCol="0">
-            <a:spAutoFit/>
-          </a:bodyPr>
-          <a:lstStyle/>
-          <a:p>
-            <a:pPr marL="285750" indent="-285750">
-              <a:buFont typeface="Arial" panose="020B0604020202020204" pitchFamily="34" charset="0"/>
-              <a:buChar char="•"/>
-            </a:pPr>
-            <a:r>
-              <a:rPr lang="fr-CH" dirty="0" smtClean="0"/>
-              <a:t>Swift</a:t>
-            </a:r>
-          </a:p>
-          <a:p>
-            <a:pPr marL="285750" indent="-285750">
-              <a:buFont typeface="Arial" panose="020B0604020202020204" pitchFamily="34" charset="0"/>
-              <a:buChar char="•"/>
-            </a:pPr>
-            <a:r>
-              <a:rPr lang="fr-CH" dirty="0" err="1" smtClean="0"/>
-              <a:t>Descending</a:t>
-            </a:r>
-            <a:r>
-              <a:rPr lang="fr-CH" dirty="0" smtClean="0"/>
-              <a:t> </a:t>
-            </a:r>
-            <a:r>
-              <a:rPr lang="fr-CH" dirty="0" err="1" smtClean="0"/>
-              <a:t>order</a:t>
-            </a:r>
-            <a:r>
-              <a:rPr lang="fr-CH" dirty="0" smtClean="0"/>
-              <a:t> of stars</a:t>
-            </a:r>
-            <a:endParaRPr lang="fr-CH" dirty="0"/>
-          </a:p>
-        </p:txBody>
-      </p:sp>
-      <p:sp>
-        <p:nvSpPr>
-          <p:cNvPr id="7" name="ZoneTexte 6"/>
-          <p:cNvSpPr txBox="1"/>
-          <p:nvPr/>
-        </p:nvSpPr>
-        <p:spPr>
-          <a:xfrm>
-            <a:off x="2290811" y="4289655"/>
-            <a:ext cx="1520792" cy="830997"/>
-          </a:xfrm>
-          <a:prstGeom prst="rect">
-            <a:avLst/>
-          </a:prstGeom>
-          <a:noFill/>
-        </p:spPr>
-        <p:txBody>
-          <a:bodyPr wrap="square" rtlCol="0">
-            <a:spAutoFit/>
-          </a:bodyPr>
-          <a:lstStyle/>
-          <a:p>
-            <a:r>
-              <a:rPr lang="fr-CH" sz="4800" b="1" dirty="0" smtClean="0"/>
-              <a:t>27</a:t>
-            </a:r>
-            <a:endParaRPr lang="fr-CH" sz="4800" b="1" dirty="0"/>
-          </a:p>
-        </p:txBody>
-      </p:sp>
-      <p:sp>
-        <p:nvSpPr>
-          <p:cNvPr id="8" name="ZoneTexte 7"/>
-          <p:cNvSpPr txBox="1"/>
-          <p:nvPr/>
-        </p:nvSpPr>
-        <p:spPr>
-          <a:xfrm>
-            <a:off x="3136230" y="4520487"/>
-            <a:ext cx="1676400" cy="369332"/>
-          </a:xfrm>
-          <a:prstGeom prst="rect">
-            <a:avLst/>
-          </a:prstGeom>
-          <a:noFill/>
-        </p:spPr>
-        <p:txBody>
-          <a:bodyPr wrap="square" rtlCol="0">
-            <a:spAutoFit/>
-          </a:bodyPr>
-          <a:lstStyle/>
-          <a:p>
-            <a:pPr marL="285750" indent="-285750">
-              <a:buFont typeface="Arial" panose="020B0604020202020204" pitchFamily="34" charset="0"/>
-              <a:buChar char="•"/>
-            </a:pPr>
-            <a:r>
-              <a:rPr lang="fr-CH" dirty="0" err="1" smtClean="0"/>
-              <a:t>Filtered</a:t>
-            </a:r>
-            <a:r>
-              <a:rPr lang="fr-CH" dirty="0" smtClean="0"/>
-              <a:t> out</a:t>
-            </a:r>
-            <a:endParaRPr lang="fr-CH" dirty="0"/>
-          </a:p>
-        </p:txBody>
-      </p:sp>
-      <p:sp>
-        <p:nvSpPr>
-          <p:cNvPr id="9" name="ZoneTexte 8"/>
-          <p:cNvSpPr txBox="1"/>
-          <p:nvPr/>
-        </p:nvSpPr>
-        <p:spPr>
-          <a:xfrm>
-            <a:off x="6564423" y="4289655"/>
-            <a:ext cx="1520792" cy="830997"/>
-          </a:xfrm>
-          <a:prstGeom prst="rect">
-            <a:avLst/>
-          </a:prstGeom>
-          <a:noFill/>
-        </p:spPr>
-        <p:txBody>
-          <a:bodyPr wrap="square" rtlCol="0">
-            <a:spAutoFit/>
-          </a:bodyPr>
-          <a:lstStyle/>
-          <a:p>
-            <a:r>
-              <a:rPr lang="fr-CH" sz="4800" b="1" dirty="0" smtClean="0"/>
-              <a:t>123</a:t>
-            </a:r>
-            <a:endParaRPr lang="fr-CH" sz="4800" b="1" dirty="0"/>
-          </a:p>
-        </p:txBody>
-      </p:sp>
-      <p:sp>
-        <p:nvSpPr>
-          <p:cNvPr id="10" name="ZoneTexte 9"/>
-          <p:cNvSpPr txBox="1"/>
-          <p:nvPr/>
-        </p:nvSpPr>
-        <p:spPr>
-          <a:xfrm>
-            <a:off x="7665719" y="4520488"/>
-            <a:ext cx="1676400" cy="369332"/>
-          </a:xfrm>
-          <a:prstGeom prst="rect">
-            <a:avLst/>
-          </a:prstGeom>
-          <a:noFill/>
-        </p:spPr>
-        <p:txBody>
-          <a:bodyPr wrap="square" rtlCol="0">
-            <a:spAutoFit/>
-          </a:bodyPr>
-          <a:lstStyle/>
-          <a:p>
-            <a:pPr marL="285750" indent="-285750">
-              <a:buFont typeface="Arial" panose="020B0604020202020204" pitchFamily="34" charset="0"/>
-              <a:buChar char="•"/>
-            </a:pPr>
-            <a:r>
-              <a:rPr lang="fr-CH" dirty="0" err="1" smtClean="0"/>
-              <a:t>Projects</a:t>
-            </a:r>
-            <a:r>
-              <a:rPr lang="fr-CH" dirty="0" smtClean="0"/>
-              <a:t> </a:t>
-            </a:r>
-            <a:r>
-              <a:rPr lang="fr-CH" dirty="0" err="1" smtClean="0"/>
-              <a:t>left</a:t>
-            </a:r>
-            <a:endParaRPr lang="fr-CH" dirty="0"/>
-          </a:p>
-        </p:txBody>
-      </p:sp>
-      <p:sp>
-        <p:nvSpPr>
-          <p:cNvPr id="12" name="Accolade fermante 11"/>
-          <p:cNvSpPr/>
-          <p:nvPr/>
-        </p:nvSpPr>
-        <p:spPr>
-          <a:xfrm rot="16200000">
-            <a:off x="5363351" y="-559577"/>
-            <a:ext cx="1362634" cy="8797493"/>
-          </a:xfrm>
-          <a:prstGeom prst="rightBrace">
-            <a:avLst>
-              <a:gd name="adj1" fmla="val 86058"/>
-              <a:gd name="adj2" fmla="val 50000"/>
-            </a:avLst>
-          </a:prstGeom>
-        </p:spPr>
-        <p:style>
-          <a:lnRef idx="1">
-            <a:schemeClr val="accent1"/>
-          </a:lnRef>
-          <a:fillRef idx="0">
-            <a:schemeClr val="accent1"/>
-          </a:fillRef>
-          <a:effectRef idx="0">
-            <a:schemeClr val="accent1"/>
-          </a:effectRef>
-          <a:fontRef idx="minor">
-            <a:schemeClr val="tx1"/>
-          </a:fontRef>
-        </p:style>
-        <p:txBody>
-          <a:bodyPr rtlCol="0" anchor="ctr"/>
-          <a:lstStyle/>
-          <a:p>
-            <a:pPr algn="ctr"/>
-            <a:endParaRPr lang="fr-CH"/>
-          </a:p>
-        </p:txBody>
-      </p:sp>
     </p:spTree>
     <p:extLst>
       <p:ext uri="{BB962C8B-B14F-4D97-AF65-F5344CB8AC3E}">
-        <p14:creationId xmlns:p14="http://schemas.microsoft.com/office/powerpoint/2010/main" val="473884730"/>
+        <p14:creationId xmlns:p14="http://schemas.microsoft.com/office/powerpoint/2010/main" val="441191196"/>
       </p:ext>
     </p:extLst>
   </p:cSld>
@@ -15524,76 +15333,7 @@
           <a:p>
             <a:r>
               <a:rPr lang="fr-CH" dirty="0" err="1" smtClean="0"/>
-              <a:t>Extracted</a:t>
-            </a:r>
-            <a:r>
-              <a:rPr lang="fr-CH" dirty="0" smtClean="0"/>
-              <a:t> patterns</a:t>
-            </a:r>
-            <a:endParaRPr lang="fr-CH" dirty="0"/>
-          </a:p>
-        </p:txBody>
-      </p:sp>
-      <p:sp>
-        <p:nvSpPr>
-          <p:cNvPr id="3" name="Espace réservé du contenu 2"/>
-          <p:cNvSpPr>
-            <a:spLocks noGrp="1"/>
-          </p:cNvSpPr>
-          <p:nvPr>
-            <p:ph idx="1"/>
-          </p:nvPr>
-        </p:nvSpPr>
-        <p:spPr/>
-        <p:txBody>
-          <a:bodyPr>
-            <a:normAutofit/>
-          </a:bodyPr>
-          <a:lstStyle/>
-          <a:p>
-            <a:r>
-              <a:rPr lang="fr-CH" dirty="0"/>
-              <a:t>Protocol </a:t>
-            </a:r>
-            <a:r>
-              <a:rPr lang="fr-CH" dirty="0" err="1" smtClean="0"/>
-              <a:t>declaration</a:t>
-            </a:r>
-            <a:endParaRPr lang="fr-CH" dirty="0"/>
-          </a:p>
-          <a:p>
-            <a:r>
-              <a:rPr lang="fr-CH" dirty="0"/>
-              <a:t>Class </a:t>
-            </a:r>
-            <a:r>
-              <a:rPr lang="fr-CH" dirty="0" err="1"/>
-              <a:t>declaration</a:t>
-            </a:r>
-            <a:r>
-              <a:rPr lang="fr-CH" dirty="0"/>
-              <a:t> </a:t>
-            </a:r>
-          </a:p>
-          <a:p>
-            <a:r>
-              <a:rPr lang="fr-CH" dirty="0" err="1"/>
-              <a:t>Struct</a:t>
-            </a:r>
-            <a:r>
-              <a:rPr lang="fr-CH" dirty="0"/>
-              <a:t> </a:t>
-            </a:r>
-            <a:r>
-              <a:rPr lang="fr-CH" dirty="0" err="1" smtClean="0"/>
-              <a:t>declaration</a:t>
-            </a:r>
-            <a:endParaRPr lang="fr-CH" dirty="0"/>
-          </a:p>
-          <a:p>
-            <a:r>
-              <a:rPr lang="fr-CH" dirty="0" err="1" smtClean="0"/>
-              <a:t>Retroactive</a:t>
+              <a:t>Repository</a:t>
             </a:r>
             <a:r>
               <a:rPr lang="fr-CH" dirty="0" smtClean="0"/>
@@ -15601,59 +15341,8 @@
             </a:r>
             <a:r>
               <a:rPr lang="fr-CH" dirty="0" err="1" smtClean="0"/>
-              <a:t>modeling</a:t>
-            </a:r>
-            <a:endParaRPr lang="fr-CH" dirty="0" smtClean="0"/>
-          </a:p>
-          <a:p>
-            <a:r>
-              <a:rPr lang="fr-CH" dirty="0" smtClean="0"/>
-              <a:t>Protocol extension</a:t>
-            </a:r>
-          </a:p>
-          <a:p>
-            <a:r>
-              <a:rPr lang="fr-CH" dirty="0"/>
-              <a:t>Protocol </a:t>
-            </a:r>
-            <a:r>
-              <a:rPr lang="fr-CH" dirty="0" err="1"/>
-              <a:t>with</a:t>
-            </a:r>
-            <a:r>
-              <a:rPr lang="fr-CH" dirty="0"/>
-              <a:t> </a:t>
-            </a:r>
-            <a:r>
-              <a:rPr lang="fr-CH" dirty="0" err="1"/>
-              <a:t>associated</a:t>
-            </a:r>
-            <a:r>
-              <a:rPr lang="fr-CH" dirty="0"/>
-              <a:t> </a:t>
-            </a:r>
-            <a:r>
-              <a:rPr lang="fr-CH" dirty="0" err="1" smtClean="0"/>
-              <a:t>datatype</a:t>
-            </a:r>
-            <a:endParaRPr lang="fr-CH" dirty="0" smtClean="0"/>
-          </a:p>
-          <a:p>
-            <a:r>
-              <a:rPr lang="fr-CH" dirty="0" err="1" smtClean="0"/>
-              <a:t>Bounded</a:t>
-            </a:r>
-            <a:r>
-              <a:rPr lang="fr-CH" dirty="0" smtClean="0"/>
-              <a:t> </a:t>
-            </a:r>
-            <a:r>
-              <a:rPr lang="fr-CH" dirty="0" err="1" smtClean="0"/>
-              <a:t>polymorphism</a:t>
-            </a:r>
-            <a:endParaRPr lang="fr-CH" dirty="0" smtClean="0"/>
-          </a:p>
-          <a:p>
+              <a:t>choices</a:t>
+            </a:r>
             <a:endParaRPr lang="fr-CH" dirty="0"/>
           </a:p>
         </p:txBody>
@@ -15683,177 +15372,275 @@
       </p:sp>
       <p:sp>
         <p:nvSpPr>
-          <p:cNvPr id="5" name="Rectangle 4"/>
-          <p:cNvSpPr/>
+          <p:cNvPr id="5" name="ZoneTexte 4"/>
+          <p:cNvSpPr txBox="1"/>
           <p:nvPr/>
         </p:nvSpPr>
         <p:spPr>
           <a:xfrm>
-            <a:off x="6807855" y="1861457"/>
-            <a:ext cx="6096000" cy="2677656"/>
+            <a:off x="4177365" y="2094333"/>
+            <a:ext cx="1520792" cy="830997"/>
           </a:xfrm>
           <a:prstGeom prst="rect">
             <a:avLst/>
           </a:prstGeom>
+          <a:noFill/>
         </p:spPr>
         <p:txBody>
-          <a:bodyPr>
+          <a:bodyPr wrap="square" rtlCol="0">
             <a:spAutoFit/>
           </a:bodyPr>
           <a:lstStyle/>
           <a:p>
-            <a:pPr marL="342900" indent="-342900">
+            <a:r>
+              <a:rPr lang="fr-CH" sz="4800" b="1" dirty="0" smtClean="0"/>
+              <a:t>150</a:t>
+            </a:r>
+            <a:endParaRPr lang="fr-CH" sz="4800" b="1" dirty="0"/>
+          </a:p>
+        </p:txBody>
+      </p:sp>
+      <p:sp>
+        <p:nvSpPr>
+          <p:cNvPr id="6" name="ZoneTexte 5"/>
+          <p:cNvSpPr txBox="1"/>
+          <p:nvPr/>
+        </p:nvSpPr>
+        <p:spPr>
+          <a:xfrm>
+            <a:off x="5380522" y="2186665"/>
+            <a:ext cx="4543124" cy="646331"/>
+          </a:xfrm>
+          <a:prstGeom prst="rect">
+            <a:avLst/>
+          </a:prstGeom>
+          <a:noFill/>
+        </p:spPr>
+        <p:txBody>
+          <a:bodyPr wrap="square" rtlCol="0">
+            <a:spAutoFit/>
+          </a:bodyPr>
+          <a:lstStyle/>
+          <a:p>
+            <a:pPr marL="285750" indent="-285750">
               <a:buFont typeface="Arial" panose="020B0604020202020204" pitchFamily="34" charset="0"/>
               <a:buChar char="•"/>
             </a:pPr>
             <a:r>
-              <a:rPr lang="fr-CH" sz="2400" dirty="0" err="1" smtClean="0">
-                <a:latin typeface="Trebuchet MS" panose="020B0603020202020204" pitchFamily="34" charset="0"/>
-              </a:rPr>
-              <a:t>Optional</a:t>
-            </a:r>
-            <a:r>
-              <a:rPr lang="fr-CH" sz="2400" dirty="0" smtClean="0">
-                <a:latin typeface="Trebuchet MS" panose="020B0603020202020204" pitchFamily="34" charset="0"/>
-              </a:rPr>
-              <a:t> </a:t>
-            </a:r>
-            <a:r>
-              <a:rPr lang="fr-CH" sz="2400" dirty="0" err="1" smtClean="0">
-                <a:latin typeface="Trebuchet MS" panose="020B0603020202020204" pitchFamily="34" charset="0"/>
-              </a:rPr>
-              <a:t>chaining</a:t>
-            </a:r>
-            <a:endParaRPr lang="fr-CH" sz="2400" dirty="0" smtClean="0">
-              <a:latin typeface="Trebuchet MS" panose="020B0603020202020204" pitchFamily="34" charset="0"/>
-            </a:endParaRPr>
-          </a:p>
-          <a:p>
-            <a:pPr marL="342900" indent="-342900">
+              <a:rPr lang="fr-CH" dirty="0" smtClean="0"/>
+              <a:t>Swift</a:t>
+            </a:r>
+          </a:p>
+          <a:p>
+            <a:pPr marL="285750" indent="-285750">
               <a:buFont typeface="Arial" panose="020B0604020202020204" pitchFamily="34" charset="0"/>
               <a:buChar char="•"/>
             </a:pPr>
             <a:r>
-              <a:rPr lang="fr-CH" sz="2400" dirty="0" err="1">
-                <a:latin typeface="Trebuchet MS" panose="020B0603020202020204" pitchFamily="34" charset="0"/>
-              </a:rPr>
-              <a:t>Optionals</a:t>
-            </a:r>
-            <a:r>
-              <a:rPr lang="fr-CH" sz="2400" dirty="0">
-                <a:latin typeface="Trebuchet MS" panose="020B0603020202020204" pitchFamily="34" charset="0"/>
-              </a:rPr>
+              <a:rPr lang="fr-CH" dirty="0" err="1" smtClean="0"/>
+              <a:t>Descending</a:t>
+            </a:r>
+            <a:r>
+              <a:rPr lang="fr-CH" dirty="0" smtClean="0"/>
               <a:t> </a:t>
             </a:r>
-          </a:p>
-          <a:p>
-            <a:pPr marL="342900" indent="-342900">
+            <a:r>
+              <a:rPr lang="fr-CH" dirty="0" err="1" smtClean="0"/>
+              <a:t>order</a:t>
+            </a:r>
+            <a:r>
+              <a:rPr lang="fr-CH" dirty="0" smtClean="0"/>
+              <a:t> of stars</a:t>
+            </a:r>
+            <a:endParaRPr lang="fr-CH" dirty="0"/>
+          </a:p>
+        </p:txBody>
+      </p:sp>
+      <p:sp>
+        <p:nvSpPr>
+          <p:cNvPr id="7" name="ZoneTexte 6"/>
+          <p:cNvSpPr txBox="1"/>
+          <p:nvPr/>
+        </p:nvSpPr>
+        <p:spPr>
+          <a:xfrm>
+            <a:off x="2290811" y="4289655"/>
+            <a:ext cx="1520792" cy="830997"/>
+          </a:xfrm>
+          <a:prstGeom prst="rect">
+            <a:avLst/>
+          </a:prstGeom>
+          <a:noFill/>
+        </p:spPr>
+        <p:txBody>
+          <a:bodyPr wrap="square" rtlCol="0">
+            <a:spAutoFit/>
+          </a:bodyPr>
+          <a:lstStyle/>
+          <a:p>
+            <a:r>
+              <a:rPr lang="fr-CH" sz="4800" b="1" dirty="0" smtClean="0"/>
+              <a:t>27</a:t>
+            </a:r>
+            <a:endParaRPr lang="fr-CH" sz="4800" b="1" dirty="0"/>
+          </a:p>
+        </p:txBody>
+      </p:sp>
+      <p:sp>
+        <p:nvSpPr>
+          <p:cNvPr id="8" name="ZoneTexte 7"/>
+          <p:cNvSpPr txBox="1"/>
+          <p:nvPr/>
+        </p:nvSpPr>
+        <p:spPr>
+          <a:xfrm>
+            <a:off x="3136230" y="4520487"/>
+            <a:ext cx="1676400" cy="369332"/>
+          </a:xfrm>
+          <a:prstGeom prst="rect">
+            <a:avLst/>
+          </a:prstGeom>
+          <a:noFill/>
+        </p:spPr>
+        <p:txBody>
+          <a:bodyPr wrap="square" rtlCol="0">
+            <a:spAutoFit/>
+          </a:bodyPr>
+          <a:lstStyle/>
+          <a:p>
+            <a:pPr marL="285750" indent="-285750">
               <a:buFont typeface="Arial" panose="020B0604020202020204" pitchFamily="34" charset="0"/>
               <a:buChar char="•"/>
             </a:pPr>
             <a:r>
-              <a:rPr lang="fr-CH" sz="2400" dirty="0" err="1">
-                <a:latin typeface="Trebuchet MS" panose="020B0603020202020204" pitchFamily="34" charset="0"/>
-              </a:rPr>
-              <a:t>Inline</a:t>
-            </a:r>
-            <a:r>
-              <a:rPr lang="fr-CH" sz="2400" dirty="0">
-                <a:latin typeface="Trebuchet MS" panose="020B0603020202020204" pitchFamily="34" charset="0"/>
-              </a:rPr>
-              <a:t> </a:t>
-            </a:r>
-            <a:r>
-              <a:rPr lang="fr-CH" sz="2400" dirty="0" err="1" smtClean="0">
-                <a:latin typeface="Trebuchet MS" panose="020B0603020202020204" pitchFamily="34" charset="0"/>
-              </a:rPr>
-              <a:t>functions</a:t>
-            </a:r>
-            <a:endParaRPr lang="fr-CH" sz="2400" dirty="0" smtClean="0">
-              <a:latin typeface="Trebuchet MS" panose="020B0603020202020204" pitchFamily="34" charset="0"/>
-            </a:endParaRPr>
-          </a:p>
-          <a:p>
-            <a:pPr marL="342900" indent="-342900">
+              <a:rPr lang="fr-CH" dirty="0" err="1" smtClean="0"/>
+              <a:t>Filtered</a:t>
+            </a:r>
+            <a:r>
+              <a:rPr lang="fr-CH" dirty="0" smtClean="0"/>
+              <a:t> out</a:t>
+            </a:r>
+            <a:endParaRPr lang="fr-CH" dirty="0"/>
+          </a:p>
+        </p:txBody>
+      </p:sp>
+      <p:sp>
+        <p:nvSpPr>
+          <p:cNvPr id="9" name="ZoneTexte 8"/>
+          <p:cNvSpPr txBox="1"/>
+          <p:nvPr/>
+        </p:nvSpPr>
+        <p:spPr>
+          <a:xfrm>
+            <a:off x="6564423" y="4289655"/>
+            <a:ext cx="1520792" cy="830997"/>
+          </a:xfrm>
+          <a:prstGeom prst="rect">
+            <a:avLst/>
+          </a:prstGeom>
+          <a:noFill/>
+        </p:spPr>
+        <p:txBody>
+          <a:bodyPr wrap="square" rtlCol="0">
+            <a:spAutoFit/>
+          </a:bodyPr>
+          <a:lstStyle/>
+          <a:p>
+            <a:r>
+              <a:rPr lang="fr-CH" sz="4800" b="1" dirty="0" smtClean="0"/>
+              <a:t>123</a:t>
+            </a:r>
+            <a:endParaRPr lang="fr-CH" sz="4800" b="1" dirty="0"/>
+          </a:p>
+        </p:txBody>
+      </p:sp>
+      <p:sp>
+        <p:nvSpPr>
+          <p:cNvPr id="10" name="ZoneTexte 9"/>
+          <p:cNvSpPr txBox="1"/>
+          <p:nvPr/>
+        </p:nvSpPr>
+        <p:spPr>
+          <a:xfrm>
+            <a:off x="7665719" y="4520488"/>
+            <a:ext cx="1676400" cy="369332"/>
+          </a:xfrm>
+          <a:prstGeom prst="rect">
+            <a:avLst/>
+          </a:prstGeom>
+          <a:noFill/>
+        </p:spPr>
+        <p:txBody>
+          <a:bodyPr wrap="square" rtlCol="0">
+            <a:spAutoFit/>
+          </a:bodyPr>
+          <a:lstStyle/>
+          <a:p>
+            <a:pPr marL="285750" indent="-285750">
               <a:buFont typeface="Arial" panose="020B0604020202020204" pitchFamily="34" charset="0"/>
               <a:buChar char="•"/>
             </a:pPr>
             <a:r>
-              <a:rPr lang="fr-CH" sz="2400" dirty="0" err="1" smtClean="0">
-                <a:latin typeface="Trebuchet MS" panose="020B0603020202020204" pitchFamily="34" charset="0"/>
-              </a:rPr>
-              <a:t>Closure</a:t>
-            </a:r>
-            <a:endParaRPr lang="fr-CH" sz="2400" dirty="0" smtClean="0">
-              <a:latin typeface="Trebuchet MS" panose="020B0603020202020204" pitchFamily="34" charset="0"/>
-            </a:endParaRPr>
-          </a:p>
-          <a:p>
-            <a:pPr marL="342900" indent="-342900">
-              <a:buFont typeface="Arial" panose="020B0604020202020204" pitchFamily="34" charset="0"/>
-              <a:buChar char="•"/>
-            </a:pPr>
-            <a:r>
-              <a:rPr lang="fr-CH" sz="2400" dirty="0" err="1" smtClean="0">
-                <a:latin typeface="Trebuchet MS" panose="020B0603020202020204" pitchFamily="34" charset="0"/>
-              </a:rPr>
-              <a:t>Infered</a:t>
-            </a:r>
-            <a:r>
-              <a:rPr lang="fr-CH" sz="2400" dirty="0" smtClean="0">
-                <a:latin typeface="Trebuchet MS" panose="020B0603020202020204" pitchFamily="34" charset="0"/>
-              </a:rPr>
-              <a:t> types</a:t>
-            </a:r>
-          </a:p>
-          <a:p>
-            <a:pPr marL="342900" indent="-342900">
-              <a:buFont typeface="Arial" panose="020B0604020202020204" pitchFamily="34" charset="0"/>
-              <a:buChar char="•"/>
-            </a:pPr>
-            <a:r>
-              <a:rPr lang="fr-CH" sz="2400" dirty="0" smtClean="0">
-                <a:latin typeface="Trebuchet MS" panose="020B0603020202020204" pitchFamily="34" charset="0"/>
-              </a:rPr>
-              <a:t>Variable </a:t>
-            </a:r>
-            <a:r>
-              <a:rPr lang="fr-CH" sz="2400" dirty="0" err="1" smtClean="0">
-                <a:latin typeface="Trebuchet MS" panose="020B0603020202020204" pitchFamily="34" charset="0"/>
-              </a:rPr>
-              <a:t>declaration</a:t>
-            </a:r>
-            <a:endParaRPr lang="fr-CH" sz="2400" dirty="0" smtClean="0">
-              <a:latin typeface="Trebuchet MS" panose="020B0603020202020204" pitchFamily="34" charset="0"/>
-            </a:endParaRPr>
-          </a:p>
-          <a:p>
-            <a:pPr marL="342900" indent="-342900">
-              <a:buFont typeface="Arial" panose="020B0604020202020204" pitchFamily="34" charset="0"/>
-              <a:buChar char="•"/>
-            </a:pPr>
-            <a:r>
-              <a:rPr lang="fr-CH" sz="2400" dirty="0" smtClean="0">
-                <a:latin typeface="Trebuchet MS" panose="020B0603020202020204" pitchFamily="34" charset="0"/>
-              </a:rPr>
-              <a:t>Constant </a:t>
-            </a:r>
-            <a:r>
-              <a:rPr lang="fr-CH" sz="2400" dirty="0" err="1" smtClean="0">
-                <a:latin typeface="Trebuchet MS" panose="020B0603020202020204" pitchFamily="34" charset="0"/>
-              </a:rPr>
-              <a:t>declaration</a:t>
-            </a:r>
-            <a:endParaRPr lang="fr-CH" sz="2400" dirty="0">
-              <a:latin typeface="Trebuchet MS" panose="020B0603020202020204" pitchFamily="34" charset="0"/>
-            </a:endParaRPr>
+              <a:rPr lang="fr-CH" dirty="0" err="1" smtClean="0"/>
+              <a:t>Projects</a:t>
+            </a:r>
+            <a:r>
+              <a:rPr lang="fr-CH" dirty="0" smtClean="0"/>
+              <a:t> </a:t>
+            </a:r>
+            <a:r>
+              <a:rPr lang="fr-CH" dirty="0" err="1" smtClean="0"/>
+              <a:t>left</a:t>
+            </a:r>
+            <a:endParaRPr lang="fr-CH" dirty="0"/>
+          </a:p>
+        </p:txBody>
+      </p:sp>
+      <p:sp>
+        <p:nvSpPr>
+          <p:cNvPr id="12" name="Accolade fermante 11"/>
+          <p:cNvSpPr/>
+          <p:nvPr/>
+        </p:nvSpPr>
+        <p:spPr>
+          <a:xfrm rot="16200000">
+            <a:off x="5363351" y="-559577"/>
+            <a:ext cx="1362634" cy="8797493"/>
+          </a:xfrm>
+          <a:prstGeom prst="rightBrace">
+            <a:avLst>
+              <a:gd name="adj1" fmla="val 86058"/>
+              <a:gd name="adj2" fmla="val 50000"/>
+            </a:avLst>
+          </a:prstGeom>
+        </p:spPr>
+        <p:style>
+          <a:lnRef idx="1">
+            <a:schemeClr val="accent1"/>
+          </a:lnRef>
+          <a:fillRef idx="0">
+            <a:schemeClr val="accent1"/>
+          </a:fillRef>
+          <a:effectRef idx="0">
+            <a:schemeClr val="accent1"/>
+          </a:effectRef>
+          <a:fontRef idx="minor">
+            <a:schemeClr val="tx1"/>
+          </a:fontRef>
+        </p:style>
+        <p:txBody>
+          <a:bodyPr rtlCol="0" anchor="ctr"/>
+          <a:lstStyle/>
+          <a:p>
+            <a:pPr algn="ctr"/>
+            <a:endParaRPr lang="fr-CH"/>
           </a:p>
         </p:txBody>
       </p:sp>
     </p:spTree>
     <p:extLst>
       <p:ext uri="{BB962C8B-B14F-4D97-AF65-F5344CB8AC3E}">
-        <p14:creationId xmlns:p14="http://schemas.microsoft.com/office/powerpoint/2010/main" val="3882003861"/>
+        <p14:creationId xmlns:p14="http://schemas.microsoft.com/office/powerpoint/2010/main" val="473884730"/>
       </p:ext>
     </p:extLst>
   </p:cSld>
@@ -15894,7 +15681,7 @@
             <a:spLocks noGrp="1"/>
           </p:cNvSpPr>
           <p:nvPr>
-            <p:ph type="ctrTitle"/>
+            <p:ph type="title"/>
           </p:nvPr>
         </p:nvSpPr>
         <p:spPr/>
@@ -15904,7 +15691,11 @@
           <a:p>
             <a:r>
               <a:rPr lang="fr-CH" dirty="0" err="1" smtClean="0"/>
-              <a:t>Results</a:t>
+              <a:t>Extracted</a:t>
+            </a:r>
+            <a:r>
+              <a:rPr lang="fr-CH" dirty="0" smtClean="0"/>
+              <a:t> patterns</a:t>
             </a:r>
             <a:endParaRPr lang="fr-CH" dirty="0"/>
           </a:p>
@@ -15912,20 +15703,125 @@
       </p:sp>
       <p:sp>
         <p:nvSpPr>
-          <p:cNvPr id="3" name="Sous-titre 2"/>
-          <p:cNvSpPr>
-            <a:spLocks noGrp="1"/>
-          </p:cNvSpPr>
-          <p:nvPr>
-            <p:ph type="subTitle" idx="1"/>
+          <p:cNvPr id="3" name="Espace réservé du contenu 2"/>
+          <p:cNvSpPr>
+            <a:spLocks noGrp="1"/>
+          </p:cNvSpPr>
+          <p:nvPr>
+            <p:ph idx="1"/>
           </p:nvPr>
         </p:nvSpPr>
         <p:spPr/>
         <p:txBody>
-          <a:bodyPr/>
-          <a:lstStyle/>
-          <a:p>
-            <a:endParaRPr lang="fr-CH"/>
+          <a:bodyPr>
+            <a:normAutofit/>
+          </a:bodyPr>
+          <a:lstStyle/>
+          <a:p>
+            <a:r>
+              <a:rPr lang="fr-CH" dirty="0"/>
+              <a:t>Protocol </a:t>
+            </a:r>
+            <a:r>
+              <a:rPr lang="fr-CH" dirty="0" err="1" smtClean="0"/>
+              <a:t>declaration</a:t>
+            </a:r>
+            <a:endParaRPr lang="fr-CH" dirty="0"/>
+          </a:p>
+          <a:p>
+            <a:r>
+              <a:rPr lang="fr-CH" dirty="0"/>
+              <a:t>Class </a:t>
+            </a:r>
+            <a:r>
+              <a:rPr lang="fr-CH" dirty="0" err="1"/>
+              <a:t>declaration</a:t>
+            </a:r>
+            <a:r>
+              <a:rPr lang="fr-CH" dirty="0"/>
+              <a:t> </a:t>
+            </a:r>
+          </a:p>
+          <a:p>
+            <a:r>
+              <a:rPr lang="fr-CH" dirty="0" err="1"/>
+              <a:t>Struct</a:t>
+            </a:r>
+            <a:r>
+              <a:rPr lang="fr-CH" dirty="0"/>
+              <a:t> </a:t>
+            </a:r>
+            <a:r>
+              <a:rPr lang="fr-CH" dirty="0" err="1" smtClean="0"/>
+              <a:t>declaration</a:t>
+            </a:r>
+            <a:endParaRPr lang="fr-CH" dirty="0"/>
+          </a:p>
+          <a:p>
+            <a:r>
+              <a:rPr lang="fr-CH" dirty="0" err="1" smtClean="0"/>
+              <a:t>Retroactive</a:t>
+            </a:r>
+            <a:r>
+              <a:rPr lang="fr-CH" dirty="0" smtClean="0"/>
+              <a:t> </a:t>
+            </a:r>
+            <a:r>
+              <a:rPr lang="fr-CH" dirty="0" err="1" smtClean="0"/>
+              <a:t>modeling</a:t>
+            </a:r>
+            <a:endParaRPr lang="fr-CH" dirty="0" smtClean="0"/>
+          </a:p>
+          <a:p>
+            <a:r>
+              <a:rPr lang="fr-CH" dirty="0" smtClean="0"/>
+              <a:t>Protocol extension</a:t>
+            </a:r>
+          </a:p>
+          <a:p>
+            <a:r>
+              <a:rPr lang="fr-CH" dirty="0"/>
+              <a:t>Protocol </a:t>
+            </a:r>
+            <a:r>
+              <a:rPr lang="fr-CH" dirty="0" err="1"/>
+              <a:t>with</a:t>
+            </a:r>
+            <a:r>
+              <a:rPr lang="fr-CH" dirty="0"/>
+              <a:t> </a:t>
+            </a:r>
+            <a:r>
+              <a:rPr lang="fr-CH" dirty="0" err="1"/>
+              <a:t>associated</a:t>
+            </a:r>
+            <a:r>
+              <a:rPr lang="fr-CH" dirty="0"/>
+              <a:t> </a:t>
+            </a:r>
+            <a:r>
+              <a:rPr lang="fr-CH" dirty="0" err="1" smtClean="0"/>
+              <a:t>datatype</a:t>
+            </a:r>
+            <a:endParaRPr lang="fr-CH" dirty="0" smtClean="0"/>
+          </a:p>
+          <a:p>
+            <a:r>
+              <a:rPr lang="fr-CH" dirty="0" err="1" smtClean="0"/>
+              <a:t>Bounded</a:t>
+            </a:r>
+            <a:r>
+              <a:rPr lang="fr-CH" dirty="0" smtClean="0"/>
+              <a:t> </a:t>
+            </a:r>
+            <a:r>
+              <a:rPr lang="fr-CH" dirty="0" err="1" smtClean="0"/>
+              <a:t>polymorphism</a:t>
+            </a:r>
+            <a:endParaRPr lang="fr-CH" dirty="0" smtClean="0"/>
+          </a:p>
+          <a:p>
+            <a:endParaRPr lang="fr-CH" dirty="0"/>
           </a:p>
         </p:txBody>
       </p:sp>
@@ -15952,10 +15848,179 @@
           </a:p>
         </p:txBody>
       </p:sp>
+      <p:sp>
+        <p:nvSpPr>
+          <p:cNvPr id="5" name="Rectangle 4"/>
+          <p:cNvSpPr/>
+          <p:nvPr/>
+        </p:nvSpPr>
+        <p:spPr>
+          <a:xfrm>
+            <a:off x="6807855" y="1861457"/>
+            <a:ext cx="6096000" cy="2677656"/>
+          </a:xfrm>
+          <a:prstGeom prst="rect">
+            <a:avLst/>
+          </a:prstGeom>
+        </p:spPr>
+        <p:txBody>
+          <a:bodyPr>
+            <a:spAutoFit/>
+          </a:bodyPr>
+          <a:lstStyle/>
+          <a:p>
+            <a:pPr marL="342900" indent="-342900">
+              <a:buFont typeface="Arial" panose="020B0604020202020204" pitchFamily="34" charset="0"/>
+              <a:buChar char="•"/>
+            </a:pPr>
+            <a:r>
+              <a:rPr lang="fr-CH" sz="2400" dirty="0" err="1" smtClean="0">
+                <a:latin typeface="Trebuchet MS" panose="020B0603020202020204" pitchFamily="34" charset="0"/>
+              </a:rPr>
+              <a:t>Optional</a:t>
+            </a:r>
+            <a:r>
+              <a:rPr lang="fr-CH" sz="2400" dirty="0" smtClean="0">
+                <a:latin typeface="Trebuchet MS" panose="020B0603020202020204" pitchFamily="34" charset="0"/>
+              </a:rPr>
+              <a:t> </a:t>
+            </a:r>
+            <a:r>
+              <a:rPr lang="fr-CH" sz="2400" dirty="0" err="1" smtClean="0">
+                <a:latin typeface="Trebuchet MS" panose="020B0603020202020204" pitchFamily="34" charset="0"/>
+              </a:rPr>
+              <a:t>chaining</a:t>
+            </a:r>
+            <a:endParaRPr lang="fr-CH" sz="2400" dirty="0" smtClean="0">
+              <a:latin typeface="Trebuchet MS" panose="020B0603020202020204" pitchFamily="34" charset="0"/>
+            </a:endParaRPr>
+          </a:p>
+          <a:p>
+            <a:pPr marL="342900" indent="-342900">
+              <a:buFont typeface="Arial" panose="020B0604020202020204" pitchFamily="34" charset="0"/>
+              <a:buChar char="•"/>
+            </a:pPr>
+            <a:r>
+              <a:rPr lang="fr-CH" sz="2400" dirty="0" err="1">
+                <a:latin typeface="Trebuchet MS" panose="020B0603020202020204" pitchFamily="34" charset="0"/>
+              </a:rPr>
+              <a:t>Optionals</a:t>
+            </a:r>
+            <a:r>
+              <a:rPr lang="fr-CH" sz="2400" dirty="0">
+                <a:latin typeface="Trebuchet MS" panose="020B0603020202020204" pitchFamily="34" charset="0"/>
+              </a:rPr>
+              <a:t> </a:t>
+            </a:r>
+          </a:p>
+          <a:p>
+            <a:pPr marL="342900" indent="-342900">
+              <a:buFont typeface="Arial" panose="020B0604020202020204" pitchFamily="34" charset="0"/>
+              <a:buChar char="•"/>
+            </a:pPr>
+            <a:r>
+              <a:rPr lang="fr-CH" sz="2400" dirty="0" err="1">
+                <a:latin typeface="Trebuchet MS" panose="020B0603020202020204" pitchFamily="34" charset="0"/>
+              </a:rPr>
+              <a:t>Inline</a:t>
+            </a:r>
+            <a:r>
+              <a:rPr lang="fr-CH" sz="2400" dirty="0">
+                <a:latin typeface="Trebuchet MS" panose="020B0603020202020204" pitchFamily="34" charset="0"/>
+              </a:rPr>
+              <a:t> </a:t>
+            </a:r>
+            <a:r>
+              <a:rPr lang="fr-CH" sz="2400" dirty="0" err="1" smtClean="0">
+                <a:latin typeface="Trebuchet MS" panose="020B0603020202020204" pitchFamily="34" charset="0"/>
+              </a:rPr>
+              <a:t>functions</a:t>
+            </a:r>
+            <a:endParaRPr lang="fr-CH" sz="2400" dirty="0" smtClean="0">
+              <a:latin typeface="Trebuchet MS" panose="020B0603020202020204" pitchFamily="34" charset="0"/>
+            </a:endParaRPr>
+          </a:p>
+          <a:p>
+            <a:pPr marL="342900" indent="-342900">
+              <a:buFont typeface="Arial" panose="020B0604020202020204" pitchFamily="34" charset="0"/>
+              <a:buChar char="•"/>
+            </a:pPr>
+            <a:r>
+              <a:rPr lang="fr-CH" sz="2400" dirty="0" err="1" smtClean="0">
+                <a:latin typeface="Trebuchet MS" panose="020B0603020202020204" pitchFamily="34" charset="0"/>
+              </a:rPr>
+              <a:t>Closure</a:t>
+            </a:r>
+            <a:endParaRPr lang="fr-CH" sz="2400" dirty="0" smtClean="0">
+              <a:latin typeface="Trebuchet MS" panose="020B0603020202020204" pitchFamily="34" charset="0"/>
+            </a:endParaRPr>
+          </a:p>
+          <a:p>
+            <a:pPr marL="342900" indent="-342900">
+              <a:buFont typeface="Arial" panose="020B0604020202020204" pitchFamily="34" charset="0"/>
+              <a:buChar char="•"/>
+            </a:pPr>
+            <a:r>
+              <a:rPr lang="fr-CH" sz="2400" dirty="0" err="1" smtClean="0">
+                <a:latin typeface="Trebuchet MS" panose="020B0603020202020204" pitchFamily="34" charset="0"/>
+              </a:rPr>
+              <a:t>Infered</a:t>
+            </a:r>
+            <a:r>
+              <a:rPr lang="fr-CH" sz="2400" dirty="0" smtClean="0">
+                <a:latin typeface="Trebuchet MS" panose="020B0603020202020204" pitchFamily="34" charset="0"/>
+              </a:rPr>
+              <a:t> types</a:t>
+            </a:r>
+          </a:p>
+          <a:p>
+            <a:pPr marL="342900" indent="-342900">
+              <a:buFont typeface="Arial" panose="020B0604020202020204" pitchFamily="34" charset="0"/>
+              <a:buChar char="•"/>
+            </a:pPr>
+            <a:r>
+              <a:rPr lang="fr-CH" sz="2400" dirty="0" smtClean="0">
+                <a:latin typeface="Trebuchet MS" panose="020B0603020202020204" pitchFamily="34" charset="0"/>
+              </a:rPr>
+              <a:t>Variable </a:t>
+            </a:r>
+            <a:r>
+              <a:rPr lang="fr-CH" sz="2400" dirty="0" err="1" smtClean="0">
+                <a:latin typeface="Trebuchet MS" panose="020B0603020202020204" pitchFamily="34" charset="0"/>
+              </a:rPr>
+              <a:t>declaration</a:t>
+            </a:r>
+            <a:endParaRPr lang="fr-CH" sz="2400" dirty="0" smtClean="0">
+              <a:latin typeface="Trebuchet MS" panose="020B0603020202020204" pitchFamily="34" charset="0"/>
+            </a:endParaRPr>
+          </a:p>
+          <a:p>
+            <a:pPr marL="342900" indent="-342900">
+              <a:buFont typeface="Arial" panose="020B0604020202020204" pitchFamily="34" charset="0"/>
+              <a:buChar char="•"/>
+            </a:pPr>
+            <a:r>
+              <a:rPr lang="fr-CH" sz="2400" dirty="0" smtClean="0">
+                <a:latin typeface="Trebuchet MS" panose="020B0603020202020204" pitchFamily="34" charset="0"/>
+              </a:rPr>
+              <a:t>Constant </a:t>
+            </a:r>
+            <a:r>
+              <a:rPr lang="fr-CH" sz="2400" dirty="0" err="1" smtClean="0">
+                <a:latin typeface="Trebuchet MS" panose="020B0603020202020204" pitchFamily="34" charset="0"/>
+              </a:rPr>
+              <a:t>declaration</a:t>
+            </a:r>
+            <a:endParaRPr lang="fr-CH" sz="2400" dirty="0">
+              <a:latin typeface="Trebuchet MS" panose="020B0603020202020204" pitchFamily="34" charset="0"/>
+            </a:endParaRPr>
+          </a:p>
+        </p:txBody>
+      </p:sp>
     </p:spTree>
     <p:extLst>
       <p:ext uri="{BB962C8B-B14F-4D97-AF65-F5344CB8AC3E}">
-        <p14:creationId xmlns:p14="http://schemas.microsoft.com/office/powerpoint/2010/main" val="1882605588"/>
+        <p14:creationId xmlns:p14="http://schemas.microsoft.com/office/powerpoint/2010/main" val="3882003861"/>
       </p:ext>
     </p:extLst>
   </p:cSld>
@@ -15996,7 +16061,7 @@
             <a:spLocks noGrp="1"/>
           </p:cNvSpPr>
           <p:nvPr>
-            <p:ph type="title"/>
+            <p:ph type="ctrTitle"/>
           </p:nvPr>
         </p:nvSpPr>
         <p:spPr/>
@@ -16012,31 +16077,25 @@
           </a:p>
         </p:txBody>
       </p:sp>
-      <p:graphicFrame>
-        <p:nvGraphicFramePr>
-          <p:cNvPr id="7" name="Espace réservé du contenu 6"/>
-          <p:cNvGraphicFramePr>
-            <a:graphicFrameLocks noGrp="1"/>
-          </p:cNvGraphicFramePr>
-          <p:nvPr>
-            <p:ph idx="1"/>
-            <p:extLst>
-              <p:ext uri="{D42A27DB-BD31-4B8C-83A1-F6EECF244321}">
-                <p14:modId xmlns:p14="http://schemas.microsoft.com/office/powerpoint/2010/main" val="3951230734"/>
-              </p:ext>
-            </p:extLst>
-          </p:nvPr>
-        </p:nvGraphicFramePr>
-        <p:xfrm>
-          <a:off x="502508" y="1227438"/>
-          <a:ext cx="10140778" cy="5494037"/>
-        </p:xfrm>
-        <a:graphic>
-          <a:graphicData uri="http://schemas.openxmlformats.org/drawingml/2006/chart">
-            <c:chart xmlns:c="http://schemas.openxmlformats.org/drawingml/2006/chart" xmlns:r="http://schemas.openxmlformats.org/officeDocument/2006/relationships" r:id="rId2"/>
-          </a:graphicData>
-        </a:graphic>
-      </p:graphicFrame>
+      <p:sp>
+        <p:nvSpPr>
+          <p:cNvPr id="3" name="Sous-titre 2"/>
+          <p:cNvSpPr>
+            <a:spLocks noGrp="1"/>
+          </p:cNvSpPr>
+          <p:nvPr>
+            <p:ph type="subTitle" idx="1"/>
+          </p:nvPr>
+        </p:nvSpPr>
+        <p:spPr/>
+        <p:txBody>
+          <a:bodyPr/>
+          <a:lstStyle/>
+          <a:p>
+            <a:endParaRPr lang="fr-CH"/>
+          </a:p>
+        </p:txBody>
+      </p:sp>
       <p:sp>
         <p:nvSpPr>
           <p:cNvPr id="4" name="Espace réservé du numéro de diapositive 3"/>
@@ -16063,7 +16122,7 @@
     </p:spTree>
     <p:extLst>
       <p:ext uri="{BB962C8B-B14F-4D97-AF65-F5344CB8AC3E}">
-        <p14:creationId xmlns:p14="http://schemas.microsoft.com/office/powerpoint/2010/main" val="1105297126"/>
+        <p14:creationId xmlns:p14="http://schemas.microsoft.com/office/powerpoint/2010/main" val="1882605588"/>
       </p:ext>
     </p:extLst>
   </p:cSld>
@@ -16130,14 +16189,14 @@
             <p:ph idx="1"/>
             <p:extLst>
               <p:ext uri="{D42A27DB-BD31-4B8C-83A1-F6EECF244321}">
-                <p14:modId xmlns:p14="http://schemas.microsoft.com/office/powerpoint/2010/main" val="2716214168"/>
+                <p14:modId xmlns:p14="http://schemas.microsoft.com/office/powerpoint/2010/main" val="3951230734"/>
               </p:ext>
             </p:extLst>
           </p:nvPr>
         </p:nvGraphicFramePr>
         <p:xfrm>
-          <a:off x="677863" y="1318054"/>
-          <a:ext cx="9454678" cy="4723971"/>
+          <a:off x="502508" y="1227438"/>
+          <a:ext cx="10140778" cy="5494037"/>
         </p:xfrm>
         <a:graphic>
           <a:graphicData uri="http://schemas.openxmlformats.org/drawingml/2006/chart">
@@ -16171,7 +16230,7 @@
     </p:spTree>
     <p:extLst>
       <p:ext uri="{BB962C8B-B14F-4D97-AF65-F5344CB8AC3E}">
-        <p14:creationId xmlns:p14="http://schemas.microsoft.com/office/powerpoint/2010/main" val="2837540301"/>
+        <p14:creationId xmlns:p14="http://schemas.microsoft.com/office/powerpoint/2010/main" val="1105297126"/>
       </p:ext>
     </p:extLst>
   </p:cSld>
@@ -16238,7 +16297,7 @@
             <p:ph idx="1"/>
             <p:extLst>
               <p:ext uri="{D42A27DB-BD31-4B8C-83A1-F6EECF244321}">
-                <p14:modId xmlns:p14="http://schemas.microsoft.com/office/powerpoint/2010/main" val="3534903920"/>
+                <p14:modId xmlns:p14="http://schemas.microsoft.com/office/powerpoint/2010/main" val="2716214168"/>
               </p:ext>
             </p:extLst>
           </p:nvPr>
@@ -16279,7 +16338,7 @@
     </p:spTree>
     <p:extLst>
       <p:ext uri="{BB962C8B-B14F-4D97-AF65-F5344CB8AC3E}">
-        <p14:creationId xmlns:p14="http://schemas.microsoft.com/office/powerpoint/2010/main" val="382655199"/>
+        <p14:creationId xmlns:p14="http://schemas.microsoft.com/office/powerpoint/2010/main" val="2837540301"/>
       </p:ext>
     </p:extLst>
   </p:cSld>
@@ -16542,62 +16601,38 @@
           <a:lstStyle/>
           <a:p>
             <a:r>
-              <a:rPr lang="fr-CH" dirty="0" smtClean="0"/>
-              <a:t>Evolution of </a:t>
-            </a:r>
-            <a:r>
               <a:rPr lang="fr-CH" dirty="0" err="1" smtClean="0"/>
-              <a:t>specific</a:t>
-            </a:r>
-            <a:r>
-              <a:rPr lang="fr-CH" dirty="0" smtClean="0"/>
-              <a:t> </a:t>
-            </a:r>
-            <a:r>
-              <a:rPr lang="fr-CH" dirty="0" err="1" smtClean="0"/>
-              <a:t>feature</a:t>
-            </a:r>
-            <a:r>
-              <a:rPr lang="fr-CH" dirty="0" smtClean="0"/>
-              <a:t> in </a:t>
-            </a:r>
-            <a:r>
-              <a:rPr lang="fr-CH" dirty="0" err="1" smtClean="0"/>
-              <a:t>project</a:t>
+              <a:t>Results</a:t>
             </a:r>
             <a:endParaRPr lang="fr-CH" dirty="0"/>
           </a:p>
         </p:txBody>
       </p:sp>
-      <p:pic>
-        <p:nvPicPr>
-          <p:cNvPr id="5" name="Espace réservé du contenu 4"/>
-          <p:cNvPicPr>
-            <a:picLocks noGrp="1" noChangeAspect="1"/>
-          </p:cNvPicPr>
+      <p:graphicFrame>
+        <p:nvGraphicFramePr>
+          <p:cNvPr id="7" name="Espace réservé du contenu 6"/>
+          <p:cNvGraphicFramePr>
+            <a:graphicFrameLocks noGrp="1"/>
+          </p:cNvGraphicFramePr>
           <p:nvPr>
             <p:ph idx="1"/>
-          </p:nvPr>
-        </p:nvPicPr>
-        <p:blipFill>
-          <a:blip r:embed="rId2">
-            <a:extLst>
-              <a:ext uri="{28A0092B-C50C-407E-A947-70E740481C1C}">
-                <a14:useLocalDpi xmlns:a14="http://schemas.microsoft.com/office/drawing/2010/main" val="0"/>
-              </a:ext>
-            </a:extLst>
-          </a:blip>
-          <a:stretch>
-            <a:fillRect/>
-          </a:stretch>
-        </p:blipFill>
-        <p:spPr>
-          <a:xfrm>
-            <a:off x="3318012" y="1804473"/>
-            <a:ext cx="5573182" cy="4179887"/>
-          </a:xfrm>
-        </p:spPr>
-      </p:pic>
+            <p:extLst>
+              <p:ext uri="{D42A27DB-BD31-4B8C-83A1-F6EECF244321}">
+                <p14:modId xmlns:p14="http://schemas.microsoft.com/office/powerpoint/2010/main" val="3534903920"/>
+              </p:ext>
+            </p:extLst>
+          </p:nvPr>
+        </p:nvGraphicFramePr>
+        <p:xfrm>
+          <a:off x="677863" y="1318054"/>
+          <a:ext cx="9454678" cy="4723971"/>
+        </p:xfrm>
+        <a:graphic>
+          <a:graphicData uri="http://schemas.openxmlformats.org/drawingml/2006/chart">
+            <c:chart xmlns:c="http://schemas.openxmlformats.org/drawingml/2006/chart" xmlns:r="http://schemas.openxmlformats.org/officeDocument/2006/relationships" r:id="rId2"/>
+          </a:graphicData>
+        </a:graphic>
+      </p:graphicFrame>
       <p:sp>
         <p:nvSpPr>
           <p:cNvPr id="4" name="Espace réservé du numéro de diapositive 3"/>
@@ -16624,7 +16659,7 @@
     </p:spTree>
     <p:extLst>
       <p:ext uri="{BB962C8B-B14F-4D97-AF65-F5344CB8AC3E}">
-        <p14:creationId xmlns:p14="http://schemas.microsoft.com/office/powerpoint/2010/main" val="304126981"/>
+        <p14:creationId xmlns:p14="http://schemas.microsoft.com/office/powerpoint/2010/main" val="382655199"/>
       </p:ext>
     </p:extLst>
   </p:cSld>
@@ -16675,6 +16710,138 @@
           <a:p>
             <a:r>
               <a:rPr lang="fr-CH" dirty="0" smtClean="0"/>
+              <a:t>Evolution of </a:t>
+            </a:r>
+            <a:r>
+              <a:rPr lang="fr-CH" dirty="0" err="1" smtClean="0"/>
+              <a:t>specific</a:t>
+            </a:r>
+            <a:r>
+              <a:rPr lang="fr-CH" dirty="0" smtClean="0"/>
+              <a:t> </a:t>
+            </a:r>
+            <a:r>
+              <a:rPr lang="fr-CH" dirty="0" err="1" smtClean="0"/>
+              <a:t>feature</a:t>
+            </a:r>
+            <a:r>
+              <a:rPr lang="fr-CH" dirty="0" smtClean="0"/>
+              <a:t> in </a:t>
+            </a:r>
+            <a:r>
+              <a:rPr lang="fr-CH" dirty="0" err="1" smtClean="0"/>
+              <a:t>project</a:t>
+            </a:r>
+            <a:endParaRPr lang="fr-CH" dirty="0"/>
+          </a:p>
+        </p:txBody>
+      </p:sp>
+      <p:pic>
+        <p:nvPicPr>
+          <p:cNvPr id="5" name="Espace réservé du contenu 4"/>
+          <p:cNvPicPr>
+            <a:picLocks noGrp="1" noChangeAspect="1"/>
+          </p:cNvPicPr>
+          <p:nvPr>
+            <p:ph idx="1"/>
+          </p:nvPr>
+        </p:nvPicPr>
+        <p:blipFill>
+          <a:blip r:embed="rId2">
+            <a:extLst>
+              <a:ext uri="{28A0092B-C50C-407E-A947-70E740481C1C}">
+                <a14:useLocalDpi xmlns:a14="http://schemas.microsoft.com/office/drawing/2010/main" val="0"/>
+              </a:ext>
+            </a:extLst>
+          </a:blip>
+          <a:stretch>
+            <a:fillRect/>
+          </a:stretch>
+        </p:blipFill>
+        <p:spPr>
+          <a:xfrm>
+            <a:off x="3318012" y="1804473"/>
+            <a:ext cx="5573182" cy="4179887"/>
+          </a:xfrm>
+        </p:spPr>
+      </p:pic>
+      <p:sp>
+        <p:nvSpPr>
+          <p:cNvPr id="4" name="Espace réservé du numéro de diapositive 3"/>
+          <p:cNvSpPr>
+            <a:spLocks noGrp="1"/>
+          </p:cNvSpPr>
+          <p:nvPr>
+            <p:ph type="sldNum" sz="quarter" idx="12"/>
+          </p:nvPr>
+        </p:nvSpPr>
+        <p:spPr/>
+        <p:txBody>
+          <a:bodyPr/>
+          <a:lstStyle/>
+          <a:p>
+            <a:fld id="{F60449C3-8BCD-4455-8E2A-A866209B9601}" type="slidenum">
+              <a:rPr lang="fr-CH" smtClean="0"/>
+              <a:t>21</a:t>
+            </a:fld>
+            <a:endParaRPr lang="fr-CH"/>
+          </a:p>
+        </p:txBody>
+      </p:sp>
+    </p:spTree>
+    <p:extLst>
+      <p:ext uri="{BB962C8B-B14F-4D97-AF65-F5344CB8AC3E}">
+        <p14:creationId xmlns:p14="http://schemas.microsoft.com/office/powerpoint/2010/main" val="304126981"/>
+      </p:ext>
+    </p:extLst>
+  </p:cSld>
+  <p:clrMapOvr>
+    <a:masterClrMapping/>
+  </p:clrMapOvr>
+  <p:timing>
+    <p:tnLst>
+      <p:par>
+        <p:cTn id="1" dur="indefinite" restart="never" nodeType="tmRoot"/>
+      </p:par>
+    </p:tnLst>
+  </p:timing>
+</p:sld>
+</file>
+
+<file path=ppt/slides/slide22.xml><?xml version="1.0" encoding="utf-8"?>
+<p:sld xmlns:a="http://schemas.openxmlformats.org/drawingml/2006/main" xmlns:r="http://schemas.openxmlformats.org/officeDocument/2006/relationships" xmlns:p="http://schemas.openxmlformats.org/presentationml/2006/main">
+  <p:cSld>
+    <p:spTree>
+      <p:nvGrpSpPr>
+        <p:cNvPr id="1" name=""/>
+        <p:cNvGrpSpPr/>
+        <p:nvPr/>
+      </p:nvGrpSpPr>
+      <p:grpSpPr>
+        <a:xfrm>
+          <a:off x="0" y="0"/>
+          <a:ext cx="0" cy="0"/>
+          <a:chOff x="0" y="0"/>
+          <a:chExt cx="0" cy="0"/>
+        </a:xfrm>
+      </p:grpSpPr>
+      <p:sp>
+        <p:nvSpPr>
+          <p:cNvPr id="2" name="Titre 1"/>
+          <p:cNvSpPr>
+            <a:spLocks noGrp="1"/>
+          </p:cNvSpPr>
+          <p:nvPr>
+            <p:ph type="title"/>
+          </p:nvPr>
+        </p:nvSpPr>
+        <p:spPr/>
+        <p:txBody>
+          <a:bodyPr/>
+          <a:lstStyle/>
+          <a:p>
+            <a:r>
+              <a:rPr lang="fr-CH" dirty="0" smtClean="0"/>
               <a:t>Original </a:t>
             </a:r>
             <a:r>
@@ -16773,7 +16940,7 @@
           <a:p>
             <a:fld id="{5C659214-C5B2-4878-BE63-6680446A108B}" type="slidenum">
               <a:rPr lang="fr-CH" smtClean="0"/>
-              <a:t>21</a:t>
+              <a:t>22</a:t>
             </a:fld>
             <a:endParaRPr lang="fr-CH"/>
           </a:p>
@@ -16994,11 +17161,7 @@
           <a:p>
             <a:r>
               <a:rPr lang="fr-CH" dirty="0" smtClean="0"/>
-              <a:t>Project </a:t>
-            </a:r>
-            <a:r>
-              <a:rPr lang="fr-CH" dirty="0" smtClean="0"/>
-              <a:t>scope</a:t>
+              <a:t>Project scope</a:t>
             </a:r>
             <a:endParaRPr lang="fr-CH" dirty="0"/>
           </a:p>
